--- a/images/artificialneuron.pptx
+++ b/images/artificialneuron.pptx
@@ -6,6 +6,7 @@
   </p:sldMasterIdLst>
   <p:sldIdLst>
     <p:sldId id="256" r:id="rId2"/>
+    <p:sldId id="257" r:id="rId3"/>
   </p:sldIdLst>
   <p:sldSz cx="12192000" cy="6858000"/>
   <p:notesSz cx="6858000" cy="9144000"/>
@@ -104,6 +105,11 @@
       </a:defRPr>
     </a:lvl9pPr>
   </p:defaultTextStyle>
+  <p:extLst>
+    <p:ext uri="{EFAFB233-063F-42B5-8137-9DF3F51BA10A}">
+      <p15:sldGuideLst xmlns:p15="http://schemas.microsoft.com/office/powerpoint/2012/main"/>
+    </p:ext>
+  </p:extLst>
 </p:presentation>
 </file>
 
@@ -256,7 +262,7 @@
           <a:p>
             <a:fld id="{B1F4DEF0-A997-E946-A416-2529DE1CB5FF}" type="datetimeFigureOut">
               <a:rPr lang="en-IT" smtClean="0"/>
-              <a:t>21/12/2020</a:t>
+              <a:t>22/12/2020</a:t>
             </a:fld>
             <a:endParaRPr lang="en-IT"/>
           </a:p>
@@ -456,7 +462,7 @@
           <a:p>
             <a:fld id="{B1F4DEF0-A997-E946-A416-2529DE1CB5FF}" type="datetimeFigureOut">
               <a:rPr lang="en-IT" smtClean="0"/>
-              <a:t>21/12/2020</a:t>
+              <a:t>22/12/2020</a:t>
             </a:fld>
             <a:endParaRPr lang="en-IT"/>
           </a:p>
@@ -666,7 +672,7 @@
           <a:p>
             <a:fld id="{B1F4DEF0-A997-E946-A416-2529DE1CB5FF}" type="datetimeFigureOut">
               <a:rPr lang="en-IT" smtClean="0"/>
-              <a:t>21/12/2020</a:t>
+              <a:t>22/12/2020</a:t>
             </a:fld>
             <a:endParaRPr lang="en-IT"/>
           </a:p>
@@ -866,7 +872,7 @@
           <a:p>
             <a:fld id="{B1F4DEF0-A997-E946-A416-2529DE1CB5FF}" type="datetimeFigureOut">
               <a:rPr lang="en-IT" smtClean="0"/>
-              <a:t>21/12/2020</a:t>
+              <a:t>22/12/2020</a:t>
             </a:fld>
             <a:endParaRPr lang="en-IT"/>
           </a:p>
@@ -1142,7 +1148,7 @@
           <a:p>
             <a:fld id="{B1F4DEF0-A997-E946-A416-2529DE1CB5FF}" type="datetimeFigureOut">
               <a:rPr lang="en-IT" smtClean="0"/>
-              <a:t>21/12/2020</a:t>
+              <a:t>22/12/2020</a:t>
             </a:fld>
             <a:endParaRPr lang="en-IT"/>
           </a:p>
@@ -1410,7 +1416,7 @@
           <a:p>
             <a:fld id="{B1F4DEF0-A997-E946-A416-2529DE1CB5FF}" type="datetimeFigureOut">
               <a:rPr lang="en-IT" smtClean="0"/>
-              <a:t>21/12/2020</a:t>
+              <a:t>22/12/2020</a:t>
             </a:fld>
             <a:endParaRPr lang="en-IT"/>
           </a:p>
@@ -1825,7 +1831,7 @@
           <a:p>
             <a:fld id="{B1F4DEF0-A997-E946-A416-2529DE1CB5FF}" type="datetimeFigureOut">
               <a:rPr lang="en-IT" smtClean="0"/>
-              <a:t>21/12/2020</a:t>
+              <a:t>22/12/2020</a:t>
             </a:fld>
             <a:endParaRPr lang="en-IT"/>
           </a:p>
@@ -1967,7 +1973,7 @@
           <a:p>
             <a:fld id="{B1F4DEF0-A997-E946-A416-2529DE1CB5FF}" type="datetimeFigureOut">
               <a:rPr lang="en-IT" smtClean="0"/>
-              <a:t>21/12/2020</a:t>
+              <a:t>22/12/2020</a:t>
             </a:fld>
             <a:endParaRPr lang="en-IT"/>
           </a:p>
@@ -2080,7 +2086,7 @@
           <a:p>
             <a:fld id="{B1F4DEF0-A997-E946-A416-2529DE1CB5FF}" type="datetimeFigureOut">
               <a:rPr lang="en-IT" smtClean="0"/>
-              <a:t>21/12/2020</a:t>
+              <a:t>22/12/2020</a:t>
             </a:fld>
             <a:endParaRPr lang="en-IT"/>
           </a:p>
@@ -2393,7 +2399,7 @@
           <a:p>
             <a:fld id="{B1F4DEF0-A997-E946-A416-2529DE1CB5FF}" type="datetimeFigureOut">
               <a:rPr lang="en-IT" smtClean="0"/>
-              <a:t>21/12/2020</a:t>
+              <a:t>22/12/2020</a:t>
             </a:fld>
             <a:endParaRPr lang="en-IT"/>
           </a:p>
@@ -2682,7 +2688,7 @@
           <a:p>
             <a:fld id="{B1F4DEF0-A997-E946-A416-2529DE1CB5FF}" type="datetimeFigureOut">
               <a:rPr lang="en-IT" smtClean="0"/>
-              <a:t>21/12/2020</a:t>
+              <a:t>22/12/2020</a:t>
             </a:fld>
             <a:endParaRPr lang="en-IT"/>
           </a:p>
@@ -2925,7 +2931,7 @@
           <a:p>
             <a:fld id="{B1F4DEF0-A997-E946-A416-2529DE1CB5FF}" type="datetimeFigureOut">
               <a:rPr lang="en-IT" smtClean="0"/>
-              <a:t>21/12/2020</a:t>
+              <a:t>22/12/2020</a:t>
             </a:fld>
             <a:endParaRPr lang="en-IT"/>
           </a:p>
@@ -4312,6 +4318,1476 @@
 </p:sld>
 </file>
 
+<file path=ppt/slides/slide2.xml><?xml version="1.0" encoding="utf-8"?>
+<p:sld xmlns:a="http://schemas.openxmlformats.org/drawingml/2006/main" xmlns:r="http://schemas.openxmlformats.org/officeDocument/2006/relationships" xmlns:p="http://schemas.openxmlformats.org/presentationml/2006/main">
+  <p:cSld>
+    <p:spTree>
+      <p:nvGrpSpPr>
+        <p:cNvPr id="1" name=""/>
+        <p:cNvGrpSpPr/>
+        <p:nvPr/>
+      </p:nvGrpSpPr>
+      <p:grpSpPr>
+        <a:xfrm>
+          <a:off x="0" y="0"/>
+          <a:ext cx="0" cy="0"/>
+          <a:chOff x="0" y="0"/>
+          <a:chExt cx="0" cy="0"/>
+        </a:xfrm>
+      </p:grpSpPr>
+      <p:sp>
+        <p:nvSpPr>
+          <p:cNvPr id="4" name="Oval 3">
+            <a:extLst>
+              <a:ext uri="{FF2B5EF4-FFF2-40B4-BE49-F238E27FC236}">
+                <a16:creationId xmlns:a16="http://schemas.microsoft.com/office/drawing/2014/main" id="{2DD99FE0-AC57-9340-86C0-BE697C546769}"/>
+              </a:ext>
+            </a:extLst>
+          </p:cNvPr>
+          <p:cNvSpPr/>
+          <p:nvPr/>
+        </p:nvSpPr>
+        <p:spPr>
+          <a:xfrm>
+            <a:off x="4947781" y="2388850"/>
+            <a:ext cx="338203" cy="335071"/>
+          </a:xfrm>
+          <a:prstGeom prst="ellipse">
+            <a:avLst/>
+          </a:prstGeom>
+        </p:spPr>
+        <p:style>
+          <a:lnRef idx="2">
+            <a:schemeClr val="accent1">
+              <a:shade val="50000"/>
+            </a:schemeClr>
+          </a:lnRef>
+          <a:fillRef idx="1">
+            <a:schemeClr val="accent1"/>
+          </a:fillRef>
+          <a:effectRef idx="0">
+            <a:schemeClr val="accent1"/>
+          </a:effectRef>
+          <a:fontRef idx="minor">
+            <a:schemeClr val="lt1"/>
+          </a:fontRef>
+        </p:style>
+        <p:txBody>
+          <a:bodyPr rtlCol="0" anchor="ctr"/>
+          <a:lstStyle/>
+          <a:p>
+            <a:pPr algn="ctr"/>
+            <a:endParaRPr lang="en-IT" sz="2800"/>
+          </a:p>
+        </p:txBody>
+      </p:sp>
+      <p:cxnSp>
+        <p:nvCxnSpPr>
+          <p:cNvPr id="5" name="Straight Arrow Connector 4">
+            <a:extLst>
+              <a:ext uri="{FF2B5EF4-FFF2-40B4-BE49-F238E27FC236}">
+                <a16:creationId xmlns:a16="http://schemas.microsoft.com/office/drawing/2014/main" id="{4A3B219A-1257-DA4B-B1FE-4E7854AC0792}"/>
+              </a:ext>
+            </a:extLst>
+          </p:cNvPr>
+          <p:cNvCxnSpPr>
+            <a:cxnSpLocks/>
+            <a:endCxn id="4" idx="2"/>
+          </p:cNvCxnSpPr>
+          <p:nvPr/>
+        </p:nvCxnSpPr>
+        <p:spPr>
+          <a:xfrm>
+            <a:off x="1365338" y="877898"/>
+            <a:ext cx="3582443" cy="1678488"/>
+          </a:xfrm>
+          <a:prstGeom prst="straightConnector1">
+            <a:avLst/>
+          </a:prstGeom>
+          <a:ln w="25400">
+            <a:tailEnd type="triangle"/>
+          </a:ln>
+        </p:spPr>
+        <p:style>
+          <a:lnRef idx="1">
+            <a:schemeClr val="accent1"/>
+          </a:lnRef>
+          <a:fillRef idx="0">
+            <a:schemeClr val="accent1"/>
+          </a:fillRef>
+          <a:effectRef idx="0">
+            <a:schemeClr val="accent1"/>
+          </a:effectRef>
+          <a:fontRef idx="minor">
+            <a:schemeClr val="tx1"/>
+          </a:fontRef>
+        </p:style>
+      </p:cxnSp>
+      <p:cxnSp>
+        <p:nvCxnSpPr>
+          <p:cNvPr id="6" name="Straight Arrow Connector 5">
+            <a:extLst>
+              <a:ext uri="{FF2B5EF4-FFF2-40B4-BE49-F238E27FC236}">
+                <a16:creationId xmlns:a16="http://schemas.microsoft.com/office/drawing/2014/main" id="{4286F658-1157-EA47-8024-3BC443845E72}"/>
+              </a:ext>
+            </a:extLst>
+          </p:cNvPr>
+          <p:cNvCxnSpPr>
+            <a:cxnSpLocks/>
+            <a:stCxn id="4" idx="6"/>
+          </p:cNvCxnSpPr>
+          <p:nvPr/>
+        </p:nvCxnSpPr>
+        <p:spPr>
+          <a:xfrm>
+            <a:off x="5285984" y="2556386"/>
+            <a:ext cx="2791216" cy="7566"/>
+          </a:xfrm>
+          <a:prstGeom prst="straightConnector1">
+            <a:avLst/>
+          </a:prstGeom>
+          <a:ln w="25400">
+            <a:tailEnd type="triangle"/>
+          </a:ln>
+        </p:spPr>
+        <p:style>
+          <a:lnRef idx="1">
+            <a:schemeClr val="accent1"/>
+          </a:lnRef>
+          <a:fillRef idx="0">
+            <a:schemeClr val="accent1"/>
+          </a:fillRef>
+          <a:effectRef idx="0">
+            <a:schemeClr val="accent1"/>
+          </a:effectRef>
+          <a:fontRef idx="minor">
+            <a:schemeClr val="tx1"/>
+          </a:fontRef>
+        </p:style>
+      </p:cxnSp>
+      <p:cxnSp>
+        <p:nvCxnSpPr>
+          <p:cNvPr id="7" name="Straight Arrow Connector 6">
+            <a:extLst>
+              <a:ext uri="{FF2B5EF4-FFF2-40B4-BE49-F238E27FC236}">
+                <a16:creationId xmlns:a16="http://schemas.microsoft.com/office/drawing/2014/main" id="{39B18F75-3E18-A34A-9C31-A3CF20C94A48}"/>
+              </a:ext>
+            </a:extLst>
+          </p:cNvPr>
+          <p:cNvCxnSpPr>
+            <a:cxnSpLocks/>
+            <a:endCxn id="4" idx="2"/>
+          </p:cNvCxnSpPr>
+          <p:nvPr/>
+        </p:nvCxnSpPr>
+        <p:spPr>
+          <a:xfrm>
+            <a:off x="1365338" y="1313439"/>
+            <a:ext cx="3582443" cy="1242947"/>
+          </a:xfrm>
+          <a:prstGeom prst="straightConnector1">
+            <a:avLst/>
+          </a:prstGeom>
+          <a:ln w="25400">
+            <a:tailEnd type="triangle"/>
+          </a:ln>
+        </p:spPr>
+        <p:style>
+          <a:lnRef idx="1">
+            <a:schemeClr val="accent1"/>
+          </a:lnRef>
+          <a:fillRef idx="0">
+            <a:schemeClr val="accent1"/>
+          </a:fillRef>
+          <a:effectRef idx="0">
+            <a:schemeClr val="accent1"/>
+          </a:effectRef>
+          <a:fontRef idx="minor">
+            <a:schemeClr val="tx1"/>
+          </a:fontRef>
+        </p:style>
+      </p:cxnSp>
+      <p:cxnSp>
+        <p:nvCxnSpPr>
+          <p:cNvPr id="8" name="Straight Arrow Connector 7">
+            <a:extLst>
+              <a:ext uri="{FF2B5EF4-FFF2-40B4-BE49-F238E27FC236}">
+                <a16:creationId xmlns:a16="http://schemas.microsoft.com/office/drawing/2014/main" id="{B1DAF08B-CDC2-F14D-B78C-B041973BEA5A}"/>
+              </a:ext>
+            </a:extLst>
+          </p:cNvPr>
+          <p:cNvCxnSpPr>
+            <a:cxnSpLocks/>
+            <a:endCxn id="4" idx="2"/>
+          </p:cNvCxnSpPr>
+          <p:nvPr/>
+        </p:nvCxnSpPr>
+        <p:spPr>
+          <a:xfrm>
+            <a:off x="1365338" y="1794385"/>
+            <a:ext cx="3582443" cy="762001"/>
+          </a:xfrm>
+          <a:prstGeom prst="straightConnector1">
+            <a:avLst/>
+          </a:prstGeom>
+          <a:ln w="25400">
+            <a:tailEnd type="triangle"/>
+          </a:ln>
+        </p:spPr>
+        <p:style>
+          <a:lnRef idx="1">
+            <a:schemeClr val="accent1"/>
+          </a:lnRef>
+          <a:fillRef idx="0">
+            <a:schemeClr val="accent1"/>
+          </a:fillRef>
+          <a:effectRef idx="0">
+            <a:schemeClr val="accent1"/>
+          </a:effectRef>
+          <a:fontRef idx="minor">
+            <a:schemeClr val="tx1"/>
+          </a:fontRef>
+        </p:style>
+      </p:cxnSp>
+      <p:cxnSp>
+        <p:nvCxnSpPr>
+          <p:cNvPr id="9" name="Straight Arrow Connector 8">
+            <a:extLst>
+              <a:ext uri="{FF2B5EF4-FFF2-40B4-BE49-F238E27FC236}">
+                <a16:creationId xmlns:a16="http://schemas.microsoft.com/office/drawing/2014/main" id="{6C32C02D-9929-BF49-878D-A6FA13CFB8B1}"/>
+              </a:ext>
+            </a:extLst>
+          </p:cNvPr>
+          <p:cNvCxnSpPr>
+            <a:cxnSpLocks/>
+            <a:endCxn id="4" idx="2"/>
+          </p:cNvCxnSpPr>
+          <p:nvPr/>
+        </p:nvCxnSpPr>
+        <p:spPr>
+          <a:xfrm flipV="1">
+            <a:off x="1376714" y="2556386"/>
+            <a:ext cx="3571067" cy="173707"/>
+          </a:xfrm>
+          <a:prstGeom prst="straightConnector1">
+            <a:avLst/>
+          </a:prstGeom>
+          <a:ln w="25400">
+            <a:tailEnd type="triangle"/>
+          </a:ln>
+        </p:spPr>
+        <p:style>
+          <a:lnRef idx="1">
+            <a:schemeClr val="accent1"/>
+          </a:lnRef>
+          <a:fillRef idx="0">
+            <a:schemeClr val="accent1"/>
+          </a:fillRef>
+          <a:effectRef idx="0">
+            <a:schemeClr val="accent1"/>
+          </a:effectRef>
+          <a:fontRef idx="minor">
+            <a:schemeClr val="tx1"/>
+          </a:fontRef>
+        </p:style>
+      </p:cxnSp>
+      <p:cxnSp>
+        <p:nvCxnSpPr>
+          <p:cNvPr id="10" name="Straight Arrow Connector 9">
+            <a:extLst>
+              <a:ext uri="{FF2B5EF4-FFF2-40B4-BE49-F238E27FC236}">
+                <a16:creationId xmlns:a16="http://schemas.microsoft.com/office/drawing/2014/main" id="{3CDCFD2A-FF8E-1E41-AF68-EB1C3A28B4DD}"/>
+              </a:ext>
+            </a:extLst>
+          </p:cNvPr>
+          <p:cNvCxnSpPr>
+            <a:cxnSpLocks/>
+            <a:endCxn id="4" idx="2"/>
+          </p:cNvCxnSpPr>
+          <p:nvPr/>
+        </p:nvCxnSpPr>
+        <p:spPr>
+          <a:xfrm>
+            <a:off x="1365338" y="2228883"/>
+            <a:ext cx="3582443" cy="327503"/>
+          </a:xfrm>
+          <a:prstGeom prst="straightConnector1">
+            <a:avLst/>
+          </a:prstGeom>
+          <a:ln w="25400">
+            <a:tailEnd type="triangle"/>
+          </a:ln>
+        </p:spPr>
+        <p:style>
+          <a:lnRef idx="1">
+            <a:schemeClr val="accent1"/>
+          </a:lnRef>
+          <a:fillRef idx="0">
+            <a:schemeClr val="accent1"/>
+          </a:fillRef>
+          <a:effectRef idx="0">
+            <a:schemeClr val="accent1"/>
+          </a:effectRef>
+          <a:fontRef idx="minor">
+            <a:schemeClr val="tx1"/>
+          </a:fontRef>
+        </p:style>
+      </p:cxnSp>
+      <p:cxnSp>
+        <p:nvCxnSpPr>
+          <p:cNvPr id="11" name="Straight Arrow Connector 10">
+            <a:extLst>
+              <a:ext uri="{FF2B5EF4-FFF2-40B4-BE49-F238E27FC236}">
+                <a16:creationId xmlns:a16="http://schemas.microsoft.com/office/drawing/2014/main" id="{85EE36F2-AB2D-6D4D-A1E7-AC131792C694}"/>
+              </a:ext>
+            </a:extLst>
+          </p:cNvPr>
+          <p:cNvCxnSpPr>
+            <a:cxnSpLocks/>
+            <a:endCxn id="4" idx="2"/>
+          </p:cNvCxnSpPr>
+          <p:nvPr/>
+        </p:nvCxnSpPr>
+        <p:spPr>
+          <a:xfrm flipV="1">
+            <a:off x="1435237" y="2556386"/>
+            <a:ext cx="3512544" cy="627180"/>
+          </a:xfrm>
+          <a:prstGeom prst="straightConnector1">
+            <a:avLst/>
+          </a:prstGeom>
+          <a:ln w="25400">
+            <a:tailEnd type="triangle"/>
+          </a:ln>
+        </p:spPr>
+        <p:style>
+          <a:lnRef idx="1">
+            <a:schemeClr val="accent1"/>
+          </a:lnRef>
+          <a:fillRef idx="0">
+            <a:schemeClr val="accent1"/>
+          </a:fillRef>
+          <a:effectRef idx="0">
+            <a:schemeClr val="accent1"/>
+          </a:effectRef>
+          <a:fontRef idx="minor">
+            <a:schemeClr val="tx1"/>
+          </a:fontRef>
+        </p:style>
+      </p:cxnSp>
+      <p:cxnSp>
+        <p:nvCxnSpPr>
+          <p:cNvPr id="12" name="Straight Arrow Connector 11">
+            <a:extLst>
+              <a:ext uri="{FF2B5EF4-FFF2-40B4-BE49-F238E27FC236}">
+                <a16:creationId xmlns:a16="http://schemas.microsoft.com/office/drawing/2014/main" id="{B5F1B114-50E3-1840-BD62-59022E5030CA}"/>
+              </a:ext>
+            </a:extLst>
+          </p:cNvPr>
+          <p:cNvCxnSpPr>
+            <a:cxnSpLocks/>
+            <a:stCxn id="14" idx="3"/>
+            <a:endCxn id="4" idx="2"/>
+          </p:cNvCxnSpPr>
+          <p:nvPr/>
+        </p:nvCxnSpPr>
+        <p:spPr>
+          <a:xfrm flipV="1">
+            <a:off x="1435237" y="2556386"/>
+            <a:ext cx="3512544" cy="905511"/>
+          </a:xfrm>
+          <a:prstGeom prst="straightConnector1">
+            <a:avLst/>
+          </a:prstGeom>
+          <a:ln w="25400">
+            <a:tailEnd type="triangle"/>
+          </a:ln>
+        </p:spPr>
+        <p:style>
+          <a:lnRef idx="1">
+            <a:schemeClr val="accent1"/>
+          </a:lnRef>
+          <a:fillRef idx="0">
+            <a:schemeClr val="accent1"/>
+          </a:fillRef>
+          <a:effectRef idx="0">
+            <a:schemeClr val="accent1"/>
+          </a:effectRef>
+          <a:fontRef idx="minor">
+            <a:schemeClr val="tx1"/>
+          </a:fontRef>
+        </p:style>
+      </p:cxnSp>
+      <p:sp>
+        <p:nvSpPr>
+          <p:cNvPr id="13" name="TextBox 12">
+            <a:extLst>
+              <a:ext uri="{FF2B5EF4-FFF2-40B4-BE49-F238E27FC236}">
+                <a16:creationId xmlns:a16="http://schemas.microsoft.com/office/drawing/2014/main" id="{215F249F-FC7F-3242-990D-75487521103A}"/>
+              </a:ext>
+            </a:extLst>
+          </p:cNvPr>
+          <p:cNvSpPr txBox="1"/>
+          <p:nvPr/>
+        </p:nvSpPr>
+        <p:spPr>
+          <a:xfrm>
+            <a:off x="732278" y="939497"/>
+            <a:ext cx="461986" cy="523220"/>
+          </a:xfrm>
+          <a:prstGeom prst="rect">
+            <a:avLst/>
+          </a:prstGeom>
+          <a:noFill/>
+        </p:spPr>
+        <p:txBody>
+          <a:bodyPr wrap="none" rtlCol="0">
+            <a:spAutoFit/>
+          </a:bodyPr>
+          <a:lstStyle/>
+          <a:p>
+            <a:r>
+              <a:rPr lang="en-IT" sz="2800" dirty="0"/>
+              <a:t>x</a:t>
+            </a:r>
+            <a:r>
+              <a:rPr lang="en-IT" sz="2800" baseline="-25000" dirty="0"/>
+              <a:t>2</a:t>
+            </a:r>
+          </a:p>
+        </p:txBody>
+      </p:sp>
+      <p:sp>
+        <p:nvSpPr>
+          <p:cNvPr id="14" name="TextBox 13">
+            <a:extLst>
+              <a:ext uri="{FF2B5EF4-FFF2-40B4-BE49-F238E27FC236}">
+                <a16:creationId xmlns:a16="http://schemas.microsoft.com/office/drawing/2014/main" id="{60FE0E66-0460-0E43-83F0-FCD268B3ACDF}"/>
+              </a:ext>
+            </a:extLst>
+          </p:cNvPr>
+          <p:cNvSpPr txBox="1"/>
+          <p:nvPr/>
+        </p:nvSpPr>
+        <p:spPr>
+          <a:xfrm>
+            <a:off x="745626" y="3200287"/>
+            <a:ext cx="689611" cy="523220"/>
+          </a:xfrm>
+          <a:prstGeom prst="rect">
+            <a:avLst/>
+          </a:prstGeom>
+          <a:noFill/>
+        </p:spPr>
+        <p:txBody>
+          <a:bodyPr wrap="square" rtlCol="0">
+            <a:spAutoFit/>
+          </a:bodyPr>
+          <a:lstStyle/>
+          <a:p>
+            <a:r>
+              <a:rPr lang="en-IT" sz="2800" dirty="0"/>
+              <a:t>x</a:t>
+            </a:r>
+            <a:r>
+              <a:rPr lang="en-IT" sz="2800" baseline="-25000" dirty="0"/>
+              <a:t>N</a:t>
+            </a:r>
+          </a:p>
+        </p:txBody>
+      </p:sp>
+      <p:sp>
+        <p:nvSpPr>
+          <p:cNvPr id="15" name="TextBox 14">
+            <a:extLst>
+              <a:ext uri="{FF2B5EF4-FFF2-40B4-BE49-F238E27FC236}">
+                <a16:creationId xmlns:a16="http://schemas.microsoft.com/office/drawing/2014/main" id="{C0655AB7-1D85-2B43-A977-989A3984E583}"/>
+              </a:ext>
+            </a:extLst>
+          </p:cNvPr>
+          <p:cNvSpPr txBox="1"/>
+          <p:nvPr/>
+        </p:nvSpPr>
+        <p:spPr>
+          <a:xfrm>
+            <a:off x="732278" y="2397147"/>
+            <a:ext cx="450610" cy="523220"/>
+          </a:xfrm>
+          <a:prstGeom prst="rect">
+            <a:avLst/>
+          </a:prstGeom>
+          <a:noFill/>
+        </p:spPr>
+        <p:txBody>
+          <a:bodyPr wrap="square" rtlCol="0">
+            <a:spAutoFit/>
+          </a:bodyPr>
+          <a:lstStyle/>
+          <a:p>
+            <a:r>
+              <a:rPr lang="en-IT" sz="2800" dirty="0"/>
+              <a:t>…</a:t>
+            </a:r>
+            <a:endParaRPr lang="en-IT" sz="2800" baseline="-25000" dirty="0"/>
+          </a:p>
+        </p:txBody>
+      </p:sp>
+      <p:sp>
+        <p:nvSpPr>
+          <p:cNvPr id="16" name="TextBox 15">
+            <a:extLst>
+              <a:ext uri="{FF2B5EF4-FFF2-40B4-BE49-F238E27FC236}">
+                <a16:creationId xmlns:a16="http://schemas.microsoft.com/office/drawing/2014/main" id="{3D02288C-ADEB-2848-873B-7E4A72EDCCF4}"/>
+              </a:ext>
+            </a:extLst>
+          </p:cNvPr>
+          <p:cNvSpPr txBox="1"/>
+          <p:nvPr/>
+        </p:nvSpPr>
+        <p:spPr>
+          <a:xfrm>
+            <a:off x="732278" y="1389744"/>
+            <a:ext cx="461986" cy="523220"/>
+          </a:xfrm>
+          <a:prstGeom prst="rect">
+            <a:avLst/>
+          </a:prstGeom>
+          <a:noFill/>
+        </p:spPr>
+        <p:txBody>
+          <a:bodyPr wrap="none" rtlCol="0">
+            <a:spAutoFit/>
+          </a:bodyPr>
+          <a:lstStyle/>
+          <a:p>
+            <a:r>
+              <a:rPr lang="en-IT" sz="2800" dirty="0"/>
+              <a:t>x</a:t>
+            </a:r>
+            <a:r>
+              <a:rPr lang="en-IT" sz="2800" baseline="-25000" dirty="0"/>
+              <a:t>3</a:t>
+            </a:r>
+          </a:p>
+        </p:txBody>
+      </p:sp>
+      <p:sp>
+        <p:nvSpPr>
+          <p:cNvPr id="17" name="TextBox 16">
+            <a:extLst>
+              <a:ext uri="{FF2B5EF4-FFF2-40B4-BE49-F238E27FC236}">
+                <a16:creationId xmlns:a16="http://schemas.microsoft.com/office/drawing/2014/main" id="{BCA2101D-8E51-9549-95D6-C69EE1BFD14B}"/>
+              </a:ext>
+            </a:extLst>
+          </p:cNvPr>
+          <p:cNvSpPr txBox="1"/>
+          <p:nvPr/>
+        </p:nvSpPr>
+        <p:spPr>
+          <a:xfrm>
+            <a:off x="732278" y="1831369"/>
+            <a:ext cx="461986" cy="523220"/>
+          </a:xfrm>
+          <a:prstGeom prst="rect">
+            <a:avLst/>
+          </a:prstGeom>
+          <a:noFill/>
+        </p:spPr>
+        <p:txBody>
+          <a:bodyPr wrap="none" rtlCol="0">
+            <a:spAutoFit/>
+          </a:bodyPr>
+          <a:lstStyle/>
+          <a:p>
+            <a:r>
+              <a:rPr lang="en-IT" sz="2800" dirty="0"/>
+              <a:t>x</a:t>
+            </a:r>
+            <a:r>
+              <a:rPr lang="en-IT" sz="2800" baseline="-25000" dirty="0"/>
+              <a:t>4</a:t>
+            </a:r>
+          </a:p>
+        </p:txBody>
+      </p:sp>
+      <p:sp>
+        <p:nvSpPr>
+          <p:cNvPr id="18" name="TextBox 17">
+            <a:extLst>
+              <a:ext uri="{FF2B5EF4-FFF2-40B4-BE49-F238E27FC236}">
+                <a16:creationId xmlns:a16="http://schemas.microsoft.com/office/drawing/2014/main" id="{1864C939-013F-6644-A187-417749E957CA}"/>
+              </a:ext>
+            </a:extLst>
+          </p:cNvPr>
+          <p:cNvSpPr txBox="1"/>
+          <p:nvPr/>
+        </p:nvSpPr>
+        <p:spPr>
+          <a:xfrm>
+            <a:off x="732278" y="561785"/>
+            <a:ext cx="461986" cy="523220"/>
+          </a:xfrm>
+          <a:prstGeom prst="rect">
+            <a:avLst/>
+          </a:prstGeom>
+          <a:noFill/>
+        </p:spPr>
+        <p:txBody>
+          <a:bodyPr wrap="none" rtlCol="0">
+            <a:spAutoFit/>
+          </a:bodyPr>
+          <a:lstStyle/>
+          <a:p>
+            <a:r>
+              <a:rPr lang="en-IT" sz="2800" dirty="0"/>
+              <a:t>x</a:t>
+            </a:r>
+            <a:r>
+              <a:rPr lang="en-IT" sz="2800" baseline="-25000" dirty="0"/>
+              <a:t>1</a:t>
+            </a:r>
+          </a:p>
+        </p:txBody>
+      </p:sp>
+      <p:sp>
+        <p:nvSpPr>
+          <p:cNvPr id="19" name="TextBox 18">
+            <a:extLst>
+              <a:ext uri="{FF2B5EF4-FFF2-40B4-BE49-F238E27FC236}">
+                <a16:creationId xmlns:a16="http://schemas.microsoft.com/office/drawing/2014/main" id="{BAE58EFA-7C61-EF4B-AA63-0916662E203F}"/>
+              </a:ext>
+            </a:extLst>
+          </p:cNvPr>
+          <p:cNvSpPr txBox="1"/>
+          <p:nvPr/>
+        </p:nvSpPr>
+        <p:spPr>
+          <a:xfrm>
+            <a:off x="745626" y="2798717"/>
+            <a:ext cx="689612" cy="523220"/>
+          </a:xfrm>
+          <a:prstGeom prst="rect">
+            <a:avLst/>
+          </a:prstGeom>
+          <a:noFill/>
+        </p:spPr>
+        <p:txBody>
+          <a:bodyPr wrap="none" rtlCol="0">
+            <a:spAutoFit/>
+          </a:bodyPr>
+          <a:lstStyle/>
+          <a:p>
+            <a:r>
+              <a:rPr lang="en-IT" sz="2800" dirty="0"/>
+              <a:t>x</a:t>
+            </a:r>
+            <a:r>
+              <a:rPr lang="en-IT" sz="2800" baseline="-25000" dirty="0"/>
+              <a:t>N-1</a:t>
+            </a:r>
+          </a:p>
+        </p:txBody>
+      </p:sp>
+      <p:sp>
+        <p:nvSpPr>
+          <p:cNvPr id="20" name="TextBox 19">
+            <a:extLst>
+              <a:ext uri="{FF2B5EF4-FFF2-40B4-BE49-F238E27FC236}">
+                <a16:creationId xmlns:a16="http://schemas.microsoft.com/office/drawing/2014/main" id="{118AAB63-BBD7-0C46-A750-28C707F0B73B}"/>
+              </a:ext>
+            </a:extLst>
+          </p:cNvPr>
+          <p:cNvSpPr txBox="1"/>
+          <p:nvPr/>
+        </p:nvSpPr>
+        <p:spPr>
+          <a:xfrm>
+            <a:off x="8183654" y="2294775"/>
+            <a:ext cx="346570" cy="523220"/>
+          </a:xfrm>
+          <a:prstGeom prst="rect">
+            <a:avLst/>
+          </a:prstGeom>
+          <a:noFill/>
+        </p:spPr>
+        <p:txBody>
+          <a:bodyPr wrap="none" rtlCol="0">
+            <a:spAutoFit/>
+          </a:bodyPr>
+          <a:lstStyle/>
+          <a:p>
+            <a:r>
+              <a:rPr lang="en-IT" sz="2800" dirty="0"/>
+              <a:t>y</a:t>
+            </a:r>
+            <a:endParaRPr lang="en-IT" sz="2800" baseline="-25000" dirty="0"/>
+          </a:p>
+        </p:txBody>
+      </p:sp>
+      <p:sp>
+        <p:nvSpPr>
+          <p:cNvPr id="21" name="TextBox 20">
+            <a:extLst>
+              <a:ext uri="{FF2B5EF4-FFF2-40B4-BE49-F238E27FC236}">
+                <a16:creationId xmlns:a16="http://schemas.microsoft.com/office/drawing/2014/main" id="{BC7B4E05-0B81-E943-97A6-34139FD1E3C5}"/>
+              </a:ext>
+            </a:extLst>
+          </p:cNvPr>
+          <p:cNvSpPr txBox="1"/>
+          <p:nvPr/>
+        </p:nvSpPr>
+        <p:spPr>
+          <a:xfrm>
+            <a:off x="4977085" y="1848499"/>
+            <a:ext cx="255198" cy="523220"/>
+          </a:xfrm>
+          <a:prstGeom prst="rect">
+            <a:avLst/>
+          </a:prstGeom>
+          <a:noFill/>
+        </p:spPr>
+        <p:txBody>
+          <a:bodyPr wrap="square" rtlCol="0">
+            <a:spAutoFit/>
+          </a:bodyPr>
+          <a:lstStyle/>
+          <a:p>
+            <a:r>
+              <a:rPr lang="en-IT" sz="2800" dirty="0"/>
+              <a:t>f</a:t>
+            </a:r>
+          </a:p>
+        </p:txBody>
+      </p:sp>
+      <p:sp>
+        <p:nvSpPr>
+          <p:cNvPr id="22" name="TextBox 21">
+            <a:extLst>
+              <a:ext uri="{FF2B5EF4-FFF2-40B4-BE49-F238E27FC236}">
+                <a16:creationId xmlns:a16="http://schemas.microsoft.com/office/drawing/2014/main" id="{CD9499CB-939A-4545-8E3C-3AE803CD86E2}"/>
+              </a:ext>
+            </a:extLst>
+          </p:cNvPr>
+          <p:cNvSpPr txBox="1"/>
+          <p:nvPr/>
+        </p:nvSpPr>
+        <p:spPr>
+          <a:xfrm>
+            <a:off x="2530713" y="1090710"/>
+            <a:ext cx="562975" cy="523220"/>
+          </a:xfrm>
+          <a:prstGeom prst="rect">
+            <a:avLst/>
+          </a:prstGeom>
+          <a:noFill/>
+        </p:spPr>
+        <p:txBody>
+          <a:bodyPr wrap="none" rtlCol="0">
+            <a:spAutoFit/>
+          </a:bodyPr>
+          <a:lstStyle/>
+          <a:p>
+            <a:r>
+              <a:rPr lang="en-IT" sz="2800" dirty="0">
+                <a:solidFill>
+                  <a:srgbClr val="0070C0"/>
+                </a:solidFill>
+              </a:rPr>
+              <a:t>w</a:t>
+            </a:r>
+            <a:r>
+              <a:rPr lang="en-IT" sz="2800" baseline="-25000" dirty="0">
+                <a:solidFill>
+                  <a:srgbClr val="0070C0"/>
+                </a:solidFill>
+              </a:rPr>
+              <a:t>1</a:t>
+            </a:r>
+          </a:p>
+        </p:txBody>
+      </p:sp>
+      <p:sp>
+        <p:nvSpPr>
+          <p:cNvPr id="23" name="TextBox 22">
+            <a:extLst>
+              <a:ext uri="{FF2B5EF4-FFF2-40B4-BE49-F238E27FC236}">
+                <a16:creationId xmlns:a16="http://schemas.microsoft.com/office/drawing/2014/main" id="{E0A7E989-A6E8-F847-8395-B89C118DD8EF}"/>
+              </a:ext>
+            </a:extLst>
+          </p:cNvPr>
+          <p:cNvSpPr txBox="1"/>
+          <p:nvPr/>
+        </p:nvSpPr>
+        <p:spPr>
+          <a:xfrm flipH="1">
+            <a:off x="2530714" y="1462716"/>
+            <a:ext cx="562974" cy="523220"/>
+          </a:xfrm>
+          <a:prstGeom prst="rect">
+            <a:avLst/>
+          </a:prstGeom>
+          <a:noFill/>
+        </p:spPr>
+        <p:txBody>
+          <a:bodyPr wrap="square" rtlCol="0">
+            <a:spAutoFit/>
+          </a:bodyPr>
+          <a:lstStyle/>
+          <a:p>
+            <a:r>
+              <a:rPr lang="en-IT" sz="2800" dirty="0">
+                <a:solidFill>
+                  <a:srgbClr val="0070C0"/>
+                </a:solidFill>
+              </a:rPr>
+              <a:t>w</a:t>
+            </a:r>
+            <a:r>
+              <a:rPr lang="en-IT" sz="2800" baseline="-25000" dirty="0">
+                <a:solidFill>
+                  <a:srgbClr val="0070C0"/>
+                </a:solidFill>
+              </a:rPr>
+              <a:t>2</a:t>
+            </a:r>
+          </a:p>
+        </p:txBody>
+      </p:sp>
+      <p:sp>
+        <p:nvSpPr>
+          <p:cNvPr id="24" name="TextBox 23">
+            <a:extLst>
+              <a:ext uri="{FF2B5EF4-FFF2-40B4-BE49-F238E27FC236}">
+                <a16:creationId xmlns:a16="http://schemas.microsoft.com/office/drawing/2014/main" id="{EBD67F35-88B4-7E4F-8C8A-DE2583A57FAB}"/>
+              </a:ext>
+            </a:extLst>
+          </p:cNvPr>
+          <p:cNvSpPr txBox="1"/>
+          <p:nvPr/>
+        </p:nvSpPr>
+        <p:spPr>
+          <a:xfrm flipH="1">
+            <a:off x="2533497" y="2870578"/>
+            <a:ext cx="848529" cy="523220"/>
+          </a:xfrm>
+          <a:prstGeom prst="rect">
+            <a:avLst/>
+          </a:prstGeom>
+          <a:noFill/>
+        </p:spPr>
+        <p:txBody>
+          <a:bodyPr wrap="square" rtlCol="0">
+            <a:spAutoFit/>
+          </a:bodyPr>
+          <a:lstStyle/>
+          <a:p>
+            <a:r>
+              <a:rPr lang="en-IT" sz="2800" dirty="0">
+                <a:solidFill>
+                  <a:srgbClr val="0070C0"/>
+                </a:solidFill>
+              </a:rPr>
+              <a:t>w</a:t>
+            </a:r>
+            <a:r>
+              <a:rPr lang="en-IT" sz="2800" baseline="-25000" dirty="0">
+                <a:solidFill>
+                  <a:srgbClr val="0070C0"/>
+                </a:solidFill>
+              </a:rPr>
+              <a:t>N</a:t>
+            </a:r>
+          </a:p>
+        </p:txBody>
+      </p:sp>
+      <p:sp>
+        <p:nvSpPr>
+          <p:cNvPr id="25" name="TextBox 24">
+            <a:extLst>
+              <a:ext uri="{FF2B5EF4-FFF2-40B4-BE49-F238E27FC236}">
+                <a16:creationId xmlns:a16="http://schemas.microsoft.com/office/drawing/2014/main" id="{CF0BE47D-3F58-4740-B790-52C7348AE8F5}"/>
+              </a:ext>
+            </a:extLst>
+          </p:cNvPr>
+          <p:cNvSpPr txBox="1"/>
+          <p:nvPr/>
+        </p:nvSpPr>
+        <p:spPr>
+          <a:xfrm flipH="1">
+            <a:off x="2501410" y="1790219"/>
+            <a:ext cx="562974" cy="523220"/>
+          </a:xfrm>
+          <a:prstGeom prst="rect">
+            <a:avLst/>
+          </a:prstGeom>
+          <a:noFill/>
+        </p:spPr>
+        <p:txBody>
+          <a:bodyPr wrap="square" rtlCol="0">
+            <a:spAutoFit/>
+          </a:bodyPr>
+          <a:lstStyle/>
+          <a:p>
+            <a:r>
+              <a:rPr lang="en-IT" sz="2800" dirty="0">
+                <a:solidFill>
+                  <a:srgbClr val="0070C0"/>
+                </a:solidFill>
+              </a:rPr>
+              <a:t>w</a:t>
+            </a:r>
+            <a:r>
+              <a:rPr lang="en-IT" sz="2800" baseline="-25000" dirty="0">
+                <a:solidFill>
+                  <a:srgbClr val="0070C0"/>
+                </a:solidFill>
+              </a:rPr>
+              <a:t>3</a:t>
+            </a:r>
+          </a:p>
+        </p:txBody>
+      </p:sp>
+      <p:sp>
+        <p:nvSpPr>
+          <p:cNvPr id="26" name="TextBox 25">
+            <a:extLst>
+              <a:ext uri="{FF2B5EF4-FFF2-40B4-BE49-F238E27FC236}">
+                <a16:creationId xmlns:a16="http://schemas.microsoft.com/office/drawing/2014/main" id="{C0E0ACFD-DE95-4349-911A-01BA7A932CF6}"/>
+              </a:ext>
+            </a:extLst>
+          </p:cNvPr>
+          <p:cNvSpPr txBox="1"/>
+          <p:nvPr/>
+        </p:nvSpPr>
+        <p:spPr>
+          <a:xfrm flipH="1">
+            <a:off x="2530714" y="2092979"/>
+            <a:ext cx="562974" cy="523220"/>
+          </a:xfrm>
+          <a:prstGeom prst="rect">
+            <a:avLst/>
+          </a:prstGeom>
+          <a:noFill/>
+        </p:spPr>
+        <p:txBody>
+          <a:bodyPr wrap="square" rtlCol="0">
+            <a:spAutoFit/>
+          </a:bodyPr>
+          <a:lstStyle/>
+          <a:p>
+            <a:r>
+              <a:rPr lang="en-IT" sz="2800" dirty="0">
+                <a:solidFill>
+                  <a:srgbClr val="0070C0"/>
+                </a:solidFill>
+              </a:rPr>
+              <a:t>w</a:t>
+            </a:r>
+            <a:r>
+              <a:rPr lang="en-IT" sz="2800" baseline="-25000" dirty="0">
+                <a:solidFill>
+                  <a:srgbClr val="0070C0"/>
+                </a:solidFill>
+              </a:rPr>
+              <a:t>4</a:t>
+            </a:r>
+          </a:p>
+        </p:txBody>
+      </p:sp>
+      <p:sp>
+        <p:nvSpPr>
+          <p:cNvPr id="27" name="TextBox 26">
+            <a:extLst>
+              <a:ext uri="{FF2B5EF4-FFF2-40B4-BE49-F238E27FC236}">
+                <a16:creationId xmlns:a16="http://schemas.microsoft.com/office/drawing/2014/main" id="{309C7D5F-64E6-FE48-86FD-B3A56F8B479B}"/>
+              </a:ext>
+            </a:extLst>
+          </p:cNvPr>
+          <p:cNvSpPr txBox="1"/>
+          <p:nvPr/>
+        </p:nvSpPr>
+        <p:spPr>
+          <a:xfrm flipH="1">
+            <a:off x="2533497" y="2471065"/>
+            <a:ext cx="848529" cy="523220"/>
+          </a:xfrm>
+          <a:prstGeom prst="rect">
+            <a:avLst/>
+          </a:prstGeom>
+          <a:noFill/>
+        </p:spPr>
+        <p:txBody>
+          <a:bodyPr wrap="square" rtlCol="0">
+            <a:spAutoFit/>
+          </a:bodyPr>
+          <a:lstStyle/>
+          <a:p>
+            <a:r>
+              <a:rPr lang="en-IT" sz="2800" dirty="0">
+                <a:solidFill>
+                  <a:srgbClr val="0070C0"/>
+                </a:solidFill>
+              </a:rPr>
+              <a:t>w</a:t>
+            </a:r>
+            <a:r>
+              <a:rPr lang="en-IT" sz="2800" baseline="-25000" dirty="0">
+                <a:solidFill>
+                  <a:srgbClr val="0070C0"/>
+                </a:solidFill>
+              </a:rPr>
+              <a:t>N-1</a:t>
+            </a:r>
+          </a:p>
+        </p:txBody>
+      </p:sp>
+      <p:sp>
+        <p:nvSpPr>
+          <p:cNvPr id="28" name="Oval 27">
+            <a:extLst>
+              <a:ext uri="{FF2B5EF4-FFF2-40B4-BE49-F238E27FC236}">
+                <a16:creationId xmlns:a16="http://schemas.microsoft.com/office/drawing/2014/main" id="{3DCF184E-72EA-5241-90F1-16A20D504CFC}"/>
+              </a:ext>
+            </a:extLst>
+          </p:cNvPr>
+          <p:cNvSpPr/>
+          <p:nvPr/>
+        </p:nvSpPr>
+        <p:spPr>
+          <a:xfrm>
+            <a:off x="4947780" y="4134080"/>
+            <a:ext cx="338203" cy="335071"/>
+          </a:xfrm>
+          <a:prstGeom prst="ellipse">
+            <a:avLst/>
+          </a:prstGeom>
+        </p:spPr>
+        <p:style>
+          <a:lnRef idx="2">
+            <a:schemeClr val="accent1">
+              <a:shade val="50000"/>
+            </a:schemeClr>
+          </a:lnRef>
+          <a:fillRef idx="1">
+            <a:schemeClr val="accent1"/>
+          </a:fillRef>
+          <a:effectRef idx="0">
+            <a:schemeClr val="accent1"/>
+          </a:effectRef>
+          <a:fontRef idx="minor">
+            <a:schemeClr val="lt1"/>
+          </a:fontRef>
+        </p:style>
+        <p:txBody>
+          <a:bodyPr rtlCol="0" anchor="ctr"/>
+          <a:lstStyle/>
+          <a:p>
+            <a:pPr algn="ctr"/>
+            <a:endParaRPr lang="en-IT" sz="2800"/>
+          </a:p>
+        </p:txBody>
+      </p:sp>
+      <p:cxnSp>
+        <p:nvCxnSpPr>
+          <p:cNvPr id="30" name="Straight Arrow Connector 29">
+            <a:extLst>
+              <a:ext uri="{FF2B5EF4-FFF2-40B4-BE49-F238E27FC236}">
+                <a16:creationId xmlns:a16="http://schemas.microsoft.com/office/drawing/2014/main" id="{092E39F8-D3FD-E14F-B33B-33D77E68D47F}"/>
+              </a:ext>
+            </a:extLst>
+          </p:cNvPr>
+          <p:cNvCxnSpPr>
+            <a:endCxn id="28" idx="2"/>
+          </p:cNvCxnSpPr>
+          <p:nvPr/>
+        </p:nvCxnSpPr>
+        <p:spPr>
+          <a:xfrm>
+            <a:off x="1365338" y="877898"/>
+            <a:ext cx="3582442" cy="3423718"/>
+          </a:xfrm>
+          <a:prstGeom prst="straightConnector1">
+            <a:avLst/>
+          </a:prstGeom>
+          <a:ln w="25400">
+            <a:solidFill>
+              <a:srgbClr val="7030A0"/>
+            </a:solidFill>
+            <a:tailEnd type="triangle"/>
+          </a:ln>
+        </p:spPr>
+        <p:style>
+          <a:lnRef idx="1">
+            <a:schemeClr val="accent1"/>
+          </a:lnRef>
+          <a:fillRef idx="0">
+            <a:schemeClr val="accent1"/>
+          </a:fillRef>
+          <a:effectRef idx="0">
+            <a:schemeClr val="accent1"/>
+          </a:effectRef>
+          <a:fontRef idx="minor">
+            <a:schemeClr val="tx1"/>
+          </a:fontRef>
+        </p:style>
+      </p:cxnSp>
+      <p:cxnSp>
+        <p:nvCxnSpPr>
+          <p:cNvPr id="31" name="Straight Arrow Connector 30">
+            <a:extLst>
+              <a:ext uri="{FF2B5EF4-FFF2-40B4-BE49-F238E27FC236}">
+                <a16:creationId xmlns:a16="http://schemas.microsoft.com/office/drawing/2014/main" id="{79AA7EED-3A26-BD46-BCCB-18D769C670FE}"/>
+              </a:ext>
+            </a:extLst>
+          </p:cNvPr>
+          <p:cNvCxnSpPr/>
+          <p:nvPr/>
+        </p:nvCxnSpPr>
+        <p:spPr>
+          <a:xfrm>
+            <a:off x="1517738" y="1030298"/>
+            <a:ext cx="3582442" cy="3423718"/>
+          </a:xfrm>
+          <a:prstGeom prst="straightConnector1">
+            <a:avLst/>
+          </a:prstGeom>
+          <a:ln w="25400">
+            <a:solidFill>
+              <a:srgbClr val="7030A0"/>
+            </a:solidFill>
+            <a:tailEnd type="triangle"/>
+          </a:ln>
+        </p:spPr>
+        <p:style>
+          <a:lnRef idx="1">
+            <a:schemeClr val="accent1"/>
+          </a:lnRef>
+          <a:fillRef idx="0">
+            <a:schemeClr val="accent1"/>
+          </a:fillRef>
+          <a:effectRef idx="0">
+            <a:schemeClr val="accent1"/>
+          </a:effectRef>
+          <a:fontRef idx="minor">
+            <a:schemeClr val="tx1"/>
+          </a:fontRef>
+        </p:style>
+      </p:cxnSp>
+      <p:cxnSp>
+        <p:nvCxnSpPr>
+          <p:cNvPr id="32" name="Straight Arrow Connector 31">
+            <a:extLst>
+              <a:ext uri="{FF2B5EF4-FFF2-40B4-BE49-F238E27FC236}">
+                <a16:creationId xmlns:a16="http://schemas.microsoft.com/office/drawing/2014/main" id="{CB62B948-B7FC-4640-9F72-0E66A59C3AD7}"/>
+              </a:ext>
+            </a:extLst>
+          </p:cNvPr>
+          <p:cNvCxnSpPr>
+            <a:cxnSpLocks/>
+          </p:cNvCxnSpPr>
+          <p:nvPr/>
+        </p:nvCxnSpPr>
+        <p:spPr>
+          <a:xfrm>
+            <a:off x="1376714" y="2730093"/>
+            <a:ext cx="3875866" cy="1876323"/>
+          </a:xfrm>
+          <a:prstGeom prst="straightConnector1">
+            <a:avLst/>
+          </a:prstGeom>
+          <a:ln w="25400">
+            <a:solidFill>
+              <a:srgbClr val="7030A0"/>
+            </a:solidFill>
+            <a:tailEnd type="triangle"/>
+          </a:ln>
+        </p:spPr>
+        <p:style>
+          <a:lnRef idx="1">
+            <a:schemeClr val="accent1"/>
+          </a:lnRef>
+          <a:fillRef idx="0">
+            <a:schemeClr val="accent1"/>
+          </a:fillRef>
+          <a:effectRef idx="0">
+            <a:schemeClr val="accent1"/>
+          </a:effectRef>
+          <a:fontRef idx="minor">
+            <a:schemeClr val="tx1"/>
+          </a:fontRef>
+        </p:style>
+      </p:cxnSp>
+      <p:cxnSp>
+        <p:nvCxnSpPr>
+          <p:cNvPr id="33" name="Straight Arrow Connector 32">
+            <a:extLst>
+              <a:ext uri="{FF2B5EF4-FFF2-40B4-BE49-F238E27FC236}">
+                <a16:creationId xmlns:a16="http://schemas.microsoft.com/office/drawing/2014/main" id="{225A88BC-D260-4C4C-9CF4-7F40422CC785}"/>
+              </a:ext>
+            </a:extLst>
+          </p:cNvPr>
+          <p:cNvCxnSpPr/>
+          <p:nvPr/>
+        </p:nvCxnSpPr>
+        <p:spPr>
+          <a:xfrm>
+            <a:off x="1822538" y="1335098"/>
+            <a:ext cx="3582442" cy="3423718"/>
+          </a:xfrm>
+          <a:prstGeom prst="straightConnector1">
+            <a:avLst/>
+          </a:prstGeom>
+          <a:ln w="25400">
+            <a:solidFill>
+              <a:srgbClr val="7030A0"/>
+            </a:solidFill>
+            <a:tailEnd type="triangle"/>
+          </a:ln>
+        </p:spPr>
+        <p:style>
+          <a:lnRef idx="1">
+            <a:schemeClr val="accent1"/>
+          </a:lnRef>
+          <a:fillRef idx="0">
+            <a:schemeClr val="accent1"/>
+          </a:fillRef>
+          <a:effectRef idx="0">
+            <a:schemeClr val="accent1"/>
+          </a:effectRef>
+          <a:fontRef idx="minor">
+            <a:schemeClr val="tx1"/>
+          </a:fontRef>
+        </p:style>
+      </p:cxnSp>
+      <p:cxnSp>
+        <p:nvCxnSpPr>
+          <p:cNvPr id="34" name="Straight Arrow Connector 33">
+            <a:extLst>
+              <a:ext uri="{FF2B5EF4-FFF2-40B4-BE49-F238E27FC236}">
+                <a16:creationId xmlns:a16="http://schemas.microsoft.com/office/drawing/2014/main" id="{317AA98A-2846-7146-A03C-EC54663225E0}"/>
+              </a:ext>
+            </a:extLst>
+          </p:cNvPr>
+          <p:cNvCxnSpPr/>
+          <p:nvPr/>
+        </p:nvCxnSpPr>
+        <p:spPr>
+          <a:xfrm>
+            <a:off x="1974938" y="1487498"/>
+            <a:ext cx="3582442" cy="3423718"/>
+          </a:xfrm>
+          <a:prstGeom prst="straightConnector1">
+            <a:avLst/>
+          </a:prstGeom>
+          <a:ln w="25400">
+            <a:solidFill>
+              <a:srgbClr val="7030A0"/>
+            </a:solidFill>
+            <a:tailEnd type="triangle"/>
+          </a:ln>
+        </p:spPr>
+        <p:style>
+          <a:lnRef idx="1">
+            <a:schemeClr val="accent1"/>
+          </a:lnRef>
+          <a:fillRef idx="0">
+            <a:schemeClr val="accent1"/>
+          </a:fillRef>
+          <a:effectRef idx="0">
+            <a:schemeClr val="accent1"/>
+          </a:effectRef>
+          <a:fontRef idx="minor">
+            <a:schemeClr val="tx1"/>
+          </a:fontRef>
+        </p:style>
+      </p:cxnSp>
+      <p:cxnSp>
+        <p:nvCxnSpPr>
+          <p:cNvPr id="35" name="Straight Arrow Connector 34">
+            <a:extLst>
+              <a:ext uri="{FF2B5EF4-FFF2-40B4-BE49-F238E27FC236}">
+                <a16:creationId xmlns:a16="http://schemas.microsoft.com/office/drawing/2014/main" id="{A25C2A70-74E5-C54B-893F-9290D700EA1A}"/>
+              </a:ext>
+            </a:extLst>
+          </p:cNvPr>
+          <p:cNvCxnSpPr/>
+          <p:nvPr/>
+        </p:nvCxnSpPr>
+        <p:spPr>
+          <a:xfrm>
+            <a:off x="2127338" y="1639898"/>
+            <a:ext cx="3582442" cy="3423718"/>
+          </a:xfrm>
+          <a:prstGeom prst="straightConnector1">
+            <a:avLst/>
+          </a:prstGeom>
+          <a:ln w="25400">
+            <a:solidFill>
+              <a:srgbClr val="7030A0"/>
+            </a:solidFill>
+            <a:tailEnd type="triangle"/>
+          </a:ln>
+        </p:spPr>
+        <p:style>
+          <a:lnRef idx="1">
+            <a:schemeClr val="accent1"/>
+          </a:lnRef>
+          <a:fillRef idx="0">
+            <a:schemeClr val="accent1"/>
+          </a:fillRef>
+          <a:effectRef idx="0">
+            <a:schemeClr val="accent1"/>
+          </a:effectRef>
+          <a:fontRef idx="minor">
+            <a:schemeClr val="tx1"/>
+          </a:fontRef>
+        </p:style>
+      </p:cxnSp>
+      <p:cxnSp>
+        <p:nvCxnSpPr>
+          <p:cNvPr id="36" name="Straight Arrow Connector 35">
+            <a:extLst>
+              <a:ext uri="{FF2B5EF4-FFF2-40B4-BE49-F238E27FC236}">
+                <a16:creationId xmlns:a16="http://schemas.microsoft.com/office/drawing/2014/main" id="{83FF6EBC-EFC8-C649-9A24-64BA89A091C6}"/>
+              </a:ext>
+            </a:extLst>
+          </p:cNvPr>
+          <p:cNvCxnSpPr/>
+          <p:nvPr/>
+        </p:nvCxnSpPr>
+        <p:spPr>
+          <a:xfrm>
+            <a:off x="2279738" y="1792298"/>
+            <a:ext cx="3582442" cy="3423718"/>
+          </a:xfrm>
+          <a:prstGeom prst="straightConnector1">
+            <a:avLst/>
+          </a:prstGeom>
+          <a:ln w="25400">
+            <a:solidFill>
+              <a:srgbClr val="7030A0"/>
+            </a:solidFill>
+            <a:tailEnd type="triangle"/>
+          </a:ln>
+        </p:spPr>
+        <p:style>
+          <a:lnRef idx="1">
+            <a:schemeClr val="accent1"/>
+          </a:lnRef>
+          <a:fillRef idx="0">
+            <a:schemeClr val="accent1"/>
+          </a:fillRef>
+          <a:effectRef idx="0">
+            <a:schemeClr val="accent1"/>
+          </a:effectRef>
+          <a:fontRef idx="minor">
+            <a:schemeClr val="tx1"/>
+          </a:fontRef>
+        </p:style>
+      </p:cxnSp>
+      <p:cxnSp>
+        <p:nvCxnSpPr>
+          <p:cNvPr id="37" name="Straight Arrow Connector 36">
+            <a:extLst>
+              <a:ext uri="{FF2B5EF4-FFF2-40B4-BE49-F238E27FC236}">
+                <a16:creationId xmlns:a16="http://schemas.microsoft.com/office/drawing/2014/main" id="{62F7B012-39EE-6E4F-9E57-D9E4E777AF8D}"/>
+              </a:ext>
+            </a:extLst>
+          </p:cNvPr>
+          <p:cNvCxnSpPr>
+            <a:cxnSpLocks/>
+          </p:cNvCxnSpPr>
+          <p:nvPr/>
+        </p:nvCxnSpPr>
+        <p:spPr>
+          <a:xfrm>
+            <a:off x="1448585" y="3199192"/>
+            <a:ext cx="4565995" cy="2169224"/>
+          </a:xfrm>
+          <a:prstGeom prst="straightConnector1">
+            <a:avLst/>
+          </a:prstGeom>
+          <a:ln w="25400">
+            <a:solidFill>
+              <a:srgbClr val="7030A0"/>
+            </a:solidFill>
+            <a:tailEnd type="triangle"/>
+          </a:ln>
+        </p:spPr>
+        <p:style>
+          <a:lnRef idx="1">
+            <a:schemeClr val="accent1"/>
+          </a:lnRef>
+          <a:fillRef idx="0">
+            <a:schemeClr val="accent1"/>
+          </a:fillRef>
+          <a:effectRef idx="0">
+            <a:schemeClr val="accent1"/>
+          </a:effectRef>
+          <a:fontRef idx="minor">
+            <a:schemeClr val="tx1"/>
+          </a:fontRef>
+        </p:style>
+      </p:cxnSp>
+      <p:cxnSp>
+        <p:nvCxnSpPr>
+          <p:cNvPr id="38" name="Straight Arrow Connector 37">
+            <a:extLst>
+              <a:ext uri="{FF2B5EF4-FFF2-40B4-BE49-F238E27FC236}">
+                <a16:creationId xmlns:a16="http://schemas.microsoft.com/office/drawing/2014/main" id="{D73827AC-77E7-DF48-9EA0-3341158A4CAF}"/>
+              </a:ext>
+            </a:extLst>
+          </p:cNvPr>
+          <p:cNvCxnSpPr>
+            <a:cxnSpLocks/>
+            <a:stCxn id="14" idx="3"/>
+            <a:endCxn id="28" idx="2"/>
+          </p:cNvCxnSpPr>
+          <p:nvPr/>
+        </p:nvCxnSpPr>
+        <p:spPr>
+          <a:xfrm>
+            <a:off x="1435237" y="3461897"/>
+            <a:ext cx="3512543" cy="839719"/>
+          </a:xfrm>
+          <a:prstGeom prst="straightConnector1">
+            <a:avLst/>
+          </a:prstGeom>
+          <a:ln w="25400">
+            <a:solidFill>
+              <a:srgbClr val="7030A0"/>
+            </a:solidFill>
+            <a:tailEnd type="triangle"/>
+          </a:ln>
+        </p:spPr>
+        <p:style>
+          <a:lnRef idx="1">
+            <a:schemeClr val="accent1"/>
+          </a:lnRef>
+          <a:fillRef idx="0">
+            <a:schemeClr val="accent1"/>
+          </a:fillRef>
+          <a:effectRef idx="0">
+            <a:schemeClr val="accent1"/>
+          </a:effectRef>
+          <a:fontRef idx="minor">
+            <a:schemeClr val="tx1"/>
+          </a:fontRef>
+        </p:style>
+      </p:cxnSp>
+    </p:spTree>
+    <p:extLst>
+      <p:ext uri="{BB962C8B-B14F-4D97-AF65-F5344CB8AC3E}">
+        <p14:creationId xmlns:p14="http://schemas.microsoft.com/office/powerpoint/2010/main" val="3746401720"/>
+      </p:ext>
+    </p:extLst>
+  </p:cSld>
+  <p:clrMapOvr>
+    <a:masterClrMapping/>
+  </p:clrMapOvr>
+</p:sld>
+</file>
+
 <file path=ppt/theme/theme1.xml><?xml version="1.0" encoding="utf-8"?>
 <a:theme xmlns:a="http://schemas.openxmlformats.org/drawingml/2006/main" name="Office Theme">
   <a:themeElements>

--- a/images/artificialneuron.pptx
+++ b/images/artificialneuron.pptx
@@ -6,7 +6,9 @@
   </p:sldMasterIdLst>
   <p:sldIdLst>
     <p:sldId id="256" r:id="rId2"/>
-    <p:sldId id="257" r:id="rId3"/>
+    <p:sldId id="258" r:id="rId3"/>
+    <p:sldId id="257" r:id="rId4"/>
+    <p:sldId id="259" r:id="rId5"/>
   </p:sldIdLst>
   <p:sldSz cx="12192000" cy="6858000"/>
   <p:notesSz cx="6858000" cy="9144000"/>
@@ -4337,6 +4339,1530 @@
       </p:grpSpPr>
       <p:sp>
         <p:nvSpPr>
+          <p:cNvPr id="28" name="Rectangle 27">
+            <a:extLst>
+              <a:ext uri="{FF2B5EF4-FFF2-40B4-BE49-F238E27FC236}">
+                <a16:creationId xmlns:a16="http://schemas.microsoft.com/office/drawing/2014/main" id="{6DDBE5E7-2776-3A45-8F1D-8CA5E081B373}"/>
+              </a:ext>
+            </a:extLst>
+          </p:cNvPr>
+          <p:cNvSpPr/>
+          <p:nvPr/>
+        </p:nvSpPr>
+        <p:spPr>
+          <a:xfrm>
+            <a:off x="10053646" y="1399141"/>
+            <a:ext cx="716096" cy="4406747"/>
+          </a:xfrm>
+          <a:prstGeom prst="rect">
+            <a:avLst/>
+          </a:prstGeom>
+          <a:solidFill>
+            <a:schemeClr val="accent1">
+              <a:lumMod val="20000"/>
+              <a:lumOff val="80000"/>
+            </a:schemeClr>
+          </a:solidFill>
+        </p:spPr>
+        <p:style>
+          <a:lnRef idx="2">
+            <a:schemeClr val="accent1">
+              <a:shade val="50000"/>
+            </a:schemeClr>
+          </a:lnRef>
+          <a:fillRef idx="1">
+            <a:schemeClr val="accent1"/>
+          </a:fillRef>
+          <a:effectRef idx="0">
+            <a:schemeClr val="accent1"/>
+          </a:effectRef>
+          <a:fontRef idx="minor">
+            <a:schemeClr val="lt1"/>
+          </a:fontRef>
+        </p:style>
+        <p:txBody>
+          <a:bodyPr rtlCol="0" anchor="ctr"/>
+          <a:lstStyle/>
+          <a:p>
+            <a:pPr algn="ctr"/>
+            <a:endParaRPr lang="en-IT" dirty="0"/>
+          </a:p>
+        </p:txBody>
+      </p:sp>
+      <p:sp>
+        <p:nvSpPr>
+          <p:cNvPr id="27" name="Rectangle 26">
+            <a:extLst>
+              <a:ext uri="{FF2B5EF4-FFF2-40B4-BE49-F238E27FC236}">
+                <a16:creationId xmlns:a16="http://schemas.microsoft.com/office/drawing/2014/main" id="{968B7F4A-971A-394E-BE28-8182E76A63E9}"/>
+              </a:ext>
+            </a:extLst>
+          </p:cNvPr>
+          <p:cNvSpPr/>
+          <p:nvPr/>
+        </p:nvSpPr>
+        <p:spPr>
+          <a:xfrm>
+            <a:off x="1454228" y="1399142"/>
+            <a:ext cx="716096" cy="4406747"/>
+          </a:xfrm>
+          <a:prstGeom prst="rect">
+            <a:avLst/>
+          </a:prstGeom>
+          <a:solidFill>
+            <a:schemeClr val="accent1">
+              <a:lumMod val="20000"/>
+              <a:lumOff val="80000"/>
+            </a:schemeClr>
+          </a:solidFill>
+        </p:spPr>
+        <p:style>
+          <a:lnRef idx="2">
+            <a:schemeClr val="accent1">
+              <a:shade val="50000"/>
+            </a:schemeClr>
+          </a:lnRef>
+          <a:fillRef idx="1">
+            <a:schemeClr val="accent1"/>
+          </a:fillRef>
+          <a:effectRef idx="0">
+            <a:schemeClr val="accent1"/>
+          </a:effectRef>
+          <a:fontRef idx="minor">
+            <a:schemeClr val="lt1"/>
+          </a:fontRef>
+        </p:style>
+        <p:txBody>
+          <a:bodyPr rtlCol="0" anchor="ctr"/>
+          <a:lstStyle/>
+          <a:p>
+            <a:pPr algn="ctr"/>
+            <a:endParaRPr lang="en-IT" dirty="0"/>
+          </a:p>
+        </p:txBody>
+      </p:sp>
+      <p:sp>
+        <p:nvSpPr>
+          <p:cNvPr id="4" name="Oval 3">
+            <a:extLst>
+              <a:ext uri="{FF2B5EF4-FFF2-40B4-BE49-F238E27FC236}">
+                <a16:creationId xmlns:a16="http://schemas.microsoft.com/office/drawing/2014/main" id="{58EC075E-658E-0E4F-AF99-83B9B0AD00E3}"/>
+              </a:ext>
+            </a:extLst>
+          </p:cNvPr>
+          <p:cNvSpPr/>
+          <p:nvPr/>
+        </p:nvSpPr>
+        <p:spPr>
+          <a:xfrm>
+            <a:off x="6020742" y="2758857"/>
+            <a:ext cx="338203" cy="335071"/>
+          </a:xfrm>
+          <a:prstGeom prst="ellipse">
+            <a:avLst/>
+          </a:prstGeom>
+        </p:spPr>
+        <p:style>
+          <a:lnRef idx="2">
+            <a:schemeClr val="accent1">
+              <a:shade val="50000"/>
+            </a:schemeClr>
+          </a:lnRef>
+          <a:fillRef idx="1">
+            <a:schemeClr val="accent1"/>
+          </a:fillRef>
+          <a:effectRef idx="0">
+            <a:schemeClr val="accent1"/>
+          </a:effectRef>
+          <a:fontRef idx="minor">
+            <a:schemeClr val="lt1"/>
+          </a:fontRef>
+        </p:style>
+        <p:txBody>
+          <a:bodyPr rtlCol="0" anchor="ctr"/>
+          <a:lstStyle/>
+          <a:p>
+            <a:pPr algn="ctr"/>
+            <a:endParaRPr lang="en-IT" sz="2800"/>
+          </a:p>
+        </p:txBody>
+      </p:sp>
+      <p:sp>
+        <p:nvSpPr>
+          <p:cNvPr id="5" name="Oval 4">
+            <a:extLst>
+              <a:ext uri="{FF2B5EF4-FFF2-40B4-BE49-F238E27FC236}">
+                <a16:creationId xmlns:a16="http://schemas.microsoft.com/office/drawing/2014/main" id="{10E9EBD9-0910-C440-821A-EBFC4FE00548}"/>
+              </a:ext>
+            </a:extLst>
+          </p:cNvPr>
+          <p:cNvSpPr/>
+          <p:nvPr/>
+        </p:nvSpPr>
+        <p:spPr>
+          <a:xfrm>
+            <a:off x="6020742" y="3285372"/>
+            <a:ext cx="338203" cy="335071"/>
+          </a:xfrm>
+          <a:prstGeom prst="ellipse">
+            <a:avLst/>
+          </a:prstGeom>
+        </p:spPr>
+        <p:style>
+          <a:lnRef idx="2">
+            <a:schemeClr val="accent1">
+              <a:shade val="50000"/>
+            </a:schemeClr>
+          </a:lnRef>
+          <a:fillRef idx="1">
+            <a:schemeClr val="accent1"/>
+          </a:fillRef>
+          <a:effectRef idx="0">
+            <a:schemeClr val="accent1"/>
+          </a:effectRef>
+          <a:fontRef idx="minor">
+            <a:schemeClr val="lt1"/>
+          </a:fontRef>
+        </p:style>
+        <p:txBody>
+          <a:bodyPr rtlCol="0" anchor="ctr"/>
+          <a:lstStyle/>
+          <a:p>
+            <a:pPr algn="ctr"/>
+            <a:endParaRPr lang="en-IT" sz="2800"/>
+          </a:p>
+        </p:txBody>
+      </p:sp>
+      <p:sp>
+        <p:nvSpPr>
+          <p:cNvPr id="6" name="Oval 5">
+            <a:extLst>
+              <a:ext uri="{FF2B5EF4-FFF2-40B4-BE49-F238E27FC236}">
+                <a16:creationId xmlns:a16="http://schemas.microsoft.com/office/drawing/2014/main" id="{BD1F0327-424A-714A-B413-0BCFAB100296}"/>
+              </a:ext>
+            </a:extLst>
+          </p:cNvPr>
+          <p:cNvSpPr/>
+          <p:nvPr/>
+        </p:nvSpPr>
+        <p:spPr>
+          <a:xfrm>
+            <a:off x="6025145" y="3811887"/>
+            <a:ext cx="338203" cy="335071"/>
+          </a:xfrm>
+          <a:prstGeom prst="ellipse">
+            <a:avLst/>
+          </a:prstGeom>
+        </p:spPr>
+        <p:style>
+          <a:lnRef idx="2">
+            <a:schemeClr val="accent1">
+              <a:shade val="50000"/>
+            </a:schemeClr>
+          </a:lnRef>
+          <a:fillRef idx="1">
+            <a:schemeClr val="accent1"/>
+          </a:fillRef>
+          <a:effectRef idx="0">
+            <a:schemeClr val="accent1"/>
+          </a:effectRef>
+          <a:fontRef idx="minor">
+            <a:schemeClr val="lt1"/>
+          </a:fontRef>
+        </p:style>
+        <p:txBody>
+          <a:bodyPr rtlCol="0" anchor="ctr"/>
+          <a:lstStyle/>
+          <a:p>
+            <a:pPr algn="ctr"/>
+            <a:endParaRPr lang="en-IT" sz="2800"/>
+          </a:p>
+        </p:txBody>
+      </p:sp>
+      <p:sp>
+        <p:nvSpPr>
+          <p:cNvPr id="7" name="Oval 6">
+            <a:extLst>
+              <a:ext uri="{FF2B5EF4-FFF2-40B4-BE49-F238E27FC236}">
+                <a16:creationId xmlns:a16="http://schemas.microsoft.com/office/drawing/2014/main" id="{8B080BA6-5229-2647-8A66-BA3B08136414}"/>
+              </a:ext>
+            </a:extLst>
+          </p:cNvPr>
+          <p:cNvSpPr/>
+          <p:nvPr/>
+        </p:nvSpPr>
+        <p:spPr>
+          <a:xfrm>
+            <a:off x="6025146" y="4311293"/>
+            <a:ext cx="338203" cy="335071"/>
+          </a:xfrm>
+          <a:prstGeom prst="ellipse">
+            <a:avLst/>
+          </a:prstGeom>
+        </p:spPr>
+        <p:style>
+          <a:lnRef idx="2">
+            <a:schemeClr val="accent1">
+              <a:shade val="50000"/>
+            </a:schemeClr>
+          </a:lnRef>
+          <a:fillRef idx="1">
+            <a:schemeClr val="accent1"/>
+          </a:fillRef>
+          <a:effectRef idx="0">
+            <a:schemeClr val="accent1"/>
+          </a:effectRef>
+          <a:fontRef idx="minor">
+            <a:schemeClr val="lt1"/>
+          </a:fontRef>
+        </p:style>
+        <p:txBody>
+          <a:bodyPr rtlCol="0" anchor="ctr"/>
+          <a:lstStyle/>
+          <a:p>
+            <a:pPr algn="ctr"/>
+            <a:endParaRPr lang="en-IT" sz="2800"/>
+          </a:p>
+        </p:txBody>
+      </p:sp>
+      <p:sp>
+        <p:nvSpPr>
+          <p:cNvPr id="9" name="Oval 8">
+            <a:extLst>
+              <a:ext uri="{FF2B5EF4-FFF2-40B4-BE49-F238E27FC236}">
+                <a16:creationId xmlns:a16="http://schemas.microsoft.com/office/drawing/2014/main" id="{EDFF87DE-9AEF-304E-A4D0-67F7E5EFCA42}"/>
+              </a:ext>
+            </a:extLst>
+          </p:cNvPr>
+          <p:cNvSpPr/>
+          <p:nvPr/>
+        </p:nvSpPr>
+        <p:spPr>
+          <a:xfrm>
+            <a:off x="1634192" y="1603899"/>
+            <a:ext cx="338203" cy="335071"/>
+          </a:xfrm>
+          <a:prstGeom prst="ellipse">
+            <a:avLst/>
+          </a:prstGeom>
+        </p:spPr>
+        <p:style>
+          <a:lnRef idx="2">
+            <a:schemeClr val="accent1">
+              <a:shade val="50000"/>
+            </a:schemeClr>
+          </a:lnRef>
+          <a:fillRef idx="1">
+            <a:schemeClr val="accent1"/>
+          </a:fillRef>
+          <a:effectRef idx="0">
+            <a:schemeClr val="accent1"/>
+          </a:effectRef>
+          <a:fontRef idx="minor">
+            <a:schemeClr val="lt1"/>
+          </a:fontRef>
+        </p:style>
+        <p:txBody>
+          <a:bodyPr rtlCol="0" anchor="ctr"/>
+          <a:lstStyle/>
+          <a:p>
+            <a:pPr algn="ctr"/>
+            <a:endParaRPr lang="en-IT" sz="2800"/>
+          </a:p>
+        </p:txBody>
+      </p:sp>
+      <p:sp>
+        <p:nvSpPr>
+          <p:cNvPr id="10" name="Oval 9">
+            <a:extLst>
+              <a:ext uri="{FF2B5EF4-FFF2-40B4-BE49-F238E27FC236}">
+                <a16:creationId xmlns:a16="http://schemas.microsoft.com/office/drawing/2014/main" id="{962AE24F-A5D5-234A-B035-C0B7DE5B7026}"/>
+              </a:ext>
+            </a:extLst>
+          </p:cNvPr>
+          <p:cNvSpPr/>
+          <p:nvPr/>
+        </p:nvSpPr>
+        <p:spPr>
+          <a:xfrm>
+            <a:off x="1634192" y="2130414"/>
+            <a:ext cx="338203" cy="335071"/>
+          </a:xfrm>
+          <a:prstGeom prst="ellipse">
+            <a:avLst/>
+          </a:prstGeom>
+        </p:spPr>
+        <p:style>
+          <a:lnRef idx="2">
+            <a:schemeClr val="accent1">
+              <a:shade val="50000"/>
+            </a:schemeClr>
+          </a:lnRef>
+          <a:fillRef idx="1">
+            <a:schemeClr val="accent1"/>
+          </a:fillRef>
+          <a:effectRef idx="0">
+            <a:schemeClr val="accent1"/>
+          </a:effectRef>
+          <a:fontRef idx="minor">
+            <a:schemeClr val="lt1"/>
+          </a:fontRef>
+        </p:style>
+        <p:txBody>
+          <a:bodyPr rtlCol="0" anchor="ctr"/>
+          <a:lstStyle/>
+          <a:p>
+            <a:pPr algn="ctr"/>
+            <a:endParaRPr lang="en-IT" sz="2800"/>
+          </a:p>
+        </p:txBody>
+      </p:sp>
+      <p:sp>
+        <p:nvSpPr>
+          <p:cNvPr id="11" name="Oval 10">
+            <a:extLst>
+              <a:ext uri="{FF2B5EF4-FFF2-40B4-BE49-F238E27FC236}">
+                <a16:creationId xmlns:a16="http://schemas.microsoft.com/office/drawing/2014/main" id="{5E37C590-DEF4-DE47-806C-CCBC8B97E662}"/>
+              </a:ext>
+            </a:extLst>
+          </p:cNvPr>
+          <p:cNvSpPr/>
+          <p:nvPr/>
+        </p:nvSpPr>
+        <p:spPr>
+          <a:xfrm>
+            <a:off x="1638595" y="2656929"/>
+            <a:ext cx="338203" cy="335071"/>
+          </a:xfrm>
+          <a:prstGeom prst="ellipse">
+            <a:avLst/>
+          </a:prstGeom>
+        </p:spPr>
+        <p:style>
+          <a:lnRef idx="2">
+            <a:schemeClr val="accent1">
+              <a:shade val="50000"/>
+            </a:schemeClr>
+          </a:lnRef>
+          <a:fillRef idx="1">
+            <a:schemeClr val="accent1"/>
+          </a:fillRef>
+          <a:effectRef idx="0">
+            <a:schemeClr val="accent1"/>
+          </a:effectRef>
+          <a:fontRef idx="minor">
+            <a:schemeClr val="lt1"/>
+          </a:fontRef>
+        </p:style>
+        <p:txBody>
+          <a:bodyPr rtlCol="0" anchor="ctr"/>
+          <a:lstStyle/>
+          <a:p>
+            <a:pPr algn="ctr"/>
+            <a:endParaRPr lang="en-IT" sz="2800"/>
+          </a:p>
+        </p:txBody>
+      </p:sp>
+      <p:sp>
+        <p:nvSpPr>
+          <p:cNvPr id="12" name="Oval 11">
+            <a:extLst>
+              <a:ext uri="{FF2B5EF4-FFF2-40B4-BE49-F238E27FC236}">
+                <a16:creationId xmlns:a16="http://schemas.microsoft.com/office/drawing/2014/main" id="{AEC5D8B2-785A-F94E-BD66-40B324981153}"/>
+              </a:ext>
+            </a:extLst>
+          </p:cNvPr>
+          <p:cNvSpPr/>
+          <p:nvPr/>
+        </p:nvSpPr>
+        <p:spPr>
+          <a:xfrm>
+            <a:off x="1638596" y="3156335"/>
+            <a:ext cx="338203" cy="335071"/>
+          </a:xfrm>
+          <a:prstGeom prst="ellipse">
+            <a:avLst/>
+          </a:prstGeom>
+        </p:spPr>
+        <p:style>
+          <a:lnRef idx="2">
+            <a:schemeClr val="accent1">
+              <a:shade val="50000"/>
+            </a:schemeClr>
+          </a:lnRef>
+          <a:fillRef idx="1">
+            <a:schemeClr val="accent1"/>
+          </a:fillRef>
+          <a:effectRef idx="0">
+            <a:schemeClr val="accent1"/>
+          </a:effectRef>
+          <a:fontRef idx="minor">
+            <a:schemeClr val="lt1"/>
+          </a:fontRef>
+        </p:style>
+        <p:txBody>
+          <a:bodyPr rtlCol="0" anchor="ctr"/>
+          <a:lstStyle/>
+          <a:p>
+            <a:pPr algn="ctr"/>
+            <a:endParaRPr lang="en-IT" sz="2800"/>
+          </a:p>
+        </p:txBody>
+      </p:sp>
+      <p:sp>
+        <p:nvSpPr>
+          <p:cNvPr id="13" name="Oval 12">
+            <a:extLst>
+              <a:ext uri="{FF2B5EF4-FFF2-40B4-BE49-F238E27FC236}">
+                <a16:creationId xmlns:a16="http://schemas.microsoft.com/office/drawing/2014/main" id="{9F37F132-0536-564E-8771-5C43E3A4F652}"/>
+              </a:ext>
+            </a:extLst>
+          </p:cNvPr>
+          <p:cNvSpPr/>
+          <p:nvPr/>
+        </p:nvSpPr>
+        <p:spPr>
+          <a:xfrm>
+            <a:off x="1634192" y="3720035"/>
+            <a:ext cx="338203" cy="335071"/>
+          </a:xfrm>
+          <a:prstGeom prst="ellipse">
+            <a:avLst/>
+          </a:prstGeom>
+        </p:spPr>
+        <p:style>
+          <a:lnRef idx="2">
+            <a:schemeClr val="accent1">
+              <a:shade val="50000"/>
+            </a:schemeClr>
+          </a:lnRef>
+          <a:fillRef idx="1">
+            <a:schemeClr val="accent1"/>
+          </a:fillRef>
+          <a:effectRef idx="0">
+            <a:schemeClr val="accent1"/>
+          </a:effectRef>
+          <a:fontRef idx="minor">
+            <a:schemeClr val="lt1"/>
+          </a:fontRef>
+        </p:style>
+        <p:txBody>
+          <a:bodyPr rtlCol="0" anchor="ctr"/>
+          <a:lstStyle/>
+          <a:p>
+            <a:pPr algn="ctr"/>
+            <a:endParaRPr lang="en-IT" sz="2800"/>
+          </a:p>
+        </p:txBody>
+      </p:sp>
+      <p:sp>
+        <p:nvSpPr>
+          <p:cNvPr id="14" name="Oval 13">
+            <a:extLst>
+              <a:ext uri="{FF2B5EF4-FFF2-40B4-BE49-F238E27FC236}">
+                <a16:creationId xmlns:a16="http://schemas.microsoft.com/office/drawing/2014/main" id="{E0DC6280-6820-3B4A-A047-0CCF49F5E9CD}"/>
+              </a:ext>
+            </a:extLst>
+          </p:cNvPr>
+          <p:cNvSpPr/>
+          <p:nvPr/>
+        </p:nvSpPr>
+        <p:spPr>
+          <a:xfrm>
+            <a:off x="1634192" y="4246550"/>
+            <a:ext cx="338203" cy="335071"/>
+          </a:xfrm>
+          <a:prstGeom prst="ellipse">
+            <a:avLst/>
+          </a:prstGeom>
+        </p:spPr>
+        <p:style>
+          <a:lnRef idx="2">
+            <a:schemeClr val="accent1">
+              <a:shade val="50000"/>
+            </a:schemeClr>
+          </a:lnRef>
+          <a:fillRef idx="1">
+            <a:schemeClr val="accent1"/>
+          </a:fillRef>
+          <a:effectRef idx="0">
+            <a:schemeClr val="accent1"/>
+          </a:effectRef>
+          <a:fontRef idx="minor">
+            <a:schemeClr val="lt1"/>
+          </a:fontRef>
+        </p:style>
+        <p:txBody>
+          <a:bodyPr rtlCol="0" anchor="ctr"/>
+          <a:lstStyle/>
+          <a:p>
+            <a:pPr algn="ctr"/>
+            <a:endParaRPr lang="en-IT" sz="2800"/>
+          </a:p>
+        </p:txBody>
+      </p:sp>
+      <p:sp>
+        <p:nvSpPr>
+          <p:cNvPr id="15" name="Oval 14">
+            <a:extLst>
+              <a:ext uri="{FF2B5EF4-FFF2-40B4-BE49-F238E27FC236}">
+                <a16:creationId xmlns:a16="http://schemas.microsoft.com/office/drawing/2014/main" id="{140E75CA-1991-FC4B-AD37-B9066FC15DCB}"/>
+              </a:ext>
+            </a:extLst>
+          </p:cNvPr>
+          <p:cNvSpPr/>
+          <p:nvPr/>
+        </p:nvSpPr>
+        <p:spPr>
+          <a:xfrm>
+            <a:off x="1638595" y="4773065"/>
+            <a:ext cx="338203" cy="335071"/>
+          </a:xfrm>
+          <a:prstGeom prst="ellipse">
+            <a:avLst/>
+          </a:prstGeom>
+        </p:spPr>
+        <p:style>
+          <a:lnRef idx="2">
+            <a:schemeClr val="accent1">
+              <a:shade val="50000"/>
+            </a:schemeClr>
+          </a:lnRef>
+          <a:fillRef idx="1">
+            <a:schemeClr val="accent1"/>
+          </a:fillRef>
+          <a:effectRef idx="0">
+            <a:schemeClr val="accent1"/>
+          </a:effectRef>
+          <a:fontRef idx="minor">
+            <a:schemeClr val="lt1"/>
+          </a:fontRef>
+        </p:style>
+        <p:txBody>
+          <a:bodyPr rtlCol="0" anchor="ctr"/>
+          <a:lstStyle/>
+          <a:p>
+            <a:pPr algn="ctr"/>
+            <a:endParaRPr lang="en-IT" sz="2800"/>
+          </a:p>
+        </p:txBody>
+      </p:sp>
+      <p:sp>
+        <p:nvSpPr>
+          <p:cNvPr id="16" name="Oval 15">
+            <a:extLst>
+              <a:ext uri="{FF2B5EF4-FFF2-40B4-BE49-F238E27FC236}">
+                <a16:creationId xmlns:a16="http://schemas.microsoft.com/office/drawing/2014/main" id="{C41A3397-A78E-5C48-A3B9-4F14C48C16C1}"/>
+              </a:ext>
+            </a:extLst>
+          </p:cNvPr>
+          <p:cNvSpPr/>
+          <p:nvPr/>
+        </p:nvSpPr>
+        <p:spPr>
+          <a:xfrm>
+            <a:off x="1638596" y="5272471"/>
+            <a:ext cx="338203" cy="335071"/>
+          </a:xfrm>
+          <a:prstGeom prst="ellipse">
+            <a:avLst/>
+          </a:prstGeom>
+        </p:spPr>
+        <p:style>
+          <a:lnRef idx="2">
+            <a:schemeClr val="accent1">
+              <a:shade val="50000"/>
+            </a:schemeClr>
+          </a:lnRef>
+          <a:fillRef idx="1">
+            <a:schemeClr val="accent1"/>
+          </a:fillRef>
+          <a:effectRef idx="0">
+            <a:schemeClr val="accent1"/>
+          </a:effectRef>
+          <a:fontRef idx="minor">
+            <a:schemeClr val="lt1"/>
+          </a:fontRef>
+        </p:style>
+        <p:txBody>
+          <a:bodyPr rtlCol="0" anchor="ctr"/>
+          <a:lstStyle/>
+          <a:p>
+            <a:pPr algn="ctr"/>
+            <a:endParaRPr lang="en-IT" sz="2800"/>
+          </a:p>
+        </p:txBody>
+      </p:sp>
+      <p:sp>
+        <p:nvSpPr>
+          <p:cNvPr id="17" name="Oval 16">
+            <a:extLst>
+              <a:ext uri="{FF2B5EF4-FFF2-40B4-BE49-F238E27FC236}">
+                <a16:creationId xmlns:a16="http://schemas.microsoft.com/office/drawing/2014/main" id="{C14CC639-A0E2-384E-90A8-E4F024846832}"/>
+              </a:ext>
+            </a:extLst>
+          </p:cNvPr>
+          <p:cNvSpPr/>
+          <p:nvPr/>
+        </p:nvSpPr>
+        <p:spPr>
+          <a:xfrm>
+            <a:off x="10242593" y="1603899"/>
+            <a:ext cx="338203" cy="335071"/>
+          </a:xfrm>
+          <a:prstGeom prst="ellipse">
+            <a:avLst/>
+          </a:prstGeom>
+        </p:spPr>
+        <p:style>
+          <a:lnRef idx="2">
+            <a:schemeClr val="accent1">
+              <a:shade val="50000"/>
+            </a:schemeClr>
+          </a:lnRef>
+          <a:fillRef idx="1">
+            <a:schemeClr val="accent1"/>
+          </a:fillRef>
+          <a:effectRef idx="0">
+            <a:schemeClr val="accent1"/>
+          </a:effectRef>
+          <a:fontRef idx="minor">
+            <a:schemeClr val="lt1"/>
+          </a:fontRef>
+        </p:style>
+        <p:txBody>
+          <a:bodyPr rtlCol="0" anchor="ctr"/>
+          <a:lstStyle/>
+          <a:p>
+            <a:pPr algn="ctr"/>
+            <a:endParaRPr lang="en-IT" sz="2800"/>
+          </a:p>
+        </p:txBody>
+      </p:sp>
+      <p:sp>
+        <p:nvSpPr>
+          <p:cNvPr id="18" name="Oval 17">
+            <a:extLst>
+              <a:ext uri="{FF2B5EF4-FFF2-40B4-BE49-F238E27FC236}">
+                <a16:creationId xmlns:a16="http://schemas.microsoft.com/office/drawing/2014/main" id="{4F849B8C-CCF5-3942-B4F4-F3D0270598D1}"/>
+              </a:ext>
+            </a:extLst>
+          </p:cNvPr>
+          <p:cNvSpPr/>
+          <p:nvPr/>
+        </p:nvSpPr>
+        <p:spPr>
+          <a:xfrm>
+            <a:off x="10242593" y="2130414"/>
+            <a:ext cx="338203" cy="335071"/>
+          </a:xfrm>
+          <a:prstGeom prst="ellipse">
+            <a:avLst/>
+          </a:prstGeom>
+        </p:spPr>
+        <p:style>
+          <a:lnRef idx="2">
+            <a:schemeClr val="accent1">
+              <a:shade val="50000"/>
+            </a:schemeClr>
+          </a:lnRef>
+          <a:fillRef idx="1">
+            <a:schemeClr val="accent1"/>
+          </a:fillRef>
+          <a:effectRef idx="0">
+            <a:schemeClr val="accent1"/>
+          </a:effectRef>
+          <a:fontRef idx="minor">
+            <a:schemeClr val="lt1"/>
+          </a:fontRef>
+        </p:style>
+        <p:txBody>
+          <a:bodyPr rtlCol="0" anchor="ctr"/>
+          <a:lstStyle/>
+          <a:p>
+            <a:pPr algn="ctr"/>
+            <a:endParaRPr lang="en-IT" sz="2800"/>
+          </a:p>
+        </p:txBody>
+      </p:sp>
+      <p:sp>
+        <p:nvSpPr>
+          <p:cNvPr id="19" name="Oval 18">
+            <a:extLst>
+              <a:ext uri="{FF2B5EF4-FFF2-40B4-BE49-F238E27FC236}">
+                <a16:creationId xmlns:a16="http://schemas.microsoft.com/office/drawing/2014/main" id="{84FF14AC-5060-5E41-B677-FED2B0AE9B29}"/>
+              </a:ext>
+            </a:extLst>
+          </p:cNvPr>
+          <p:cNvSpPr/>
+          <p:nvPr/>
+        </p:nvSpPr>
+        <p:spPr>
+          <a:xfrm>
+            <a:off x="10246996" y="2656929"/>
+            <a:ext cx="338203" cy="335071"/>
+          </a:xfrm>
+          <a:prstGeom prst="ellipse">
+            <a:avLst/>
+          </a:prstGeom>
+        </p:spPr>
+        <p:style>
+          <a:lnRef idx="2">
+            <a:schemeClr val="accent1">
+              <a:shade val="50000"/>
+            </a:schemeClr>
+          </a:lnRef>
+          <a:fillRef idx="1">
+            <a:schemeClr val="accent1"/>
+          </a:fillRef>
+          <a:effectRef idx="0">
+            <a:schemeClr val="accent1"/>
+          </a:effectRef>
+          <a:fontRef idx="minor">
+            <a:schemeClr val="lt1"/>
+          </a:fontRef>
+        </p:style>
+        <p:txBody>
+          <a:bodyPr rtlCol="0" anchor="ctr"/>
+          <a:lstStyle/>
+          <a:p>
+            <a:pPr algn="ctr"/>
+            <a:endParaRPr lang="en-IT" sz="2800"/>
+          </a:p>
+        </p:txBody>
+      </p:sp>
+      <p:sp>
+        <p:nvSpPr>
+          <p:cNvPr id="20" name="Oval 19">
+            <a:extLst>
+              <a:ext uri="{FF2B5EF4-FFF2-40B4-BE49-F238E27FC236}">
+                <a16:creationId xmlns:a16="http://schemas.microsoft.com/office/drawing/2014/main" id="{86B70D9B-750F-B243-96CB-7FD786CDB643}"/>
+              </a:ext>
+            </a:extLst>
+          </p:cNvPr>
+          <p:cNvSpPr/>
+          <p:nvPr/>
+        </p:nvSpPr>
+        <p:spPr>
+          <a:xfrm>
+            <a:off x="10246997" y="3156335"/>
+            <a:ext cx="338203" cy="335071"/>
+          </a:xfrm>
+          <a:prstGeom prst="ellipse">
+            <a:avLst/>
+          </a:prstGeom>
+        </p:spPr>
+        <p:style>
+          <a:lnRef idx="2">
+            <a:schemeClr val="accent1">
+              <a:shade val="50000"/>
+            </a:schemeClr>
+          </a:lnRef>
+          <a:fillRef idx="1">
+            <a:schemeClr val="accent1"/>
+          </a:fillRef>
+          <a:effectRef idx="0">
+            <a:schemeClr val="accent1"/>
+          </a:effectRef>
+          <a:fontRef idx="minor">
+            <a:schemeClr val="lt1"/>
+          </a:fontRef>
+        </p:style>
+        <p:txBody>
+          <a:bodyPr rtlCol="0" anchor="ctr"/>
+          <a:lstStyle/>
+          <a:p>
+            <a:pPr algn="ctr"/>
+            <a:endParaRPr lang="en-IT" sz="2800"/>
+          </a:p>
+        </p:txBody>
+      </p:sp>
+      <p:sp>
+        <p:nvSpPr>
+          <p:cNvPr id="21" name="Oval 20">
+            <a:extLst>
+              <a:ext uri="{FF2B5EF4-FFF2-40B4-BE49-F238E27FC236}">
+                <a16:creationId xmlns:a16="http://schemas.microsoft.com/office/drawing/2014/main" id="{FD29A593-4ABA-0344-B4B7-60B0143EA017}"/>
+              </a:ext>
+            </a:extLst>
+          </p:cNvPr>
+          <p:cNvSpPr/>
+          <p:nvPr/>
+        </p:nvSpPr>
+        <p:spPr>
+          <a:xfrm>
+            <a:off x="10242593" y="3720035"/>
+            <a:ext cx="338203" cy="335071"/>
+          </a:xfrm>
+          <a:prstGeom prst="ellipse">
+            <a:avLst/>
+          </a:prstGeom>
+        </p:spPr>
+        <p:style>
+          <a:lnRef idx="2">
+            <a:schemeClr val="accent1">
+              <a:shade val="50000"/>
+            </a:schemeClr>
+          </a:lnRef>
+          <a:fillRef idx="1">
+            <a:schemeClr val="accent1"/>
+          </a:fillRef>
+          <a:effectRef idx="0">
+            <a:schemeClr val="accent1"/>
+          </a:effectRef>
+          <a:fontRef idx="minor">
+            <a:schemeClr val="lt1"/>
+          </a:fontRef>
+        </p:style>
+        <p:txBody>
+          <a:bodyPr rtlCol="0" anchor="ctr"/>
+          <a:lstStyle/>
+          <a:p>
+            <a:pPr algn="ctr"/>
+            <a:endParaRPr lang="en-IT" sz="2800"/>
+          </a:p>
+        </p:txBody>
+      </p:sp>
+      <p:sp>
+        <p:nvSpPr>
+          <p:cNvPr id="22" name="Oval 21">
+            <a:extLst>
+              <a:ext uri="{FF2B5EF4-FFF2-40B4-BE49-F238E27FC236}">
+                <a16:creationId xmlns:a16="http://schemas.microsoft.com/office/drawing/2014/main" id="{32B5C91F-242F-CD41-BBD9-FBACD7C62837}"/>
+              </a:ext>
+            </a:extLst>
+          </p:cNvPr>
+          <p:cNvSpPr/>
+          <p:nvPr/>
+        </p:nvSpPr>
+        <p:spPr>
+          <a:xfrm>
+            <a:off x="10242593" y="4246550"/>
+            <a:ext cx="338203" cy="335071"/>
+          </a:xfrm>
+          <a:prstGeom prst="ellipse">
+            <a:avLst/>
+          </a:prstGeom>
+        </p:spPr>
+        <p:style>
+          <a:lnRef idx="2">
+            <a:schemeClr val="accent1">
+              <a:shade val="50000"/>
+            </a:schemeClr>
+          </a:lnRef>
+          <a:fillRef idx="1">
+            <a:schemeClr val="accent1"/>
+          </a:fillRef>
+          <a:effectRef idx="0">
+            <a:schemeClr val="accent1"/>
+          </a:effectRef>
+          <a:fontRef idx="minor">
+            <a:schemeClr val="lt1"/>
+          </a:fontRef>
+        </p:style>
+        <p:txBody>
+          <a:bodyPr rtlCol="0" anchor="ctr"/>
+          <a:lstStyle/>
+          <a:p>
+            <a:pPr algn="ctr"/>
+            <a:endParaRPr lang="en-IT" sz="2800"/>
+          </a:p>
+        </p:txBody>
+      </p:sp>
+      <p:sp>
+        <p:nvSpPr>
+          <p:cNvPr id="23" name="Oval 22">
+            <a:extLst>
+              <a:ext uri="{FF2B5EF4-FFF2-40B4-BE49-F238E27FC236}">
+                <a16:creationId xmlns:a16="http://schemas.microsoft.com/office/drawing/2014/main" id="{E67BF8F9-8DA4-C343-89B8-8A68E09182D4}"/>
+              </a:ext>
+            </a:extLst>
+          </p:cNvPr>
+          <p:cNvSpPr/>
+          <p:nvPr/>
+        </p:nvSpPr>
+        <p:spPr>
+          <a:xfrm>
+            <a:off x="10246996" y="4773065"/>
+            <a:ext cx="338203" cy="335071"/>
+          </a:xfrm>
+          <a:prstGeom prst="ellipse">
+            <a:avLst/>
+          </a:prstGeom>
+        </p:spPr>
+        <p:style>
+          <a:lnRef idx="2">
+            <a:schemeClr val="accent1">
+              <a:shade val="50000"/>
+            </a:schemeClr>
+          </a:lnRef>
+          <a:fillRef idx="1">
+            <a:schemeClr val="accent1"/>
+          </a:fillRef>
+          <a:effectRef idx="0">
+            <a:schemeClr val="accent1"/>
+          </a:effectRef>
+          <a:fontRef idx="minor">
+            <a:schemeClr val="lt1"/>
+          </a:fontRef>
+        </p:style>
+        <p:txBody>
+          <a:bodyPr rtlCol="0" anchor="ctr"/>
+          <a:lstStyle/>
+          <a:p>
+            <a:pPr algn="ctr"/>
+            <a:endParaRPr lang="en-IT" sz="2800"/>
+          </a:p>
+        </p:txBody>
+      </p:sp>
+      <p:sp>
+        <p:nvSpPr>
+          <p:cNvPr id="24" name="Oval 23">
+            <a:extLst>
+              <a:ext uri="{FF2B5EF4-FFF2-40B4-BE49-F238E27FC236}">
+                <a16:creationId xmlns:a16="http://schemas.microsoft.com/office/drawing/2014/main" id="{08667BB6-7AFD-E743-9D2E-54D26E0A71E1}"/>
+              </a:ext>
+            </a:extLst>
+          </p:cNvPr>
+          <p:cNvSpPr/>
+          <p:nvPr/>
+        </p:nvSpPr>
+        <p:spPr>
+          <a:xfrm>
+            <a:off x="10246997" y="5272471"/>
+            <a:ext cx="338203" cy="335071"/>
+          </a:xfrm>
+          <a:prstGeom prst="ellipse">
+            <a:avLst/>
+          </a:prstGeom>
+        </p:spPr>
+        <p:style>
+          <a:lnRef idx="2">
+            <a:schemeClr val="accent1">
+              <a:shade val="50000"/>
+            </a:schemeClr>
+          </a:lnRef>
+          <a:fillRef idx="1">
+            <a:schemeClr val="accent1"/>
+          </a:fillRef>
+          <a:effectRef idx="0">
+            <a:schemeClr val="accent1"/>
+          </a:effectRef>
+          <a:fontRef idx="minor">
+            <a:schemeClr val="lt1"/>
+          </a:fontRef>
+        </p:style>
+        <p:txBody>
+          <a:bodyPr rtlCol="0" anchor="ctr"/>
+          <a:lstStyle/>
+          <a:p>
+            <a:pPr algn="ctr"/>
+            <a:endParaRPr lang="en-IT" sz="2800"/>
+          </a:p>
+        </p:txBody>
+      </p:sp>
+      <p:sp>
+        <p:nvSpPr>
+          <p:cNvPr id="25" name="Rectangle 24">
+            <a:extLst>
+              <a:ext uri="{FF2B5EF4-FFF2-40B4-BE49-F238E27FC236}">
+                <a16:creationId xmlns:a16="http://schemas.microsoft.com/office/drawing/2014/main" id="{A0E8BE98-9AE0-DE4E-B42A-BC02210B46AF}"/>
+              </a:ext>
+            </a:extLst>
+          </p:cNvPr>
+          <p:cNvSpPr/>
+          <p:nvPr/>
+        </p:nvSpPr>
+        <p:spPr>
+          <a:xfrm>
+            <a:off x="2434729" y="2130414"/>
+            <a:ext cx="3194891" cy="3234800"/>
+          </a:xfrm>
+          <a:prstGeom prst="rect">
+            <a:avLst/>
+          </a:prstGeom>
+          <a:solidFill>
+            <a:schemeClr val="accent5">
+              <a:lumMod val="20000"/>
+              <a:lumOff val="80000"/>
+            </a:schemeClr>
+          </a:solidFill>
+        </p:spPr>
+        <p:style>
+          <a:lnRef idx="2">
+            <a:schemeClr val="accent1">
+              <a:shade val="50000"/>
+            </a:schemeClr>
+          </a:lnRef>
+          <a:fillRef idx="1">
+            <a:schemeClr val="accent1"/>
+          </a:fillRef>
+          <a:effectRef idx="0">
+            <a:schemeClr val="accent1"/>
+          </a:effectRef>
+          <a:fontRef idx="minor">
+            <a:schemeClr val="lt1"/>
+          </a:fontRef>
+        </p:style>
+        <p:txBody>
+          <a:bodyPr rtlCol="0" anchor="ctr"/>
+          <a:lstStyle/>
+          <a:p>
+            <a:pPr algn="ctr"/>
+            <a:r>
+              <a:rPr lang="en-IT" sz="3200" dirty="0">
+                <a:solidFill>
+                  <a:schemeClr val="accent1"/>
+                </a:solidFill>
+              </a:rPr>
+              <a:t>Additional </a:t>
+            </a:r>
+            <a:br>
+              <a:rPr lang="en-IT" sz="3200" dirty="0">
+                <a:solidFill>
+                  <a:schemeClr val="accent1"/>
+                </a:solidFill>
+              </a:rPr>
+            </a:br>
+            <a:r>
+              <a:rPr lang="en-IT" sz="3200" dirty="0">
+                <a:solidFill>
+                  <a:schemeClr val="accent1"/>
+                </a:solidFill>
+              </a:rPr>
+              <a:t>Hidden Layers</a:t>
+            </a:r>
+          </a:p>
+        </p:txBody>
+      </p:sp>
+      <p:sp>
+        <p:nvSpPr>
+          <p:cNvPr id="26" name="Rectangle 25">
+            <a:extLst>
+              <a:ext uri="{FF2B5EF4-FFF2-40B4-BE49-F238E27FC236}">
+                <a16:creationId xmlns:a16="http://schemas.microsoft.com/office/drawing/2014/main" id="{6F7F676B-2BD5-8541-A6AC-08D815674A72}"/>
+              </a:ext>
+            </a:extLst>
+          </p:cNvPr>
+          <p:cNvSpPr/>
+          <p:nvPr/>
+        </p:nvSpPr>
+        <p:spPr>
+          <a:xfrm>
+            <a:off x="6701121" y="2130414"/>
+            <a:ext cx="3194891" cy="3234800"/>
+          </a:xfrm>
+          <a:prstGeom prst="rect">
+            <a:avLst/>
+          </a:prstGeom>
+          <a:solidFill>
+            <a:schemeClr val="accent5">
+              <a:lumMod val="20000"/>
+              <a:lumOff val="80000"/>
+            </a:schemeClr>
+          </a:solidFill>
+        </p:spPr>
+        <p:style>
+          <a:lnRef idx="2">
+            <a:schemeClr val="accent1">
+              <a:shade val="50000"/>
+            </a:schemeClr>
+          </a:lnRef>
+          <a:fillRef idx="1">
+            <a:schemeClr val="accent1"/>
+          </a:fillRef>
+          <a:effectRef idx="0">
+            <a:schemeClr val="accent1"/>
+          </a:effectRef>
+          <a:fontRef idx="minor">
+            <a:schemeClr val="lt1"/>
+          </a:fontRef>
+        </p:style>
+        <p:txBody>
+          <a:bodyPr rtlCol="0" anchor="ctr"/>
+          <a:lstStyle/>
+          <a:p>
+            <a:pPr algn="ctr"/>
+            <a:r>
+              <a:rPr lang="en-IT" sz="3200" dirty="0">
+                <a:solidFill>
+                  <a:schemeClr val="accent1"/>
+                </a:solidFill>
+              </a:rPr>
+              <a:t>Additional </a:t>
+            </a:r>
+            <a:br>
+              <a:rPr lang="en-IT" sz="3200" dirty="0">
+                <a:solidFill>
+                  <a:schemeClr val="accent1"/>
+                </a:solidFill>
+              </a:rPr>
+            </a:br>
+            <a:r>
+              <a:rPr lang="en-IT" sz="3200" dirty="0">
+                <a:solidFill>
+                  <a:schemeClr val="accent1"/>
+                </a:solidFill>
+              </a:rPr>
+              <a:t>Hidden Layers</a:t>
+            </a:r>
+          </a:p>
+        </p:txBody>
+      </p:sp>
+      <p:sp>
+        <p:nvSpPr>
+          <p:cNvPr id="29" name="TextBox 28">
+            <a:extLst>
+              <a:ext uri="{FF2B5EF4-FFF2-40B4-BE49-F238E27FC236}">
+                <a16:creationId xmlns:a16="http://schemas.microsoft.com/office/drawing/2014/main" id="{F5BBE740-0510-2A4E-880E-61FFC88483FC}"/>
+              </a:ext>
+            </a:extLst>
+          </p:cNvPr>
+          <p:cNvSpPr txBox="1"/>
+          <p:nvPr/>
+        </p:nvSpPr>
+        <p:spPr>
+          <a:xfrm rot="16200000">
+            <a:off x="-251988" y="3289570"/>
+            <a:ext cx="2299027" cy="369332"/>
+          </a:xfrm>
+          <a:prstGeom prst="rect">
+            <a:avLst/>
+          </a:prstGeom>
+          <a:noFill/>
+        </p:spPr>
+        <p:txBody>
+          <a:bodyPr wrap="none" rtlCol="0">
+            <a:spAutoFit/>
+          </a:bodyPr>
+          <a:lstStyle/>
+          <a:p>
+            <a:r>
+              <a:rPr lang="en-IT" dirty="0"/>
+              <a:t>Inputs, M-dimensional</a:t>
+            </a:r>
+          </a:p>
+        </p:txBody>
+      </p:sp>
+      <p:sp>
+        <p:nvSpPr>
+          <p:cNvPr id="30" name="TextBox 29">
+            <a:extLst>
+              <a:ext uri="{FF2B5EF4-FFF2-40B4-BE49-F238E27FC236}">
+                <a16:creationId xmlns:a16="http://schemas.microsoft.com/office/drawing/2014/main" id="{0035FF01-978C-6D45-95E0-E77DA5DABFE2}"/>
+              </a:ext>
+            </a:extLst>
+          </p:cNvPr>
+          <p:cNvSpPr txBox="1"/>
+          <p:nvPr/>
+        </p:nvSpPr>
+        <p:spPr>
+          <a:xfrm>
+            <a:off x="1055227" y="1569638"/>
+            <a:ext cx="301686" cy="369332"/>
+          </a:xfrm>
+          <a:prstGeom prst="rect">
+            <a:avLst/>
+          </a:prstGeom>
+          <a:noFill/>
+        </p:spPr>
+        <p:txBody>
+          <a:bodyPr wrap="none" rtlCol="0">
+            <a:spAutoFit/>
+          </a:bodyPr>
+          <a:lstStyle/>
+          <a:p>
+            <a:r>
+              <a:rPr lang="en-IT" dirty="0"/>
+              <a:t>1</a:t>
+            </a:r>
+          </a:p>
+        </p:txBody>
+      </p:sp>
+      <p:sp>
+        <p:nvSpPr>
+          <p:cNvPr id="32" name="TextBox 31">
+            <a:extLst>
+              <a:ext uri="{FF2B5EF4-FFF2-40B4-BE49-F238E27FC236}">
+                <a16:creationId xmlns:a16="http://schemas.microsoft.com/office/drawing/2014/main" id="{6464DD06-644F-4D4F-8EEA-7AE95D9A642A}"/>
+              </a:ext>
+            </a:extLst>
+          </p:cNvPr>
+          <p:cNvSpPr txBox="1"/>
+          <p:nvPr/>
+        </p:nvSpPr>
+        <p:spPr>
+          <a:xfrm>
+            <a:off x="1015152" y="5238166"/>
+            <a:ext cx="381836" cy="369332"/>
+          </a:xfrm>
+          <a:prstGeom prst="rect">
+            <a:avLst/>
+          </a:prstGeom>
+          <a:noFill/>
+        </p:spPr>
+        <p:txBody>
+          <a:bodyPr wrap="none" rtlCol="0">
+            <a:spAutoFit/>
+          </a:bodyPr>
+          <a:lstStyle/>
+          <a:p>
+            <a:r>
+              <a:rPr lang="en-IT" dirty="0"/>
+              <a:t>M</a:t>
+            </a:r>
+          </a:p>
+        </p:txBody>
+      </p:sp>
+      <p:sp>
+        <p:nvSpPr>
+          <p:cNvPr id="33" name="TextBox 32">
+            <a:extLst>
+              <a:ext uri="{FF2B5EF4-FFF2-40B4-BE49-F238E27FC236}">
+                <a16:creationId xmlns:a16="http://schemas.microsoft.com/office/drawing/2014/main" id="{97604933-29BC-7544-AC0F-FE30A16C93A4}"/>
+              </a:ext>
+            </a:extLst>
+          </p:cNvPr>
+          <p:cNvSpPr txBox="1"/>
+          <p:nvPr/>
+        </p:nvSpPr>
+        <p:spPr>
+          <a:xfrm rot="16200000">
+            <a:off x="9974546" y="3375330"/>
+            <a:ext cx="2470548" cy="369332"/>
+          </a:xfrm>
+          <a:prstGeom prst="rect">
+            <a:avLst/>
+          </a:prstGeom>
+          <a:noFill/>
+        </p:spPr>
+        <p:txBody>
+          <a:bodyPr wrap="none" rtlCol="0">
+            <a:spAutoFit/>
+          </a:bodyPr>
+          <a:lstStyle/>
+          <a:p>
+            <a:r>
+              <a:rPr lang="en-IT" dirty="0"/>
+              <a:t>Outputs, M-dimensional</a:t>
+            </a:r>
+          </a:p>
+        </p:txBody>
+      </p:sp>
+      <p:sp>
+        <p:nvSpPr>
+          <p:cNvPr id="34" name="TextBox 33">
+            <a:extLst>
+              <a:ext uri="{FF2B5EF4-FFF2-40B4-BE49-F238E27FC236}">
+                <a16:creationId xmlns:a16="http://schemas.microsoft.com/office/drawing/2014/main" id="{C31E8506-0D62-C049-B92B-FC5AD2E69091}"/>
+              </a:ext>
+            </a:extLst>
+          </p:cNvPr>
+          <p:cNvSpPr txBox="1"/>
+          <p:nvPr/>
+        </p:nvSpPr>
+        <p:spPr>
+          <a:xfrm>
+            <a:off x="10868059" y="1642461"/>
+            <a:ext cx="301686" cy="369332"/>
+          </a:xfrm>
+          <a:prstGeom prst="rect">
+            <a:avLst/>
+          </a:prstGeom>
+          <a:noFill/>
+        </p:spPr>
+        <p:txBody>
+          <a:bodyPr wrap="none" rtlCol="0">
+            <a:spAutoFit/>
+          </a:bodyPr>
+          <a:lstStyle/>
+          <a:p>
+            <a:r>
+              <a:rPr lang="en-IT" dirty="0"/>
+              <a:t>1</a:t>
+            </a:r>
+          </a:p>
+        </p:txBody>
+      </p:sp>
+      <p:sp>
+        <p:nvSpPr>
+          <p:cNvPr id="35" name="TextBox 34">
+            <a:extLst>
+              <a:ext uri="{FF2B5EF4-FFF2-40B4-BE49-F238E27FC236}">
+                <a16:creationId xmlns:a16="http://schemas.microsoft.com/office/drawing/2014/main" id="{7B39D398-CD52-A149-97BD-2B7FED16EA98}"/>
+              </a:ext>
+            </a:extLst>
+          </p:cNvPr>
+          <p:cNvSpPr txBox="1"/>
+          <p:nvPr/>
+        </p:nvSpPr>
+        <p:spPr>
+          <a:xfrm>
+            <a:off x="10827984" y="5310989"/>
+            <a:ext cx="381836" cy="369332"/>
+          </a:xfrm>
+          <a:prstGeom prst="rect">
+            <a:avLst/>
+          </a:prstGeom>
+          <a:noFill/>
+        </p:spPr>
+        <p:txBody>
+          <a:bodyPr wrap="none" rtlCol="0">
+            <a:spAutoFit/>
+          </a:bodyPr>
+          <a:lstStyle/>
+          <a:p>
+            <a:r>
+              <a:rPr lang="en-IT" dirty="0"/>
+              <a:t>M</a:t>
+            </a:r>
+          </a:p>
+        </p:txBody>
+      </p:sp>
+      <p:sp>
+        <p:nvSpPr>
+          <p:cNvPr id="36" name="TextBox 35">
+            <a:extLst>
+              <a:ext uri="{FF2B5EF4-FFF2-40B4-BE49-F238E27FC236}">
+                <a16:creationId xmlns:a16="http://schemas.microsoft.com/office/drawing/2014/main" id="{F84F2D27-6A09-F742-B22C-2AB161103D33}"/>
+              </a:ext>
+            </a:extLst>
+          </p:cNvPr>
+          <p:cNvSpPr txBox="1"/>
+          <p:nvPr/>
+        </p:nvSpPr>
+        <p:spPr>
+          <a:xfrm>
+            <a:off x="5414631" y="1365462"/>
+            <a:ext cx="1550424" cy="646331"/>
+          </a:xfrm>
+          <a:prstGeom prst="rect">
+            <a:avLst/>
+          </a:prstGeom>
+          <a:noFill/>
+        </p:spPr>
+        <p:txBody>
+          <a:bodyPr wrap="none" rtlCol="0">
+            <a:spAutoFit/>
+          </a:bodyPr>
+          <a:lstStyle/>
+          <a:p>
+            <a:r>
+              <a:rPr lang="en-IT" dirty="0"/>
+              <a:t>Latent Space</a:t>
+            </a:r>
+            <a:br>
+              <a:rPr lang="en-IT" dirty="0"/>
+            </a:br>
+            <a:r>
+              <a:rPr lang="en-IT" dirty="0"/>
+              <a:t>N-dimensional</a:t>
+            </a:r>
+          </a:p>
+        </p:txBody>
+      </p:sp>
+      <p:sp>
+        <p:nvSpPr>
+          <p:cNvPr id="37" name="TextBox 36">
+            <a:extLst>
+              <a:ext uri="{FF2B5EF4-FFF2-40B4-BE49-F238E27FC236}">
+                <a16:creationId xmlns:a16="http://schemas.microsoft.com/office/drawing/2014/main" id="{F8CC5163-E0E0-2743-847E-EA9CC603BE4C}"/>
+              </a:ext>
+            </a:extLst>
+          </p:cNvPr>
+          <p:cNvSpPr txBox="1"/>
+          <p:nvPr/>
+        </p:nvSpPr>
+        <p:spPr>
+          <a:xfrm>
+            <a:off x="5670110" y="2747535"/>
+            <a:ext cx="301686" cy="369332"/>
+          </a:xfrm>
+          <a:prstGeom prst="rect">
+            <a:avLst/>
+          </a:prstGeom>
+          <a:noFill/>
+        </p:spPr>
+        <p:txBody>
+          <a:bodyPr wrap="none" rtlCol="0">
+            <a:spAutoFit/>
+          </a:bodyPr>
+          <a:lstStyle/>
+          <a:p>
+            <a:r>
+              <a:rPr lang="en-IT" dirty="0"/>
+              <a:t>1</a:t>
+            </a:r>
+          </a:p>
+        </p:txBody>
+      </p:sp>
+      <p:sp>
+        <p:nvSpPr>
+          <p:cNvPr id="38" name="TextBox 37">
+            <a:extLst>
+              <a:ext uri="{FF2B5EF4-FFF2-40B4-BE49-F238E27FC236}">
+                <a16:creationId xmlns:a16="http://schemas.microsoft.com/office/drawing/2014/main" id="{7E1730C0-EF8B-294A-8543-4DCDD8A97781}"/>
+              </a:ext>
+            </a:extLst>
+          </p:cNvPr>
+          <p:cNvSpPr txBox="1"/>
+          <p:nvPr/>
+        </p:nvSpPr>
+        <p:spPr>
+          <a:xfrm>
+            <a:off x="5669079" y="4311293"/>
+            <a:ext cx="333746" cy="369332"/>
+          </a:xfrm>
+          <a:prstGeom prst="rect">
+            <a:avLst/>
+          </a:prstGeom>
+          <a:noFill/>
+        </p:spPr>
+        <p:txBody>
+          <a:bodyPr wrap="none" rtlCol="0">
+            <a:spAutoFit/>
+          </a:bodyPr>
+          <a:lstStyle/>
+          <a:p>
+            <a:r>
+              <a:rPr lang="en-IT" dirty="0"/>
+              <a:t>N</a:t>
+            </a:r>
+          </a:p>
+        </p:txBody>
+      </p:sp>
+    </p:spTree>
+    <p:extLst>
+      <p:ext uri="{BB962C8B-B14F-4D97-AF65-F5344CB8AC3E}">
+        <p14:creationId xmlns:p14="http://schemas.microsoft.com/office/powerpoint/2010/main" val="1960405574"/>
+      </p:ext>
+    </p:extLst>
+  </p:cSld>
+  <p:clrMapOvr>
+    <a:masterClrMapping/>
+  </p:clrMapOvr>
+</p:sld>
+</file>
+
+<file path=ppt/slides/slide3.xml><?xml version="1.0" encoding="utf-8"?>
+<p:sld xmlns:a="http://schemas.openxmlformats.org/drawingml/2006/main" xmlns:r="http://schemas.openxmlformats.org/officeDocument/2006/relationships" xmlns:p="http://schemas.openxmlformats.org/presentationml/2006/main">
+  <p:cSld>
+    <p:spTree>
+      <p:nvGrpSpPr>
+        <p:cNvPr id="1" name=""/>
+        <p:cNvGrpSpPr/>
+        <p:nvPr/>
+      </p:nvGrpSpPr>
+      <p:grpSpPr>
+        <a:xfrm>
+          <a:off x="0" y="0"/>
+          <a:ext cx="0" cy="0"/>
+          <a:chOff x="0" y="0"/>
+          <a:chExt cx="0" cy="0"/>
+        </a:xfrm>
+      </p:grpSpPr>
+      <p:sp>
+        <p:nvSpPr>
           <p:cNvPr id="4" name="Oval 3">
             <a:extLst>
               <a:ext uri="{FF2B5EF4-FFF2-40B4-BE49-F238E27FC236}">
@@ -5779,6 +7305,928 @@
     <p:extLst>
       <p:ext uri="{BB962C8B-B14F-4D97-AF65-F5344CB8AC3E}">
         <p14:creationId xmlns:p14="http://schemas.microsoft.com/office/powerpoint/2010/main" val="3746401720"/>
+      </p:ext>
+    </p:extLst>
+  </p:cSld>
+  <p:clrMapOvr>
+    <a:masterClrMapping/>
+  </p:clrMapOvr>
+</p:sld>
+</file>
+
+<file path=ppt/slides/slide4.xml><?xml version="1.0" encoding="utf-8"?>
+<p:sld xmlns:a="http://schemas.openxmlformats.org/drawingml/2006/main" xmlns:r="http://schemas.openxmlformats.org/officeDocument/2006/relationships" xmlns:p="http://schemas.openxmlformats.org/presentationml/2006/main">
+  <p:cSld>
+    <p:spTree>
+      <p:nvGrpSpPr>
+        <p:cNvPr id="1" name=""/>
+        <p:cNvGrpSpPr/>
+        <p:nvPr/>
+      </p:nvGrpSpPr>
+      <p:grpSpPr>
+        <a:xfrm>
+          <a:off x="0" y="0"/>
+          <a:ext cx="0" cy="0"/>
+          <a:chOff x="0" y="0"/>
+          <a:chExt cx="0" cy="0"/>
+        </a:xfrm>
+      </p:grpSpPr>
+      <p:sp>
+        <p:nvSpPr>
+          <p:cNvPr id="4" name="Rounded Rectangle 3">
+            <a:extLst>
+              <a:ext uri="{FF2B5EF4-FFF2-40B4-BE49-F238E27FC236}">
+                <a16:creationId xmlns:a16="http://schemas.microsoft.com/office/drawing/2014/main" id="{1135E449-3CF9-E240-BBDD-321BEEB2AFB2}"/>
+              </a:ext>
+            </a:extLst>
+          </p:cNvPr>
+          <p:cNvSpPr/>
+          <p:nvPr/>
+        </p:nvSpPr>
+        <p:spPr>
+          <a:xfrm>
+            <a:off x="1972019" y="616945"/>
+            <a:ext cx="2104222" cy="1994053"/>
+          </a:xfrm>
+          <a:prstGeom prst="roundRect">
+            <a:avLst/>
+          </a:prstGeom>
+          <a:solidFill>
+            <a:schemeClr val="accent1">
+              <a:lumMod val="20000"/>
+              <a:lumOff val="80000"/>
+            </a:schemeClr>
+          </a:solidFill>
+        </p:spPr>
+        <p:style>
+          <a:lnRef idx="2">
+            <a:schemeClr val="accent1">
+              <a:shade val="50000"/>
+            </a:schemeClr>
+          </a:lnRef>
+          <a:fillRef idx="1">
+            <a:schemeClr val="accent1"/>
+          </a:fillRef>
+          <a:effectRef idx="0">
+            <a:schemeClr val="accent1"/>
+          </a:effectRef>
+          <a:fontRef idx="minor">
+            <a:schemeClr val="lt1"/>
+          </a:fontRef>
+        </p:style>
+        <p:txBody>
+          <a:bodyPr rtlCol="0" anchor="ctr"/>
+          <a:lstStyle/>
+          <a:p>
+            <a:pPr algn="ctr"/>
+            <a:r>
+              <a:rPr lang="en-IT" dirty="0">
+                <a:solidFill>
+                  <a:schemeClr val="tx1"/>
+                </a:solidFill>
+              </a:rPr>
+              <a:t>Algorithm / data</a:t>
+            </a:r>
+          </a:p>
+          <a:p>
+            <a:pPr algn="ctr"/>
+            <a:r>
+              <a:rPr lang="en-IT" sz="2800" b="1" dirty="0">
+                <a:solidFill>
+                  <a:schemeClr val="tx1"/>
+                </a:solidFill>
+              </a:rPr>
+              <a:t>(A)</a:t>
+            </a:r>
+            <a:endParaRPr lang="en-IT" b="1" dirty="0">
+              <a:solidFill>
+                <a:schemeClr val="tx1"/>
+              </a:solidFill>
+            </a:endParaRPr>
+          </a:p>
+        </p:txBody>
+      </p:sp>
+      <p:sp>
+        <p:nvSpPr>
+          <p:cNvPr id="6" name="Right Arrow 5">
+            <a:extLst>
+              <a:ext uri="{FF2B5EF4-FFF2-40B4-BE49-F238E27FC236}">
+                <a16:creationId xmlns:a16="http://schemas.microsoft.com/office/drawing/2014/main" id="{96D34ADD-5285-544F-9989-027FC9FC065A}"/>
+              </a:ext>
+            </a:extLst>
+          </p:cNvPr>
+          <p:cNvSpPr/>
+          <p:nvPr/>
+        </p:nvSpPr>
+        <p:spPr>
+          <a:xfrm rot="19478260">
+            <a:off x="852917" y="2044195"/>
+            <a:ext cx="749146" cy="385590"/>
+          </a:xfrm>
+          <a:prstGeom prst="rightArrow">
+            <a:avLst>
+              <a:gd name="adj1" fmla="val 50000"/>
+              <a:gd name="adj2" fmla="val 45000"/>
+            </a:avLst>
+          </a:prstGeom>
+        </p:spPr>
+        <p:style>
+          <a:lnRef idx="2">
+            <a:schemeClr val="accent1">
+              <a:shade val="50000"/>
+            </a:schemeClr>
+          </a:lnRef>
+          <a:fillRef idx="1">
+            <a:schemeClr val="accent1"/>
+          </a:fillRef>
+          <a:effectRef idx="0">
+            <a:schemeClr val="accent1"/>
+          </a:effectRef>
+          <a:fontRef idx="minor">
+            <a:schemeClr val="lt1"/>
+          </a:fontRef>
+        </p:style>
+        <p:txBody>
+          <a:bodyPr rtlCol="0" anchor="ctr"/>
+          <a:lstStyle/>
+          <a:p>
+            <a:pPr algn="ctr"/>
+            <a:endParaRPr lang="en-IT"/>
+          </a:p>
+        </p:txBody>
+      </p:sp>
+      <p:sp>
+        <p:nvSpPr>
+          <p:cNvPr id="7" name="TextBox 6">
+            <a:extLst>
+              <a:ext uri="{FF2B5EF4-FFF2-40B4-BE49-F238E27FC236}">
+                <a16:creationId xmlns:a16="http://schemas.microsoft.com/office/drawing/2014/main" id="{E814F033-EA8F-F948-A9C0-2D32DCF7DC37}"/>
+              </a:ext>
+            </a:extLst>
+          </p:cNvPr>
+          <p:cNvSpPr txBox="1"/>
+          <p:nvPr/>
+        </p:nvSpPr>
+        <p:spPr>
+          <a:xfrm rot="16200000">
+            <a:off x="-279768" y="2505735"/>
+            <a:ext cx="1477199" cy="369332"/>
+          </a:xfrm>
+          <a:prstGeom prst="rect">
+            <a:avLst/>
+          </a:prstGeom>
+          <a:noFill/>
+        </p:spPr>
+        <p:txBody>
+          <a:bodyPr wrap="none" rtlCol="0">
+            <a:spAutoFit/>
+          </a:bodyPr>
+          <a:lstStyle/>
+          <a:p>
+            <a:r>
+              <a:rPr lang="en-GB" dirty="0"/>
+              <a:t>I</a:t>
+            </a:r>
+            <a:r>
+              <a:rPr lang="en-IT" dirty="0"/>
+              <a:t>nputs (if any)</a:t>
+            </a:r>
+          </a:p>
+        </p:txBody>
+      </p:sp>
+      <p:sp>
+        <p:nvSpPr>
+          <p:cNvPr id="8" name="Rounded Rectangle 7">
+            <a:extLst>
+              <a:ext uri="{FF2B5EF4-FFF2-40B4-BE49-F238E27FC236}">
+                <a16:creationId xmlns:a16="http://schemas.microsoft.com/office/drawing/2014/main" id="{964AE66F-BE09-2143-BC4A-D33DDB27D188}"/>
+              </a:ext>
+            </a:extLst>
+          </p:cNvPr>
+          <p:cNvSpPr/>
+          <p:nvPr/>
+        </p:nvSpPr>
+        <p:spPr>
+          <a:xfrm>
+            <a:off x="1972019" y="3038820"/>
+            <a:ext cx="2104222" cy="1994053"/>
+          </a:xfrm>
+          <a:prstGeom prst="roundRect">
+            <a:avLst/>
+          </a:prstGeom>
+          <a:solidFill>
+            <a:schemeClr val="accent3">
+              <a:lumMod val="20000"/>
+              <a:lumOff val="80000"/>
+            </a:schemeClr>
+          </a:solidFill>
+        </p:spPr>
+        <p:style>
+          <a:lnRef idx="2">
+            <a:schemeClr val="accent1">
+              <a:shade val="50000"/>
+            </a:schemeClr>
+          </a:lnRef>
+          <a:fillRef idx="1">
+            <a:schemeClr val="accent1"/>
+          </a:fillRef>
+          <a:effectRef idx="0">
+            <a:schemeClr val="accent1"/>
+          </a:effectRef>
+          <a:fontRef idx="minor">
+            <a:schemeClr val="lt1"/>
+          </a:fontRef>
+        </p:style>
+        <p:txBody>
+          <a:bodyPr rtlCol="0" anchor="ctr"/>
+          <a:lstStyle/>
+          <a:p>
+            <a:pPr algn="ctr"/>
+            <a:r>
+              <a:rPr lang="en-IT" dirty="0">
+                <a:solidFill>
+                  <a:schemeClr val="tx1"/>
+                </a:solidFill>
+              </a:rPr>
+              <a:t>Generative network</a:t>
+            </a:r>
+          </a:p>
+          <a:p>
+            <a:pPr algn="ctr"/>
+            <a:r>
+              <a:rPr lang="en-IT" sz="2800" b="1" dirty="0">
+                <a:solidFill>
+                  <a:schemeClr val="tx1"/>
+                </a:solidFill>
+              </a:rPr>
+              <a:t>(B)</a:t>
+            </a:r>
+            <a:endParaRPr lang="en-IT" b="1" dirty="0">
+              <a:solidFill>
+                <a:schemeClr val="tx1"/>
+              </a:solidFill>
+            </a:endParaRPr>
+          </a:p>
+        </p:txBody>
+      </p:sp>
+      <p:sp>
+        <p:nvSpPr>
+          <p:cNvPr id="9" name="Right Arrow 8">
+            <a:extLst>
+              <a:ext uri="{FF2B5EF4-FFF2-40B4-BE49-F238E27FC236}">
+                <a16:creationId xmlns:a16="http://schemas.microsoft.com/office/drawing/2014/main" id="{2C6D9302-682A-2D49-978B-1FCA028824D5}"/>
+              </a:ext>
+            </a:extLst>
+          </p:cNvPr>
+          <p:cNvSpPr/>
+          <p:nvPr/>
+        </p:nvSpPr>
+        <p:spPr>
+          <a:xfrm rot="1874259">
+            <a:off x="852916" y="3054768"/>
+            <a:ext cx="749146" cy="385590"/>
+          </a:xfrm>
+          <a:prstGeom prst="rightArrow">
+            <a:avLst>
+              <a:gd name="adj1" fmla="val 50000"/>
+              <a:gd name="adj2" fmla="val 45000"/>
+            </a:avLst>
+          </a:prstGeom>
+        </p:spPr>
+        <p:style>
+          <a:lnRef idx="2">
+            <a:schemeClr val="accent1">
+              <a:shade val="50000"/>
+            </a:schemeClr>
+          </a:lnRef>
+          <a:fillRef idx="1">
+            <a:schemeClr val="accent1"/>
+          </a:fillRef>
+          <a:effectRef idx="0">
+            <a:schemeClr val="accent1"/>
+          </a:effectRef>
+          <a:fontRef idx="minor">
+            <a:schemeClr val="lt1"/>
+          </a:fontRef>
+        </p:style>
+        <p:txBody>
+          <a:bodyPr rtlCol="0" anchor="ctr"/>
+          <a:lstStyle/>
+          <a:p>
+            <a:pPr algn="ctr"/>
+            <a:endParaRPr lang="en-IT"/>
+          </a:p>
+        </p:txBody>
+      </p:sp>
+      <p:sp>
+        <p:nvSpPr>
+          <p:cNvPr id="10" name="Rounded Rectangle 9">
+            <a:extLst>
+              <a:ext uri="{FF2B5EF4-FFF2-40B4-BE49-F238E27FC236}">
+                <a16:creationId xmlns:a16="http://schemas.microsoft.com/office/drawing/2014/main" id="{24D09942-AA18-0742-B7C1-F6143A7E7B3C}"/>
+              </a:ext>
+            </a:extLst>
+          </p:cNvPr>
+          <p:cNvSpPr/>
+          <p:nvPr/>
+        </p:nvSpPr>
+        <p:spPr>
+          <a:xfrm>
+            <a:off x="4957589" y="1244905"/>
+            <a:ext cx="958467" cy="738131"/>
+          </a:xfrm>
+          <a:prstGeom prst="roundRect">
+            <a:avLst/>
+          </a:prstGeom>
+        </p:spPr>
+        <p:style>
+          <a:lnRef idx="2">
+            <a:schemeClr val="accent1">
+              <a:shade val="50000"/>
+            </a:schemeClr>
+          </a:lnRef>
+          <a:fillRef idx="1">
+            <a:schemeClr val="accent1"/>
+          </a:fillRef>
+          <a:effectRef idx="0">
+            <a:schemeClr val="accent1"/>
+          </a:effectRef>
+          <a:fontRef idx="minor">
+            <a:schemeClr val="lt1"/>
+          </a:fontRef>
+        </p:style>
+        <p:txBody>
+          <a:bodyPr rtlCol="0" anchor="ctr"/>
+          <a:lstStyle/>
+          <a:p>
+            <a:pPr algn="ctr"/>
+            <a:r>
+              <a:rPr lang="en-IT" dirty="0"/>
+              <a:t>output</a:t>
+            </a:r>
+          </a:p>
+        </p:txBody>
+      </p:sp>
+      <p:sp>
+        <p:nvSpPr>
+          <p:cNvPr id="11" name="Rounded Rectangle 10">
+            <a:extLst>
+              <a:ext uri="{FF2B5EF4-FFF2-40B4-BE49-F238E27FC236}">
+                <a16:creationId xmlns:a16="http://schemas.microsoft.com/office/drawing/2014/main" id="{DAB2C881-61D0-B947-B5A4-2118EF0B627F}"/>
+              </a:ext>
+            </a:extLst>
+          </p:cNvPr>
+          <p:cNvSpPr/>
+          <p:nvPr/>
+        </p:nvSpPr>
+        <p:spPr>
+          <a:xfrm>
+            <a:off x="4957588" y="3666780"/>
+            <a:ext cx="958467" cy="738131"/>
+          </a:xfrm>
+          <a:prstGeom prst="roundRect">
+            <a:avLst/>
+          </a:prstGeom>
+        </p:spPr>
+        <p:style>
+          <a:lnRef idx="2">
+            <a:schemeClr val="accent1">
+              <a:shade val="50000"/>
+            </a:schemeClr>
+          </a:lnRef>
+          <a:fillRef idx="1">
+            <a:schemeClr val="accent1"/>
+          </a:fillRef>
+          <a:effectRef idx="0">
+            <a:schemeClr val="accent1"/>
+          </a:effectRef>
+          <a:fontRef idx="minor">
+            <a:schemeClr val="lt1"/>
+          </a:fontRef>
+        </p:style>
+        <p:txBody>
+          <a:bodyPr rtlCol="0" anchor="ctr"/>
+          <a:lstStyle/>
+          <a:p>
+            <a:pPr algn="ctr"/>
+            <a:r>
+              <a:rPr lang="en-IT" dirty="0"/>
+              <a:t>output</a:t>
+            </a:r>
+          </a:p>
+        </p:txBody>
+      </p:sp>
+      <p:sp>
+        <p:nvSpPr>
+          <p:cNvPr id="12" name="Rounded Rectangle 11">
+            <a:extLst>
+              <a:ext uri="{FF2B5EF4-FFF2-40B4-BE49-F238E27FC236}">
+                <a16:creationId xmlns:a16="http://schemas.microsoft.com/office/drawing/2014/main" id="{47469D53-D7B1-3244-9D20-065CC7F1173F}"/>
+              </a:ext>
+            </a:extLst>
+          </p:cNvPr>
+          <p:cNvSpPr/>
+          <p:nvPr/>
+        </p:nvSpPr>
+        <p:spPr>
+          <a:xfrm>
+            <a:off x="7063650" y="1831061"/>
+            <a:ext cx="2104222" cy="1994053"/>
+          </a:xfrm>
+          <a:prstGeom prst="roundRect">
+            <a:avLst/>
+          </a:prstGeom>
+          <a:solidFill>
+            <a:schemeClr val="accent1">
+              <a:lumMod val="20000"/>
+              <a:lumOff val="80000"/>
+            </a:schemeClr>
+          </a:solidFill>
+        </p:spPr>
+        <p:style>
+          <a:lnRef idx="2">
+            <a:schemeClr val="accent1">
+              <a:shade val="50000"/>
+            </a:schemeClr>
+          </a:lnRef>
+          <a:fillRef idx="1">
+            <a:schemeClr val="accent1"/>
+          </a:fillRef>
+          <a:effectRef idx="0">
+            <a:schemeClr val="accent1"/>
+          </a:effectRef>
+          <a:fontRef idx="minor">
+            <a:schemeClr val="lt1"/>
+          </a:fontRef>
+        </p:style>
+        <p:txBody>
+          <a:bodyPr rtlCol="0" anchor="ctr"/>
+          <a:lstStyle/>
+          <a:p>
+            <a:pPr algn="ctr"/>
+            <a:r>
+              <a:rPr lang="en-IT" dirty="0">
+                <a:solidFill>
+                  <a:schemeClr val="tx1"/>
+                </a:solidFill>
+              </a:rPr>
+              <a:t>Algorithm / data</a:t>
+            </a:r>
+          </a:p>
+          <a:p>
+            <a:pPr algn="ctr"/>
+            <a:r>
+              <a:rPr lang="en-IT" sz="2800" b="1" dirty="0">
+                <a:solidFill>
+                  <a:schemeClr val="tx1"/>
+                </a:solidFill>
+              </a:rPr>
+              <a:t>(C)</a:t>
+            </a:r>
+            <a:endParaRPr lang="en-IT" b="1" dirty="0">
+              <a:solidFill>
+                <a:schemeClr val="tx1"/>
+              </a:solidFill>
+            </a:endParaRPr>
+          </a:p>
+        </p:txBody>
+      </p:sp>
+      <p:sp>
+        <p:nvSpPr>
+          <p:cNvPr id="13" name="Right Arrow 12">
+            <a:extLst>
+              <a:ext uri="{FF2B5EF4-FFF2-40B4-BE49-F238E27FC236}">
+                <a16:creationId xmlns:a16="http://schemas.microsoft.com/office/drawing/2014/main" id="{F804F328-3C58-5B40-81F7-F0CB1D89CA20}"/>
+              </a:ext>
+            </a:extLst>
+          </p:cNvPr>
+          <p:cNvSpPr/>
+          <p:nvPr/>
+        </p:nvSpPr>
+        <p:spPr>
+          <a:xfrm>
+            <a:off x="4302086" y="1431626"/>
+            <a:ext cx="429658" cy="364687"/>
+          </a:xfrm>
+          <a:prstGeom prst="rightArrow">
+            <a:avLst/>
+          </a:prstGeom>
+        </p:spPr>
+        <p:style>
+          <a:lnRef idx="2">
+            <a:schemeClr val="accent1">
+              <a:shade val="50000"/>
+            </a:schemeClr>
+          </a:lnRef>
+          <a:fillRef idx="1">
+            <a:schemeClr val="accent1"/>
+          </a:fillRef>
+          <a:effectRef idx="0">
+            <a:schemeClr val="accent1"/>
+          </a:effectRef>
+          <a:fontRef idx="minor">
+            <a:schemeClr val="lt1"/>
+          </a:fontRef>
+        </p:style>
+        <p:txBody>
+          <a:bodyPr rtlCol="0" anchor="ctr"/>
+          <a:lstStyle/>
+          <a:p>
+            <a:pPr algn="ctr"/>
+            <a:endParaRPr lang="en-IT"/>
+          </a:p>
+        </p:txBody>
+      </p:sp>
+      <p:sp>
+        <p:nvSpPr>
+          <p:cNvPr id="14" name="Right Arrow 13">
+            <a:extLst>
+              <a:ext uri="{FF2B5EF4-FFF2-40B4-BE49-F238E27FC236}">
+                <a16:creationId xmlns:a16="http://schemas.microsoft.com/office/drawing/2014/main" id="{FD34DE0D-0D02-2141-A9C7-72314D63D604}"/>
+              </a:ext>
+            </a:extLst>
+          </p:cNvPr>
+          <p:cNvSpPr/>
+          <p:nvPr/>
+        </p:nvSpPr>
+        <p:spPr>
+          <a:xfrm>
+            <a:off x="4302086" y="3853501"/>
+            <a:ext cx="429658" cy="364687"/>
+          </a:xfrm>
+          <a:prstGeom prst="rightArrow">
+            <a:avLst/>
+          </a:prstGeom>
+        </p:spPr>
+        <p:style>
+          <a:lnRef idx="2">
+            <a:schemeClr val="accent1">
+              <a:shade val="50000"/>
+            </a:schemeClr>
+          </a:lnRef>
+          <a:fillRef idx="1">
+            <a:schemeClr val="accent1"/>
+          </a:fillRef>
+          <a:effectRef idx="0">
+            <a:schemeClr val="accent1"/>
+          </a:effectRef>
+          <a:fontRef idx="minor">
+            <a:schemeClr val="lt1"/>
+          </a:fontRef>
+        </p:style>
+        <p:txBody>
+          <a:bodyPr rtlCol="0" anchor="ctr"/>
+          <a:lstStyle/>
+          <a:p>
+            <a:pPr algn="ctr"/>
+            <a:endParaRPr lang="en-IT"/>
+          </a:p>
+        </p:txBody>
+      </p:sp>
+      <p:sp>
+        <p:nvSpPr>
+          <p:cNvPr id="15" name="Rounded Rectangle 14">
+            <a:extLst>
+              <a:ext uri="{FF2B5EF4-FFF2-40B4-BE49-F238E27FC236}">
+                <a16:creationId xmlns:a16="http://schemas.microsoft.com/office/drawing/2014/main" id="{90BAAA11-1B19-3349-AD84-702990A95833}"/>
+              </a:ext>
+            </a:extLst>
+          </p:cNvPr>
+          <p:cNvSpPr/>
+          <p:nvPr/>
+        </p:nvSpPr>
+        <p:spPr>
+          <a:xfrm>
+            <a:off x="10167723" y="1613969"/>
+            <a:ext cx="1443210" cy="908894"/>
+          </a:xfrm>
+          <a:prstGeom prst="roundRect">
+            <a:avLst/>
+          </a:prstGeom>
+          <a:solidFill>
+            <a:schemeClr val="accent4">
+              <a:lumMod val="20000"/>
+              <a:lumOff val="80000"/>
+            </a:schemeClr>
+          </a:solidFill>
+        </p:spPr>
+        <p:style>
+          <a:lnRef idx="2">
+            <a:schemeClr val="accent1">
+              <a:shade val="50000"/>
+            </a:schemeClr>
+          </a:lnRef>
+          <a:fillRef idx="1">
+            <a:schemeClr val="accent1"/>
+          </a:fillRef>
+          <a:effectRef idx="0">
+            <a:schemeClr val="accent1"/>
+          </a:effectRef>
+          <a:fontRef idx="minor">
+            <a:schemeClr val="lt1"/>
+          </a:fontRef>
+        </p:style>
+        <p:txBody>
+          <a:bodyPr rtlCol="0" anchor="ctr"/>
+          <a:lstStyle/>
+          <a:p>
+            <a:pPr algn="ctr"/>
+            <a:r>
+              <a:rPr lang="en-IT" dirty="0">
+                <a:solidFill>
+                  <a:schemeClr val="tx1"/>
+                </a:solidFill>
+              </a:rPr>
+              <a:t>“A” is the algorithm</a:t>
+            </a:r>
+          </a:p>
+        </p:txBody>
+      </p:sp>
+      <p:sp>
+        <p:nvSpPr>
+          <p:cNvPr id="16" name="Rounded Rectangle 15">
+            <a:extLst>
+              <a:ext uri="{FF2B5EF4-FFF2-40B4-BE49-F238E27FC236}">
+                <a16:creationId xmlns:a16="http://schemas.microsoft.com/office/drawing/2014/main" id="{81DBE063-6393-0048-9A98-3D2D5E9E86CD}"/>
+              </a:ext>
+            </a:extLst>
+          </p:cNvPr>
+          <p:cNvSpPr/>
+          <p:nvPr/>
+        </p:nvSpPr>
+        <p:spPr>
+          <a:xfrm>
+            <a:off x="10167723" y="3073686"/>
+            <a:ext cx="1443210" cy="908894"/>
+          </a:xfrm>
+          <a:prstGeom prst="roundRect">
+            <a:avLst/>
+          </a:prstGeom>
+          <a:solidFill>
+            <a:schemeClr val="accent4">
+              <a:lumMod val="20000"/>
+              <a:lumOff val="80000"/>
+            </a:schemeClr>
+          </a:solidFill>
+        </p:spPr>
+        <p:style>
+          <a:lnRef idx="2">
+            <a:schemeClr val="accent1">
+              <a:shade val="50000"/>
+            </a:schemeClr>
+          </a:lnRef>
+          <a:fillRef idx="1">
+            <a:schemeClr val="accent1"/>
+          </a:fillRef>
+          <a:effectRef idx="0">
+            <a:schemeClr val="accent1"/>
+          </a:effectRef>
+          <a:fontRef idx="minor">
+            <a:schemeClr val="lt1"/>
+          </a:fontRef>
+        </p:style>
+        <p:txBody>
+          <a:bodyPr rtlCol="0" anchor="ctr"/>
+          <a:lstStyle/>
+          <a:p>
+            <a:pPr algn="ctr"/>
+            <a:r>
+              <a:rPr lang="en-IT" dirty="0">
+                <a:solidFill>
+                  <a:schemeClr val="tx1"/>
+                </a:solidFill>
+              </a:rPr>
+              <a:t>“B” is the algorithm</a:t>
+            </a:r>
+          </a:p>
+        </p:txBody>
+      </p:sp>
+      <p:sp>
+        <p:nvSpPr>
+          <p:cNvPr id="17" name="Right Arrow 16">
+            <a:extLst>
+              <a:ext uri="{FF2B5EF4-FFF2-40B4-BE49-F238E27FC236}">
+                <a16:creationId xmlns:a16="http://schemas.microsoft.com/office/drawing/2014/main" id="{C89F09AF-DB40-EF40-A33B-1F179695D84E}"/>
+              </a:ext>
+            </a:extLst>
+          </p:cNvPr>
+          <p:cNvSpPr/>
+          <p:nvPr/>
+        </p:nvSpPr>
+        <p:spPr>
+          <a:xfrm rot="19478260">
+            <a:off x="6141579" y="3258311"/>
+            <a:ext cx="749146" cy="385590"/>
+          </a:xfrm>
+          <a:prstGeom prst="rightArrow">
+            <a:avLst>
+              <a:gd name="adj1" fmla="val 50000"/>
+              <a:gd name="adj2" fmla="val 45000"/>
+            </a:avLst>
+          </a:prstGeom>
+        </p:spPr>
+        <p:style>
+          <a:lnRef idx="2">
+            <a:schemeClr val="accent1">
+              <a:shade val="50000"/>
+            </a:schemeClr>
+          </a:lnRef>
+          <a:fillRef idx="1">
+            <a:schemeClr val="accent1"/>
+          </a:fillRef>
+          <a:effectRef idx="0">
+            <a:schemeClr val="accent1"/>
+          </a:effectRef>
+          <a:fontRef idx="minor">
+            <a:schemeClr val="lt1"/>
+          </a:fontRef>
+        </p:style>
+        <p:txBody>
+          <a:bodyPr rtlCol="0" anchor="ctr"/>
+          <a:lstStyle/>
+          <a:p>
+            <a:pPr algn="ctr"/>
+            <a:endParaRPr lang="en-IT"/>
+          </a:p>
+        </p:txBody>
+      </p:sp>
+      <p:sp>
+        <p:nvSpPr>
+          <p:cNvPr id="19" name="Right Arrow 18">
+            <a:extLst>
+              <a:ext uri="{FF2B5EF4-FFF2-40B4-BE49-F238E27FC236}">
+                <a16:creationId xmlns:a16="http://schemas.microsoft.com/office/drawing/2014/main" id="{8622D98C-86CC-D243-B4F7-238E3206BB74}"/>
+              </a:ext>
+            </a:extLst>
+          </p:cNvPr>
+          <p:cNvSpPr/>
+          <p:nvPr/>
+        </p:nvSpPr>
+        <p:spPr>
+          <a:xfrm rot="2160630">
+            <a:off x="6101180" y="1953890"/>
+            <a:ext cx="749146" cy="385590"/>
+          </a:xfrm>
+          <a:prstGeom prst="rightArrow">
+            <a:avLst>
+              <a:gd name="adj1" fmla="val 50000"/>
+              <a:gd name="adj2" fmla="val 45000"/>
+            </a:avLst>
+          </a:prstGeom>
+        </p:spPr>
+        <p:style>
+          <a:lnRef idx="2">
+            <a:schemeClr val="accent1">
+              <a:shade val="50000"/>
+            </a:schemeClr>
+          </a:lnRef>
+          <a:fillRef idx="1">
+            <a:schemeClr val="accent1"/>
+          </a:fillRef>
+          <a:effectRef idx="0">
+            <a:schemeClr val="accent1"/>
+          </a:effectRef>
+          <a:fontRef idx="minor">
+            <a:schemeClr val="lt1"/>
+          </a:fontRef>
+        </p:style>
+        <p:txBody>
+          <a:bodyPr rtlCol="0" anchor="ctr"/>
+          <a:lstStyle/>
+          <a:p>
+            <a:pPr algn="ctr"/>
+            <a:endParaRPr lang="en-IT"/>
+          </a:p>
+        </p:txBody>
+      </p:sp>
+      <p:sp>
+        <p:nvSpPr>
+          <p:cNvPr id="20" name="TextBox 19">
+            <a:extLst>
+              <a:ext uri="{FF2B5EF4-FFF2-40B4-BE49-F238E27FC236}">
+                <a16:creationId xmlns:a16="http://schemas.microsoft.com/office/drawing/2014/main" id="{FE04F60E-E874-AE47-B807-C0F54A9D5A98}"/>
+              </a:ext>
+            </a:extLst>
+          </p:cNvPr>
+          <p:cNvSpPr txBox="1"/>
+          <p:nvPr/>
+        </p:nvSpPr>
+        <p:spPr>
+          <a:xfrm>
+            <a:off x="6885542" y="1255923"/>
+            <a:ext cx="184731" cy="369332"/>
+          </a:xfrm>
+          <a:prstGeom prst="rect">
+            <a:avLst/>
+          </a:prstGeom>
+          <a:noFill/>
+        </p:spPr>
+        <p:txBody>
+          <a:bodyPr wrap="none" rtlCol="0">
+            <a:spAutoFit/>
+          </a:bodyPr>
+          <a:lstStyle/>
+          <a:p>
+            <a:endParaRPr lang="en-IT" dirty="0"/>
+          </a:p>
+        </p:txBody>
+      </p:sp>
+      <p:sp>
+        <p:nvSpPr>
+          <p:cNvPr id="22" name="Striped Right Arrow 21">
+            <a:extLst>
+              <a:ext uri="{FF2B5EF4-FFF2-40B4-BE49-F238E27FC236}">
+                <a16:creationId xmlns:a16="http://schemas.microsoft.com/office/drawing/2014/main" id="{69C3CCF6-276A-3A4B-BB9E-A095D5DB45C5}"/>
+              </a:ext>
+            </a:extLst>
+          </p:cNvPr>
+          <p:cNvSpPr/>
+          <p:nvPr/>
+        </p:nvSpPr>
+        <p:spPr>
+          <a:xfrm rot="20453572">
+            <a:off x="9340913" y="2002952"/>
+            <a:ext cx="653666" cy="352539"/>
+          </a:xfrm>
+          <a:prstGeom prst="stripedRightArrow">
+            <a:avLst/>
+          </a:prstGeom>
+        </p:spPr>
+        <p:style>
+          <a:lnRef idx="2">
+            <a:schemeClr val="accent1">
+              <a:shade val="50000"/>
+            </a:schemeClr>
+          </a:lnRef>
+          <a:fillRef idx="1">
+            <a:schemeClr val="accent1"/>
+          </a:fillRef>
+          <a:effectRef idx="0">
+            <a:schemeClr val="accent1"/>
+          </a:effectRef>
+          <a:fontRef idx="minor">
+            <a:schemeClr val="lt1"/>
+          </a:fontRef>
+        </p:style>
+        <p:txBody>
+          <a:bodyPr rtlCol="0" anchor="ctr"/>
+          <a:lstStyle/>
+          <a:p>
+            <a:pPr algn="ctr"/>
+            <a:endParaRPr lang="en-IT"/>
+          </a:p>
+        </p:txBody>
+      </p:sp>
+      <p:sp>
+        <p:nvSpPr>
+          <p:cNvPr id="23" name="Striped Right Arrow 22">
+            <a:extLst>
+              <a:ext uri="{FF2B5EF4-FFF2-40B4-BE49-F238E27FC236}">
+                <a16:creationId xmlns:a16="http://schemas.microsoft.com/office/drawing/2014/main" id="{C9B550A1-4191-7841-94D8-3206F7E54D07}"/>
+              </a:ext>
+            </a:extLst>
+          </p:cNvPr>
+          <p:cNvSpPr/>
+          <p:nvPr/>
+        </p:nvSpPr>
+        <p:spPr>
+          <a:xfrm rot="1196581">
+            <a:off x="9340912" y="3174594"/>
+            <a:ext cx="653666" cy="352539"/>
+          </a:xfrm>
+          <a:prstGeom prst="stripedRightArrow">
+            <a:avLst/>
+          </a:prstGeom>
+        </p:spPr>
+        <p:style>
+          <a:lnRef idx="2">
+            <a:schemeClr val="accent1">
+              <a:shade val="50000"/>
+            </a:schemeClr>
+          </a:lnRef>
+          <a:fillRef idx="1">
+            <a:schemeClr val="accent1"/>
+          </a:fillRef>
+          <a:effectRef idx="0">
+            <a:schemeClr val="accent1"/>
+          </a:effectRef>
+          <a:fontRef idx="minor">
+            <a:schemeClr val="lt1"/>
+          </a:fontRef>
+        </p:style>
+        <p:txBody>
+          <a:bodyPr rtlCol="0" anchor="ctr"/>
+          <a:lstStyle/>
+          <a:p>
+            <a:pPr algn="ctr"/>
+            <a:endParaRPr lang="en-IT"/>
+          </a:p>
+        </p:txBody>
+      </p:sp>
+    </p:spTree>
+    <p:extLst>
+      <p:ext uri="{BB962C8B-B14F-4D97-AF65-F5344CB8AC3E}">
+        <p14:creationId xmlns:p14="http://schemas.microsoft.com/office/powerpoint/2010/main" val="4044933935"/>
       </p:ext>
     </p:extLst>
   </p:cSld>

--- a/images/artificialneuron.pptx
+++ b/images/artificialneuron.pptx
@@ -8223,6 +8223,104 @@
           </a:p>
         </p:txBody>
       </p:sp>
+      <p:sp>
+        <p:nvSpPr>
+          <p:cNvPr id="24" name="Rounded Rectangle 23">
+            <a:extLst>
+              <a:ext uri="{FF2B5EF4-FFF2-40B4-BE49-F238E27FC236}">
+                <a16:creationId xmlns:a16="http://schemas.microsoft.com/office/drawing/2014/main" id="{4D3AD4A0-EE07-3141-9647-B2999CCC808D}"/>
+              </a:ext>
+            </a:extLst>
+          </p:cNvPr>
+          <p:cNvSpPr/>
+          <p:nvPr/>
+        </p:nvSpPr>
+        <p:spPr>
+          <a:xfrm>
+            <a:off x="1227489" y="5460695"/>
+            <a:ext cx="1344058" cy="594910"/>
+          </a:xfrm>
+          <a:prstGeom prst="roundRect">
+            <a:avLst/>
+          </a:prstGeom>
+        </p:spPr>
+        <p:style>
+          <a:lnRef idx="2">
+            <a:schemeClr val="accent1">
+              <a:shade val="50000"/>
+            </a:schemeClr>
+          </a:lnRef>
+          <a:fillRef idx="1">
+            <a:schemeClr val="accent1"/>
+          </a:fillRef>
+          <a:effectRef idx="0">
+            <a:schemeClr val="accent1"/>
+          </a:effectRef>
+          <a:fontRef idx="minor">
+            <a:schemeClr val="lt1"/>
+          </a:fontRef>
+        </p:style>
+        <p:txBody>
+          <a:bodyPr rtlCol="0" anchor="ctr"/>
+          <a:lstStyle/>
+          <a:p>
+            <a:pPr algn="ctr"/>
+            <a:r>
+              <a:rPr lang="en-IT" dirty="0"/>
+              <a:t>Noise source</a:t>
+            </a:r>
+          </a:p>
+        </p:txBody>
+      </p:sp>
+      <p:sp>
+        <p:nvSpPr>
+          <p:cNvPr id="25" name="Right Arrow 24">
+            <a:extLst>
+              <a:ext uri="{FF2B5EF4-FFF2-40B4-BE49-F238E27FC236}">
+                <a16:creationId xmlns:a16="http://schemas.microsoft.com/office/drawing/2014/main" id="{B7B40929-FA33-644E-AD7B-48E648B73227}"/>
+              </a:ext>
+            </a:extLst>
+          </p:cNvPr>
+          <p:cNvSpPr/>
+          <p:nvPr/>
+        </p:nvSpPr>
+        <p:spPr>
+          <a:xfrm rot="19478260">
+            <a:off x="2202922" y="5053990"/>
+            <a:ext cx="283167" cy="385590"/>
+          </a:xfrm>
+          <a:prstGeom prst="rightArrow">
+            <a:avLst>
+              <a:gd name="adj1" fmla="val 50000"/>
+              <a:gd name="adj2" fmla="val 45000"/>
+            </a:avLst>
+          </a:prstGeom>
+        </p:spPr>
+        <p:style>
+          <a:lnRef idx="2">
+            <a:schemeClr val="accent1">
+              <a:shade val="50000"/>
+            </a:schemeClr>
+          </a:lnRef>
+          <a:fillRef idx="1">
+            <a:schemeClr val="accent1"/>
+          </a:fillRef>
+          <a:effectRef idx="0">
+            <a:schemeClr val="accent1"/>
+          </a:effectRef>
+          <a:fontRef idx="minor">
+            <a:schemeClr val="lt1"/>
+          </a:fontRef>
+        </p:style>
+        <p:txBody>
+          <a:bodyPr rtlCol="0" anchor="ctr"/>
+          <a:lstStyle/>
+          <a:p>
+            <a:pPr algn="ctr"/>
+            <a:endParaRPr lang="en-IT"/>
+          </a:p>
+        </p:txBody>
+      </p:sp>
     </p:spTree>
     <p:extLst>
       <p:ext uri="{BB962C8B-B14F-4D97-AF65-F5344CB8AC3E}">

--- a/images/artificialneuron.pptx
+++ b/images/artificialneuron.pptx
@@ -7,8 +7,11 @@
   <p:sldIdLst>
     <p:sldId id="256" r:id="rId2"/>
     <p:sldId id="258" r:id="rId3"/>
-    <p:sldId id="257" r:id="rId4"/>
-    <p:sldId id="259" r:id="rId5"/>
+    <p:sldId id="260" r:id="rId4"/>
+    <p:sldId id="261" r:id="rId5"/>
+    <p:sldId id="262" r:id="rId6"/>
+    <p:sldId id="257" r:id="rId7"/>
+    <p:sldId id="259" r:id="rId8"/>
   </p:sldIdLst>
   <p:sldSz cx="12192000" cy="6858000"/>
   <p:notesSz cx="6858000" cy="9144000"/>
@@ -264,7 +267,7 @@
           <a:p>
             <a:fld id="{B1F4DEF0-A997-E946-A416-2529DE1CB5FF}" type="datetimeFigureOut">
               <a:rPr lang="en-IT" smtClean="0"/>
-              <a:t>22/12/2020</a:t>
+              <a:t>01/05/2021</a:t>
             </a:fld>
             <a:endParaRPr lang="en-IT"/>
           </a:p>
@@ -464,7 +467,7 @@
           <a:p>
             <a:fld id="{B1F4DEF0-A997-E946-A416-2529DE1CB5FF}" type="datetimeFigureOut">
               <a:rPr lang="en-IT" smtClean="0"/>
-              <a:t>22/12/2020</a:t>
+              <a:t>01/05/2021</a:t>
             </a:fld>
             <a:endParaRPr lang="en-IT"/>
           </a:p>
@@ -674,7 +677,7 @@
           <a:p>
             <a:fld id="{B1F4DEF0-A997-E946-A416-2529DE1CB5FF}" type="datetimeFigureOut">
               <a:rPr lang="en-IT" smtClean="0"/>
-              <a:t>22/12/2020</a:t>
+              <a:t>01/05/2021</a:t>
             </a:fld>
             <a:endParaRPr lang="en-IT"/>
           </a:p>
@@ -874,7 +877,7 @@
           <a:p>
             <a:fld id="{B1F4DEF0-A997-E946-A416-2529DE1CB5FF}" type="datetimeFigureOut">
               <a:rPr lang="en-IT" smtClean="0"/>
-              <a:t>22/12/2020</a:t>
+              <a:t>01/05/2021</a:t>
             </a:fld>
             <a:endParaRPr lang="en-IT"/>
           </a:p>
@@ -1150,7 +1153,7 @@
           <a:p>
             <a:fld id="{B1F4DEF0-A997-E946-A416-2529DE1CB5FF}" type="datetimeFigureOut">
               <a:rPr lang="en-IT" smtClean="0"/>
-              <a:t>22/12/2020</a:t>
+              <a:t>01/05/2021</a:t>
             </a:fld>
             <a:endParaRPr lang="en-IT"/>
           </a:p>
@@ -1418,7 +1421,7 @@
           <a:p>
             <a:fld id="{B1F4DEF0-A997-E946-A416-2529DE1CB5FF}" type="datetimeFigureOut">
               <a:rPr lang="en-IT" smtClean="0"/>
-              <a:t>22/12/2020</a:t>
+              <a:t>01/05/2021</a:t>
             </a:fld>
             <a:endParaRPr lang="en-IT"/>
           </a:p>
@@ -1833,7 +1836,7 @@
           <a:p>
             <a:fld id="{B1F4DEF0-A997-E946-A416-2529DE1CB5FF}" type="datetimeFigureOut">
               <a:rPr lang="en-IT" smtClean="0"/>
-              <a:t>22/12/2020</a:t>
+              <a:t>01/05/2021</a:t>
             </a:fld>
             <a:endParaRPr lang="en-IT"/>
           </a:p>
@@ -1975,7 +1978,7 @@
           <a:p>
             <a:fld id="{B1F4DEF0-A997-E946-A416-2529DE1CB5FF}" type="datetimeFigureOut">
               <a:rPr lang="en-IT" smtClean="0"/>
-              <a:t>22/12/2020</a:t>
+              <a:t>01/05/2021</a:t>
             </a:fld>
             <a:endParaRPr lang="en-IT"/>
           </a:p>
@@ -2088,7 +2091,7 @@
           <a:p>
             <a:fld id="{B1F4DEF0-A997-E946-A416-2529DE1CB5FF}" type="datetimeFigureOut">
               <a:rPr lang="en-IT" smtClean="0"/>
-              <a:t>22/12/2020</a:t>
+              <a:t>01/05/2021</a:t>
             </a:fld>
             <a:endParaRPr lang="en-IT"/>
           </a:p>
@@ -2401,7 +2404,7 @@
           <a:p>
             <a:fld id="{B1F4DEF0-A997-E946-A416-2529DE1CB5FF}" type="datetimeFigureOut">
               <a:rPr lang="en-IT" smtClean="0"/>
-              <a:t>22/12/2020</a:t>
+              <a:t>01/05/2021</a:t>
             </a:fld>
             <a:endParaRPr lang="en-IT"/>
           </a:p>
@@ -2690,7 +2693,7 @@
           <a:p>
             <a:fld id="{B1F4DEF0-A997-E946-A416-2529DE1CB5FF}" type="datetimeFigureOut">
               <a:rPr lang="en-IT" smtClean="0"/>
-              <a:t>22/12/2020</a:t>
+              <a:t>01/05/2021</a:t>
             </a:fld>
             <a:endParaRPr lang="en-IT"/>
           </a:p>
@@ -2933,7 +2936,7 @@
           <a:p>
             <a:fld id="{B1F4DEF0-A997-E946-A416-2529DE1CB5FF}" type="datetimeFigureOut">
               <a:rPr lang="en-IT" smtClean="0"/>
-              <a:t>22/12/2020</a:t>
+              <a:t>01/05/2021</a:t>
             </a:fld>
             <a:endParaRPr lang="en-IT"/>
           </a:p>
@@ -5861,6 +5864,5637 @@
           <a:chExt cx="0" cy="0"/>
         </a:xfrm>
       </p:grpSpPr>
+      <p:grpSp>
+        <p:nvGrpSpPr>
+          <p:cNvPr id="8" name="Group 7">
+            <a:extLst>
+              <a:ext uri="{FF2B5EF4-FFF2-40B4-BE49-F238E27FC236}">
+                <a16:creationId xmlns:a16="http://schemas.microsoft.com/office/drawing/2014/main" id="{94324F68-22D4-A644-8B61-F8B39852B5C5}"/>
+              </a:ext>
+            </a:extLst>
+          </p:cNvPr>
+          <p:cNvGrpSpPr/>
+          <p:nvPr/>
+        </p:nvGrpSpPr>
+        <p:grpSpPr>
+          <a:xfrm>
+            <a:off x="712860" y="1365462"/>
+            <a:ext cx="10681626" cy="4440427"/>
+            <a:chOff x="712860" y="1365462"/>
+            <a:chExt cx="10681626" cy="4440427"/>
+          </a:xfrm>
+        </p:grpSpPr>
+        <p:sp>
+          <p:nvSpPr>
+            <p:cNvPr id="28" name="Rectangle 27">
+              <a:extLst>
+                <a:ext uri="{FF2B5EF4-FFF2-40B4-BE49-F238E27FC236}">
+                  <a16:creationId xmlns:a16="http://schemas.microsoft.com/office/drawing/2014/main" id="{6DDBE5E7-2776-3A45-8F1D-8CA5E081B373}"/>
+                </a:ext>
+              </a:extLst>
+            </p:cNvPr>
+            <p:cNvSpPr/>
+            <p:nvPr/>
+          </p:nvSpPr>
+          <p:spPr>
+            <a:xfrm>
+              <a:off x="10053646" y="1399141"/>
+              <a:ext cx="716096" cy="4406747"/>
+            </a:xfrm>
+            <a:prstGeom prst="rect">
+              <a:avLst/>
+            </a:prstGeom>
+            <a:solidFill>
+              <a:schemeClr val="accent1">
+                <a:lumMod val="20000"/>
+                <a:lumOff val="80000"/>
+              </a:schemeClr>
+            </a:solidFill>
+          </p:spPr>
+          <p:style>
+            <a:lnRef idx="2">
+              <a:schemeClr val="accent1">
+                <a:shade val="50000"/>
+              </a:schemeClr>
+            </a:lnRef>
+            <a:fillRef idx="1">
+              <a:schemeClr val="accent1"/>
+            </a:fillRef>
+            <a:effectRef idx="0">
+              <a:schemeClr val="accent1"/>
+            </a:effectRef>
+            <a:fontRef idx="minor">
+              <a:schemeClr val="lt1"/>
+            </a:fontRef>
+          </p:style>
+          <p:txBody>
+            <a:bodyPr rtlCol="0" anchor="ctr"/>
+            <a:lstStyle/>
+            <a:p>
+              <a:pPr algn="ctr"/>
+              <a:endParaRPr lang="en-IT" dirty="0"/>
+            </a:p>
+          </p:txBody>
+        </p:sp>
+        <p:sp>
+          <p:nvSpPr>
+            <p:cNvPr id="27" name="Rectangle 26">
+              <a:extLst>
+                <a:ext uri="{FF2B5EF4-FFF2-40B4-BE49-F238E27FC236}">
+                  <a16:creationId xmlns:a16="http://schemas.microsoft.com/office/drawing/2014/main" id="{968B7F4A-971A-394E-BE28-8182E76A63E9}"/>
+                </a:ext>
+              </a:extLst>
+            </p:cNvPr>
+            <p:cNvSpPr/>
+            <p:nvPr/>
+          </p:nvSpPr>
+          <p:spPr>
+            <a:xfrm>
+              <a:off x="1454228" y="1399142"/>
+              <a:ext cx="716096" cy="4406747"/>
+            </a:xfrm>
+            <a:prstGeom prst="rect">
+              <a:avLst/>
+            </a:prstGeom>
+            <a:solidFill>
+              <a:schemeClr val="accent1">
+                <a:lumMod val="20000"/>
+                <a:lumOff val="80000"/>
+              </a:schemeClr>
+            </a:solidFill>
+          </p:spPr>
+          <p:style>
+            <a:lnRef idx="2">
+              <a:schemeClr val="accent1">
+                <a:shade val="50000"/>
+              </a:schemeClr>
+            </a:lnRef>
+            <a:fillRef idx="1">
+              <a:schemeClr val="accent1"/>
+            </a:fillRef>
+            <a:effectRef idx="0">
+              <a:schemeClr val="accent1"/>
+            </a:effectRef>
+            <a:fontRef idx="minor">
+              <a:schemeClr val="lt1"/>
+            </a:fontRef>
+          </p:style>
+          <p:txBody>
+            <a:bodyPr rtlCol="0" anchor="ctr"/>
+            <a:lstStyle/>
+            <a:p>
+              <a:pPr algn="ctr"/>
+              <a:endParaRPr lang="en-IT" dirty="0"/>
+            </a:p>
+          </p:txBody>
+        </p:sp>
+        <p:sp>
+          <p:nvSpPr>
+            <p:cNvPr id="4" name="Oval 3">
+              <a:extLst>
+                <a:ext uri="{FF2B5EF4-FFF2-40B4-BE49-F238E27FC236}">
+                  <a16:creationId xmlns:a16="http://schemas.microsoft.com/office/drawing/2014/main" id="{58EC075E-658E-0E4F-AF99-83B9B0AD00E3}"/>
+                </a:ext>
+              </a:extLst>
+            </p:cNvPr>
+            <p:cNvSpPr/>
+            <p:nvPr/>
+          </p:nvSpPr>
+          <p:spPr>
+            <a:xfrm>
+              <a:off x="5954640" y="2648687"/>
+              <a:ext cx="338203" cy="335071"/>
+            </a:xfrm>
+            <a:prstGeom prst="ellipse">
+              <a:avLst/>
+            </a:prstGeom>
+          </p:spPr>
+          <p:style>
+            <a:lnRef idx="2">
+              <a:schemeClr val="accent1">
+                <a:shade val="50000"/>
+              </a:schemeClr>
+            </a:lnRef>
+            <a:fillRef idx="1">
+              <a:schemeClr val="accent1"/>
+            </a:fillRef>
+            <a:effectRef idx="0">
+              <a:schemeClr val="accent1"/>
+            </a:effectRef>
+            <a:fontRef idx="minor">
+              <a:schemeClr val="lt1"/>
+            </a:fontRef>
+          </p:style>
+          <p:txBody>
+            <a:bodyPr rtlCol="0" anchor="ctr"/>
+            <a:lstStyle/>
+            <a:p>
+              <a:pPr algn="ctr"/>
+              <a:endParaRPr lang="en-IT" sz="2800"/>
+            </a:p>
+          </p:txBody>
+        </p:sp>
+        <p:sp>
+          <p:nvSpPr>
+            <p:cNvPr id="5" name="Oval 4">
+              <a:extLst>
+                <a:ext uri="{FF2B5EF4-FFF2-40B4-BE49-F238E27FC236}">
+                  <a16:creationId xmlns:a16="http://schemas.microsoft.com/office/drawing/2014/main" id="{10E9EBD9-0910-C440-821A-EBFC4FE00548}"/>
+                </a:ext>
+              </a:extLst>
+            </p:cNvPr>
+            <p:cNvSpPr/>
+            <p:nvPr/>
+          </p:nvSpPr>
+          <p:spPr>
+            <a:xfrm>
+              <a:off x="5954640" y="3175202"/>
+              <a:ext cx="338203" cy="335071"/>
+            </a:xfrm>
+            <a:prstGeom prst="ellipse">
+              <a:avLst/>
+            </a:prstGeom>
+          </p:spPr>
+          <p:style>
+            <a:lnRef idx="2">
+              <a:schemeClr val="accent1">
+                <a:shade val="50000"/>
+              </a:schemeClr>
+            </a:lnRef>
+            <a:fillRef idx="1">
+              <a:schemeClr val="accent1"/>
+            </a:fillRef>
+            <a:effectRef idx="0">
+              <a:schemeClr val="accent1"/>
+            </a:effectRef>
+            <a:fontRef idx="minor">
+              <a:schemeClr val="lt1"/>
+            </a:fontRef>
+          </p:style>
+          <p:txBody>
+            <a:bodyPr rtlCol="0" anchor="ctr"/>
+            <a:lstStyle/>
+            <a:p>
+              <a:pPr algn="ctr"/>
+              <a:endParaRPr lang="en-IT" sz="2800"/>
+            </a:p>
+          </p:txBody>
+        </p:sp>
+        <p:sp>
+          <p:nvSpPr>
+            <p:cNvPr id="6" name="Oval 5">
+              <a:extLst>
+                <a:ext uri="{FF2B5EF4-FFF2-40B4-BE49-F238E27FC236}">
+                  <a16:creationId xmlns:a16="http://schemas.microsoft.com/office/drawing/2014/main" id="{BD1F0327-424A-714A-B413-0BCFAB100296}"/>
+                </a:ext>
+              </a:extLst>
+            </p:cNvPr>
+            <p:cNvSpPr/>
+            <p:nvPr/>
+          </p:nvSpPr>
+          <p:spPr>
+            <a:xfrm>
+              <a:off x="5959043" y="3701717"/>
+              <a:ext cx="338203" cy="335071"/>
+            </a:xfrm>
+            <a:prstGeom prst="ellipse">
+              <a:avLst/>
+            </a:prstGeom>
+          </p:spPr>
+          <p:style>
+            <a:lnRef idx="2">
+              <a:schemeClr val="accent1">
+                <a:shade val="50000"/>
+              </a:schemeClr>
+            </a:lnRef>
+            <a:fillRef idx="1">
+              <a:schemeClr val="accent1"/>
+            </a:fillRef>
+            <a:effectRef idx="0">
+              <a:schemeClr val="accent1"/>
+            </a:effectRef>
+            <a:fontRef idx="minor">
+              <a:schemeClr val="lt1"/>
+            </a:fontRef>
+          </p:style>
+          <p:txBody>
+            <a:bodyPr rtlCol="0" anchor="ctr"/>
+            <a:lstStyle/>
+            <a:p>
+              <a:pPr algn="ctr"/>
+              <a:endParaRPr lang="en-IT" sz="2800"/>
+            </a:p>
+          </p:txBody>
+        </p:sp>
+        <p:sp>
+          <p:nvSpPr>
+            <p:cNvPr id="7" name="Oval 6">
+              <a:extLst>
+                <a:ext uri="{FF2B5EF4-FFF2-40B4-BE49-F238E27FC236}">
+                  <a16:creationId xmlns:a16="http://schemas.microsoft.com/office/drawing/2014/main" id="{8B080BA6-5229-2647-8A66-BA3B08136414}"/>
+                </a:ext>
+              </a:extLst>
+            </p:cNvPr>
+            <p:cNvSpPr/>
+            <p:nvPr/>
+          </p:nvSpPr>
+          <p:spPr>
+            <a:xfrm>
+              <a:off x="5959044" y="4201123"/>
+              <a:ext cx="338203" cy="335071"/>
+            </a:xfrm>
+            <a:prstGeom prst="ellipse">
+              <a:avLst/>
+            </a:prstGeom>
+          </p:spPr>
+          <p:style>
+            <a:lnRef idx="2">
+              <a:schemeClr val="accent1">
+                <a:shade val="50000"/>
+              </a:schemeClr>
+            </a:lnRef>
+            <a:fillRef idx="1">
+              <a:schemeClr val="accent1"/>
+            </a:fillRef>
+            <a:effectRef idx="0">
+              <a:schemeClr val="accent1"/>
+            </a:effectRef>
+            <a:fontRef idx="minor">
+              <a:schemeClr val="lt1"/>
+            </a:fontRef>
+          </p:style>
+          <p:txBody>
+            <a:bodyPr rtlCol="0" anchor="ctr"/>
+            <a:lstStyle/>
+            <a:p>
+              <a:pPr algn="ctr"/>
+              <a:endParaRPr lang="en-IT" sz="2800"/>
+            </a:p>
+          </p:txBody>
+        </p:sp>
+        <p:sp>
+          <p:nvSpPr>
+            <p:cNvPr id="9" name="Oval 8">
+              <a:extLst>
+                <a:ext uri="{FF2B5EF4-FFF2-40B4-BE49-F238E27FC236}">
+                  <a16:creationId xmlns:a16="http://schemas.microsoft.com/office/drawing/2014/main" id="{EDFF87DE-9AEF-304E-A4D0-67F7E5EFCA42}"/>
+                </a:ext>
+              </a:extLst>
+            </p:cNvPr>
+            <p:cNvSpPr/>
+            <p:nvPr/>
+          </p:nvSpPr>
+          <p:spPr>
+            <a:xfrm>
+              <a:off x="1634192" y="1603899"/>
+              <a:ext cx="338203" cy="335071"/>
+            </a:xfrm>
+            <a:prstGeom prst="ellipse">
+              <a:avLst/>
+            </a:prstGeom>
+          </p:spPr>
+          <p:style>
+            <a:lnRef idx="2">
+              <a:schemeClr val="accent1">
+                <a:shade val="50000"/>
+              </a:schemeClr>
+            </a:lnRef>
+            <a:fillRef idx="1">
+              <a:schemeClr val="accent1"/>
+            </a:fillRef>
+            <a:effectRef idx="0">
+              <a:schemeClr val="accent1"/>
+            </a:effectRef>
+            <a:fontRef idx="minor">
+              <a:schemeClr val="lt1"/>
+            </a:fontRef>
+          </p:style>
+          <p:txBody>
+            <a:bodyPr rtlCol="0" anchor="ctr"/>
+            <a:lstStyle/>
+            <a:p>
+              <a:pPr algn="ctr"/>
+              <a:endParaRPr lang="en-IT" sz="2800"/>
+            </a:p>
+          </p:txBody>
+        </p:sp>
+        <p:sp>
+          <p:nvSpPr>
+            <p:cNvPr id="10" name="Oval 9">
+              <a:extLst>
+                <a:ext uri="{FF2B5EF4-FFF2-40B4-BE49-F238E27FC236}">
+                  <a16:creationId xmlns:a16="http://schemas.microsoft.com/office/drawing/2014/main" id="{962AE24F-A5D5-234A-B035-C0B7DE5B7026}"/>
+                </a:ext>
+              </a:extLst>
+            </p:cNvPr>
+            <p:cNvSpPr/>
+            <p:nvPr/>
+          </p:nvSpPr>
+          <p:spPr>
+            <a:xfrm>
+              <a:off x="1634192" y="2130414"/>
+              <a:ext cx="338203" cy="335071"/>
+            </a:xfrm>
+            <a:prstGeom prst="ellipse">
+              <a:avLst/>
+            </a:prstGeom>
+          </p:spPr>
+          <p:style>
+            <a:lnRef idx="2">
+              <a:schemeClr val="accent1">
+                <a:shade val="50000"/>
+              </a:schemeClr>
+            </a:lnRef>
+            <a:fillRef idx="1">
+              <a:schemeClr val="accent1"/>
+            </a:fillRef>
+            <a:effectRef idx="0">
+              <a:schemeClr val="accent1"/>
+            </a:effectRef>
+            <a:fontRef idx="minor">
+              <a:schemeClr val="lt1"/>
+            </a:fontRef>
+          </p:style>
+          <p:txBody>
+            <a:bodyPr rtlCol="0" anchor="ctr"/>
+            <a:lstStyle/>
+            <a:p>
+              <a:pPr algn="ctr"/>
+              <a:endParaRPr lang="en-IT" sz="2800"/>
+            </a:p>
+          </p:txBody>
+        </p:sp>
+        <p:sp>
+          <p:nvSpPr>
+            <p:cNvPr id="11" name="Oval 10">
+              <a:extLst>
+                <a:ext uri="{FF2B5EF4-FFF2-40B4-BE49-F238E27FC236}">
+                  <a16:creationId xmlns:a16="http://schemas.microsoft.com/office/drawing/2014/main" id="{5E37C590-DEF4-DE47-806C-CCBC8B97E662}"/>
+                </a:ext>
+              </a:extLst>
+            </p:cNvPr>
+            <p:cNvSpPr/>
+            <p:nvPr/>
+          </p:nvSpPr>
+          <p:spPr>
+            <a:xfrm>
+              <a:off x="1638595" y="2656929"/>
+              <a:ext cx="338203" cy="335071"/>
+            </a:xfrm>
+            <a:prstGeom prst="ellipse">
+              <a:avLst/>
+            </a:prstGeom>
+          </p:spPr>
+          <p:style>
+            <a:lnRef idx="2">
+              <a:schemeClr val="accent1">
+                <a:shade val="50000"/>
+              </a:schemeClr>
+            </a:lnRef>
+            <a:fillRef idx="1">
+              <a:schemeClr val="accent1"/>
+            </a:fillRef>
+            <a:effectRef idx="0">
+              <a:schemeClr val="accent1"/>
+            </a:effectRef>
+            <a:fontRef idx="minor">
+              <a:schemeClr val="lt1"/>
+            </a:fontRef>
+          </p:style>
+          <p:txBody>
+            <a:bodyPr rtlCol="0" anchor="ctr"/>
+            <a:lstStyle/>
+            <a:p>
+              <a:pPr algn="ctr"/>
+              <a:endParaRPr lang="en-IT" sz="2800"/>
+            </a:p>
+          </p:txBody>
+        </p:sp>
+        <p:sp>
+          <p:nvSpPr>
+            <p:cNvPr id="12" name="Oval 11">
+              <a:extLst>
+                <a:ext uri="{FF2B5EF4-FFF2-40B4-BE49-F238E27FC236}">
+                  <a16:creationId xmlns:a16="http://schemas.microsoft.com/office/drawing/2014/main" id="{AEC5D8B2-785A-F94E-BD66-40B324981153}"/>
+                </a:ext>
+              </a:extLst>
+            </p:cNvPr>
+            <p:cNvSpPr/>
+            <p:nvPr/>
+          </p:nvSpPr>
+          <p:spPr>
+            <a:xfrm>
+              <a:off x="1638596" y="3156335"/>
+              <a:ext cx="338203" cy="335071"/>
+            </a:xfrm>
+            <a:prstGeom prst="ellipse">
+              <a:avLst/>
+            </a:prstGeom>
+          </p:spPr>
+          <p:style>
+            <a:lnRef idx="2">
+              <a:schemeClr val="accent1">
+                <a:shade val="50000"/>
+              </a:schemeClr>
+            </a:lnRef>
+            <a:fillRef idx="1">
+              <a:schemeClr val="accent1"/>
+            </a:fillRef>
+            <a:effectRef idx="0">
+              <a:schemeClr val="accent1"/>
+            </a:effectRef>
+            <a:fontRef idx="minor">
+              <a:schemeClr val="lt1"/>
+            </a:fontRef>
+          </p:style>
+          <p:txBody>
+            <a:bodyPr rtlCol="0" anchor="ctr"/>
+            <a:lstStyle/>
+            <a:p>
+              <a:pPr algn="ctr"/>
+              <a:endParaRPr lang="en-IT" sz="2800"/>
+            </a:p>
+          </p:txBody>
+        </p:sp>
+        <p:sp>
+          <p:nvSpPr>
+            <p:cNvPr id="13" name="Oval 12">
+              <a:extLst>
+                <a:ext uri="{FF2B5EF4-FFF2-40B4-BE49-F238E27FC236}">
+                  <a16:creationId xmlns:a16="http://schemas.microsoft.com/office/drawing/2014/main" id="{9F37F132-0536-564E-8771-5C43E3A4F652}"/>
+                </a:ext>
+              </a:extLst>
+            </p:cNvPr>
+            <p:cNvSpPr/>
+            <p:nvPr/>
+          </p:nvSpPr>
+          <p:spPr>
+            <a:xfrm>
+              <a:off x="1634192" y="3720035"/>
+              <a:ext cx="338203" cy="335071"/>
+            </a:xfrm>
+            <a:prstGeom prst="ellipse">
+              <a:avLst/>
+            </a:prstGeom>
+          </p:spPr>
+          <p:style>
+            <a:lnRef idx="2">
+              <a:schemeClr val="accent1">
+                <a:shade val="50000"/>
+              </a:schemeClr>
+            </a:lnRef>
+            <a:fillRef idx="1">
+              <a:schemeClr val="accent1"/>
+            </a:fillRef>
+            <a:effectRef idx="0">
+              <a:schemeClr val="accent1"/>
+            </a:effectRef>
+            <a:fontRef idx="minor">
+              <a:schemeClr val="lt1"/>
+            </a:fontRef>
+          </p:style>
+          <p:txBody>
+            <a:bodyPr rtlCol="0" anchor="ctr"/>
+            <a:lstStyle/>
+            <a:p>
+              <a:pPr algn="ctr"/>
+              <a:endParaRPr lang="en-IT" sz="2800"/>
+            </a:p>
+          </p:txBody>
+        </p:sp>
+        <p:sp>
+          <p:nvSpPr>
+            <p:cNvPr id="14" name="Oval 13">
+              <a:extLst>
+                <a:ext uri="{FF2B5EF4-FFF2-40B4-BE49-F238E27FC236}">
+                  <a16:creationId xmlns:a16="http://schemas.microsoft.com/office/drawing/2014/main" id="{E0DC6280-6820-3B4A-A047-0CCF49F5E9CD}"/>
+                </a:ext>
+              </a:extLst>
+            </p:cNvPr>
+            <p:cNvSpPr/>
+            <p:nvPr/>
+          </p:nvSpPr>
+          <p:spPr>
+            <a:xfrm>
+              <a:off x="1634192" y="4246550"/>
+              <a:ext cx="338203" cy="335071"/>
+            </a:xfrm>
+            <a:prstGeom prst="ellipse">
+              <a:avLst/>
+            </a:prstGeom>
+          </p:spPr>
+          <p:style>
+            <a:lnRef idx="2">
+              <a:schemeClr val="accent1">
+                <a:shade val="50000"/>
+              </a:schemeClr>
+            </a:lnRef>
+            <a:fillRef idx="1">
+              <a:schemeClr val="accent1"/>
+            </a:fillRef>
+            <a:effectRef idx="0">
+              <a:schemeClr val="accent1"/>
+            </a:effectRef>
+            <a:fontRef idx="minor">
+              <a:schemeClr val="lt1"/>
+            </a:fontRef>
+          </p:style>
+          <p:txBody>
+            <a:bodyPr rtlCol="0" anchor="ctr"/>
+            <a:lstStyle/>
+            <a:p>
+              <a:pPr algn="ctr"/>
+              <a:endParaRPr lang="en-IT" sz="2800"/>
+            </a:p>
+          </p:txBody>
+        </p:sp>
+        <p:sp>
+          <p:nvSpPr>
+            <p:cNvPr id="15" name="Oval 14">
+              <a:extLst>
+                <a:ext uri="{FF2B5EF4-FFF2-40B4-BE49-F238E27FC236}">
+                  <a16:creationId xmlns:a16="http://schemas.microsoft.com/office/drawing/2014/main" id="{140E75CA-1991-FC4B-AD37-B9066FC15DCB}"/>
+                </a:ext>
+              </a:extLst>
+            </p:cNvPr>
+            <p:cNvSpPr/>
+            <p:nvPr/>
+          </p:nvSpPr>
+          <p:spPr>
+            <a:xfrm>
+              <a:off x="1638595" y="4773065"/>
+              <a:ext cx="338203" cy="335071"/>
+            </a:xfrm>
+            <a:prstGeom prst="ellipse">
+              <a:avLst/>
+            </a:prstGeom>
+          </p:spPr>
+          <p:style>
+            <a:lnRef idx="2">
+              <a:schemeClr val="accent1">
+                <a:shade val="50000"/>
+              </a:schemeClr>
+            </a:lnRef>
+            <a:fillRef idx="1">
+              <a:schemeClr val="accent1"/>
+            </a:fillRef>
+            <a:effectRef idx="0">
+              <a:schemeClr val="accent1"/>
+            </a:effectRef>
+            <a:fontRef idx="minor">
+              <a:schemeClr val="lt1"/>
+            </a:fontRef>
+          </p:style>
+          <p:txBody>
+            <a:bodyPr rtlCol="0" anchor="ctr"/>
+            <a:lstStyle/>
+            <a:p>
+              <a:pPr algn="ctr"/>
+              <a:endParaRPr lang="en-IT" sz="2800"/>
+            </a:p>
+          </p:txBody>
+        </p:sp>
+        <p:sp>
+          <p:nvSpPr>
+            <p:cNvPr id="16" name="Oval 15">
+              <a:extLst>
+                <a:ext uri="{FF2B5EF4-FFF2-40B4-BE49-F238E27FC236}">
+                  <a16:creationId xmlns:a16="http://schemas.microsoft.com/office/drawing/2014/main" id="{C41A3397-A78E-5C48-A3B9-4F14C48C16C1}"/>
+                </a:ext>
+              </a:extLst>
+            </p:cNvPr>
+            <p:cNvSpPr/>
+            <p:nvPr/>
+          </p:nvSpPr>
+          <p:spPr>
+            <a:xfrm>
+              <a:off x="1638596" y="5272471"/>
+              <a:ext cx="338203" cy="335071"/>
+            </a:xfrm>
+            <a:prstGeom prst="ellipse">
+              <a:avLst/>
+            </a:prstGeom>
+          </p:spPr>
+          <p:style>
+            <a:lnRef idx="2">
+              <a:schemeClr val="accent1">
+                <a:shade val="50000"/>
+              </a:schemeClr>
+            </a:lnRef>
+            <a:fillRef idx="1">
+              <a:schemeClr val="accent1"/>
+            </a:fillRef>
+            <a:effectRef idx="0">
+              <a:schemeClr val="accent1"/>
+            </a:effectRef>
+            <a:fontRef idx="minor">
+              <a:schemeClr val="lt1"/>
+            </a:fontRef>
+          </p:style>
+          <p:txBody>
+            <a:bodyPr rtlCol="0" anchor="ctr"/>
+            <a:lstStyle/>
+            <a:p>
+              <a:pPr algn="ctr"/>
+              <a:endParaRPr lang="en-IT" sz="2800"/>
+            </a:p>
+          </p:txBody>
+        </p:sp>
+        <p:sp>
+          <p:nvSpPr>
+            <p:cNvPr id="17" name="Oval 16">
+              <a:extLst>
+                <a:ext uri="{FF2B5EF4-FFF2-40B4-BE49-F238E27FC236}">
+                  <a16:creationId xmlns:a16="http://schemas.microsoft.com/office/drawing/2014/main" id="{C14CC639-A0E2-384E-90A8-E4F024846832}"/>
+                </a:ext>
+              </a:extLst>
+            </p:cNvPr>
+            <p:cNvSpPr/>
+            <p:nvPr/>
+          </p:nvSpPr>
+          <p:spPr>
+            <a:xfrm>
+              <a:off x="10242593" y="1603899"/>
+              <a:ext cx="338203" cy="335071"/>
+            </a:xfrm>
+            <a:prstGeom prst="ellipse">
+              <a:avLst/>
+            </a:prstGeom>
+          </p:spPr>
+          <p:style>
+            <a:lnRef idx="2">
+              <a:schemeClr val="accent1">
+                <a:shade val="50000"/>
+              </a:schemeClr>
+            </a:lnRef>
+            <a:fillRef idx="1">
+              <a:schemeClr val="accent1"/>
+            </a:fillRef>
+            <a:effectRef idx="0">
+              <a:schemeClr val="accent1"/>
+            </a:effectRef>
+            <a:fontRef idx="minor">
+              <a:schemeClr val="lt1"/>
+            </a:fontRef>
+          </p:style>
+          <p:txBody>
+            <a:bodyPr rtlCol="0" anchor="ctr"/>
+            <a:lstStyle/>
+            <a:p>
+              <a:pPr algn="ctr"/>
+              <a:endParaRPr lang="en-IT" sz="2800"/>
+            </a:p>
+          </p:txBody>
+        </p:sp>
+        <p:sp>
+          <p:nvSpPr>
+            <p:cNvPr id="18" name="Oval 17">
+              <a:extLst>
+                <a:ext uri="{FF2B5EF4-FFF2-40B4-BE49-F238E27FC236}">
+                  <a16:creationId xmlns:a16="http://schemas.microsoft.com/office/drawing/2014/main" id="{4F849B8C-CCF5-3942-B4F4-F3D0270598D1}"/>
+                </a:ext>
+              </a:extLst>
+            </p:cNvPr>
+            <p:cNvSpPr/>
+            <p:nvPr/>
+          </p:nvSpPr>
+          <p:spPr>
+            <a:xfrm>
+              <a:off x="10242593" y="2130414"/>
+              <a:ext cx="338203" cy="335071"/>
+            </a:xfrm>
+            <a:prstGeom prst="ellipse">
+              <a:avLst/>
+            </a:prstGeom>
+          </p:spPr>
+          <p:style>
+            <a:lnRef idx="2">
+              <a:schemeClr val="accent1">
+                <a:shade val="50000"/>
+              </a:schemeClr>
+            </a:lnRef>
+            <a:fillRef idx="1">
+              <a:schemeClr val="accent1"/>
+            </a:fillRef>
+            <a:effectRef idx="0">
+              <a:schemeClr val="accent1"/>
+            </a:effectRef>
+            <a:fontRef idx="minor">
+              <a:schemeClr val="lt1"/>
+            </a:fontRef>
+          </p:style>
+          <p:txBody>
+            <a:bodyPr rtlCol="0" anchor="ctr"/>
+            <a:lstStyle/>
+            <a:p>
+              <a:pPr algn="ctr"/>
+              <a:endParaRPr lang="en-IT" sz="2800"/>
+            </a:p>
+          </p:txBody>
+        </p:sp>
+        <p:sp>
+          <p:nvSpPr>
+            <p:cNvPr id="19" name="Oval 18">
+              <a:extLst>
+                <a:ext uri="{FF2B5EF4-FFF2-40B4-BE49-F238E27FC236}">
+                  <a16:creationId xmlns:a16="http://schemas.microsoft.com/office/drawing/2014/main" id="{84FF14AC-5060-5E41-B677-FED2B0AE9B29}"/>
+                </a:ext>
+              </a:extLst>
+            </p:cNvPr>
+            <p:cNvSpPr/>
+            <p:nvPr/>
+          </p:nvSpPr>
+          <p:spPr>
+            <a:xfrm>
+              <a:off x="10246996" y="2656929"/>
+              <a:ext cx="338203" cy="335071"/>
+            </a:xfrm>
+            <a:prstGeom prst="ellipse">
+              <a:avLst/>
+            </a:prstGeom>
+          </p:spPr>
+          <p:style>
+            <a:lnRef idx="2">
+              <a:schemeClr val="accent1">
+                <a:shade val="50000"/>
+              </a:schemeClr>
+            </a:lnRef>
+            <a:fillRef idx="1">
+              <a:schemeClr val="accent1"/>
+            </a:fillRef>
+            <a:effectRef idx="0">
+              <a:schemeClr val="accent1"/>
+            </a:effectRef>
+            <a:fontRef idx="minor">
+              <a:schemeClr val="lt1"/>
+            </a:fontRef>
+          </p:style>
+          <p:txBody>
+            <a:bodyPr rtlCol="0" anchor="ctr"/>
+            <a:lstStyle/>
+            <a:p>
+              <a:pPr algn="ctr"/>
+              <a:endParaRPr lang="en-IT" sz="2800"/>
+            </a:p>
+          </p:txBody>
+        </p:sp>
+        <p:sp>
+          <p:nvSpPr>
+            <p:cNvPr id="20" name="Oval 19">
+              <a:extLst>
+                <a:ext uri="{FF2B5EF4-FFF2-40B4-BE49-F238E27FC236}">
+                  <a16:creationId xmlns:a16="http://schemas.microsoft.com/office/drawing/2014/main" id="{86B70D9B-750F-B243-96CB-7FD786CDB643}"/>
+                </a:ext>
+              </a:extLst>
+            </p:cNvPr>
+            <p:cNvSpPr/>
+            <p:nvPr/>
+          </p:nvSpPr>
+          <p:spPr>
+            <a:xfrm>
+              <a:off x="10246997" y="3156335"/>
+              <a:ext cx="338203" cy="335071"/>
+            </a:xfrm>
+            <a:prstGeom prst="ellipse">
+              <a:avLst/>
+            </a:prstGeom>
+          </p:spPr>
+          <p:style>
+            <a:lnRef idx="2">
+              <a:schemeClr val="accent1">
+                <a:shade val="50000"/>
+              </a:schemeClr>
+            </a:lnRef>
+            <a:fillRef idx="1">
+              <a:schemeClr val="accent1"/>
+            </a:fillRef>
+            <a:effectRef idx="0">
+              <a:schemeClr val="accent1"/>
+            </a:effectRef>
+            <a:fontRef idx="minor">
+              <a:schemeClr val="lt1"/>
+            </a:fontRef>
+          </p:style>
+          <p:txBody>
+            <a:bodyPr rtlCol="0" anchor="ctr"/>
+            <a:lstStyle/>
+            <a:p>
+              <a:pPr algn="ctr"/>
+              <a:endParaRPr lang="en-IT" sz="2800"/>
+            </a:p>
+          </p:txBody>
+        </p:sp>
+        <p:sp>
+          <p:nvSpPr>
+            <p:cNvPr id="21" name="Oval 20">
+              <a:extLst>
+                <a:ext uri="{FF2B5EF4-FFF2-40B4-BE49-F238E27FC236}">
+                  <a16:creationId xmlns:a16="http://schemas.microsoft.com/office/drawing/2014/main" id="{FD29A593-4ABA-0344-B4B7-60B0143EA017}"/>
+                </a:ext>
+              </a:extLst>
+            </p:cNvPr>
+            <p:cNvSpPr/>
+            <p:nvPr/>
+          </p:nvSpPr>
+          <p:spPr>
+            <a:xfrm>
+              <a:off x="10242593" y="3720035"/>
+              <a:ext cx="338203" cy="335071"/>
+            </a:xfrm>
+            <a:prstGeom prst="ellipse">
+              <a:avLst/>
+            </a:prstGeom>
+          </p:spPr>
+          <p:style>
+            <a:lnRef idx="2">
+              <a:schemeClr val="accent1">
+                <a:shade val="50000"/>
+              </a:schemeClr>
+            </a:lnRef>
+            <a:fillRef idx="1">
+              <a:schemeClr val="accent1"/>
+            </a:fillRef>
+            <a:effectRef idx="0">
+              <a:schemeClr val="accent1"/>
+            </a:effectRef>
+            <a:fontRef idx="minor">
+              <a:schemeClr val="lt1"/>
+            </a:fontRef>
+          </p:style>
+          <p:txBody>
+            <a:bodyPr rtlCol="0" anchor="ctr"/>
+            <a:lstStyle/>
+            <a:p>
+              <a:pPr algn="ctr"/>
+              <a:endParaRPr lang="en-IT" sz="2800"/>
+            </a:p>
+          </p:txBody>
+        </p:sp>
+        <p:sp>
+          <p:nvSpPr>
+            <p:cNvPr id="22" name="Oval 21">
+              <a:extLst>
+                <a:ext uri="{FF2B5EF4-FFF2-40B4-BE49-F238E27FC236}">
+                  <a16:creationId xmlns:a16="http://schemas.microsoft.com/office/drawing/2014/main" id="{32B5C91F-242F-CD41-BBD9-FBACD7C62837}"/>
+                </a:ext>
+              </a:extLst>
+            </p:cNvPr>
+            <p:cNvSpPr/>
+            <p:nvPr/>
+          </p:nvSpPr>
+          <p:spPr>
+            <a:xfrm>
+              <a:off x="10242593" y="4246550"/>
+              <a:ext cx="338203" cy="335071"/>
+            </a:xfrm>
+            <a:prstGeom prst="ellipse">
+              <a:avLst/>
+            </a:prstGeom>
+          </p:spPr>
+          <p:style>
+            <a:lnRef idx="2">
+              <a:schemeClr val="accent1">
+                <a:shade val="50000"/>
+              </a:schemeClr>
+            </a:lnRef>
+            <a:fillRef idx="1">
+              <a:schemeClr val="accent1"/>
+            </a:fillRef>
+            <a:effectRef idx="0">
+              <a:schemeClr val="accent1"/>
+            </a:effectRef>
+            <a:fontRef idx="minor">
+              <a:schemeClr val="lt1"/>
+            </a:fontRef>
+          </p:style>
+          <p:txBody>
+            <a:bodyPr rtlCol="0" anchor="ctr"/>
+            <a:lstStyle/>
+            <a:p>
+              <a:pPr algn="ctr"/>
+              <a:endParaRPr lang="en-IT" sz="2800"/>
+            </a:p>
+          </p:txBody>
+        </p:sp>
+        <p:sp>
+          <p:nvSpPr>
+            <p:cNvPr id="23" name="Oval 22">
+              <a:extLst>
+                <a:ext uri="{FF2B5EF4-FFF2-40B4-BE49-F238E27FC236}">
+                  <a16:creationId xmlns:a16="http://schemas.microsoft.com/office/drawing/2014/main" id="{E67BF8F9-8DA4-C343-89B8-8A68E09182D4}"/>
+                </a:ext>
+              </a:extLst>
+            </p:cNvPr>
+            <p:cNvSpPr/>
+            <p:nvPr/>
+          </p:nvSpPr>
+          <p:spPr>
+            <a:xfrm>
+              <a:off x="10246996" y="4773065"/>
+              <a:ext cx="338203" cy="335071"/>
+            </a:xfrm>
+            <a:prstGeom prst="ellipse">
+              <a:avLst/>
+            </a:prstGeom>
+          </p:spPr>
+          <p:style>
+            <a:lnRef idx="2">
+              <a:schemeClr val="accent1">
+                <a:shade val="50000"/>
+              </a:schemeClr>
+            </a:lnRef>
+            <a:fillRef idx="1">
+              <a:schemeClr val="accent1"/>
+            </a:fillRef>
+            <a:effectRef idx="0">
+              <a:schemeClr val="accent1"/>
+            </a:effectRef>
+            <a:fontRef idx="minor">
+              <a:schemeClr val="lt1"/>
+            </a:fontRef>
+          </p:style>
+          <p:txBody>
+            <a:bodyPr rtlCol="0" anchor="ctr"/>
+            <a:lstStyle/>
+            <a:p>
+              <a:pPr algn="ctr"/>
+              <a:endParaRPr lang="en-IT" sz="2800"/>
+            </a:p>
+          </p:txBody>
+        </p:sp>
+        <p:sp>
+          <p:nvSpPr>
+            <p:cNvPr id="24" name="Oval 23">
+              <a:extLst>
+                <a:ext uri="{FF2B5EF4-FFF2-40B4-BE49-F238E27FC236}">
+                  <a16:creationId xmlns:a16="http://schemas.microsoft.com/office/drawing/2014/main" id="{08667BB6-7AFD-E743-9D2E-54D26E0A71E1}"/>
+                </a:ext>
+              </a:extLst>
+            </p:cNvPr>
+            <p:cNvSpPr/>
+            <p:nvPr/>
+          </p:nvSpPr>
+          <p:spPr>
+            <a:xfrm>
+              <a:off x="10246997" y="5272471"/>
+              <a:ext cx="338203" cy="335071"/>
+            </a:xfrm>
+            <a:prstGeom prst="ellipse">
+              <a:avLst/>
+            </a:prstGeom>
+          </p:spPr>
+          <p:style>
+            <a:lnRef idx="2">
+              <a:schemeClr val="accent1">
+                <a:shade val="50000"/>
+              </a:schemeClr>
+            </a:lnRef>
+            <a:fillRef idx="1">
+              <a:schemeClr val="accent1"/>
+            </a:fillRef>
+            <a:effectRef idx="0">
+              <a:schemeClr val="accent1"/>
+            </a:effectRef>
+            <a:fontRef idx="minor">
+              <a:schemeClr val="lt1"/>
+            </a:fontRef>
+          </p:style>
+          <p:txBody>
+            <a:bodyPr rtlCol="0" anchor="ctr"/>
+            <a:lstStyle/>
+            <a:p>
+              <a:pPr algn="ctr"/>
+              <a:endParaRPr lang="en-IT" sz="2800"/>
+            </a:p>
+          </p:txBody>
+        </p:sp>
+        <p:sp>
+          <p:nvSpPr>
+            <p:cNvPr id="29" name="TextBox 28">
+              <a:extLst>
+                <a:ext uri="{FF2B5EF4-FFF2-40B4-BE49-F238E27FC236}">
+                  <a16:creationId xmlns:a16="http://schemas.microsoft.com/office/drawing/2014/main" id="{F5BBE740-0510-2A4E-880E-61FFC88483FC}"/>
+                </a:ext>
+              </a:extLst>
+            </p:cNvPr>
+            <p:cNvSpPr txBox="1"/>
+            <p:nvPr/>
+          </p:nvSpPr>
+          <p:spPr>
+            <a:xfrm rot="16200000">
+              <a:off x="-251988" y="3289570"/>
+              <a:ext cx="2299027" cy="369332"/>
+            </a:xfrm>
+            <a:prstGeom prst="rect">
+              <a:avLst/>
+            </a:prstGeom>
+            <a:noFill/>
+          </p:spPr>
+          <p:txBody>
+            <a:bodyPr wrap="none" rtlCol="0">
+              <a:spAutoFit/>
+            </a:bodyPr>
+            <a:lstStyle/>
+            <a:p>
+              <a:r>
+                <a:rPr lang="en-IT" dirty="0"/>
+                <a:t>Inputs, M-dimensional</a:t>
+              </a:r>
+            </a:p>
+          </p:txBody>
+        </p:sp>
+        <p:sp>
+          <p:nvSpPr>
+            <p:cNvPr id="30" name="TextBox 29">
+              <a:extLst>
+                <a:ext uri="{FF2B5EF4-FFF2-40B4-BE49-F238E27FC236}">
+                  <a16:creationId xmlns:a16="http://schemas.microsoft.com/office/drawing/2014/main" id="{0035FF01-978C-6D45-95E0-E77DA5DABFE2}"/>
+                </a:ext>
+              </a:extLst>
+            </p:cNvPr>
+            <p:cNvSpPr txBox="1"/>
+            <p:nvPr/>
+          </p:nvSpPr>
+          <p:spPr>
+            <a:xfrm>
+              <a:off x="1055227" y="1569638"/>
+              <a:ext cx="301686" cy="369332"/>
+            </a:xfrm>
+            <a:prstGeom prst="rect">
+              <a:avLst/>
+            </a:prstGeom>
+            <a:noFill/>
+          </p:spPr>
+          <p:txBody>
+            <a:bodyPr wrap="none" rtlCol="0">
+              <a:spAutoFit/>
+            </a:bodyPr>
+            <a:lstStyle/>
+            <a:p>
+              <a:r>
+                <a:rPr lang="en-IT" dirty="0"/>
+                <a:t>1</a:t>
+              </a:r>
+            </a:p>
+          </p:txBody>
+        </p:sp>
+        <p:sp>
+          <p:nvSpPr>
+            <p:cNvPr id="32" name="TextBox 31">
+              <a:extLst>
+                <a:ext uri="{FF2B5EF4-FFF2-40B4-BE49-F238E27FC236}">
+                  <a16:creationId xmlns:a16="http://schemas.microsoft.com/office/drawing/2014/main" id="{6464DD06-644F-4D4F-8EEA-7AE95D9A642A}"/>
+                </a:ext>
+              </a:extLst>
+            </p:cNvPr>
+            <p:cNvSpPr txBox="1"/>
+            <p:nvPr/>
+          </p:nvSpPr>
+          <p:spPr>
+            <a:xfrm>
+              <a:off x="1015152" y="5238166"/>
+              <a:ext cx="381836" cy="369332"/>
+            </a:xfrm>
+            <a:prstGeom prst="rect">
+              <a:avLst/>
+            </a:prstGeom>
+            <a:noFill/>
+          </p:spPr>
+          <p:txBody>
+            <a:bodyPr wrap="none" rtlCol="0">
+              <a:spAutoFit/>
+            </a:bodyPr>
+            <a:lstStyle/>
+            <a:p>
+              <a:r>
+                <a:rPr lang="en-IT" dirty="0"/>
+                <a:t>M</a:t>
+              </a:r>
+            </a:p>
+          </p:txBody>
+        </p:sp>
+        <p:sp>
+          <p:nvSpPr>
+            <p:cNvPr id="33" name="TextBox 32">
+              <a:extLst>
+                <a:ext uri="{FF2B5EF4-FFF2-40B4-BE49-F238E27FC236}">
+                  <a16:creationId xmlns:a16="http://schemas.microsoft.com/office/drawing/2014/main" id="{97604933-29BC-7544-AC0F-FE30A16C93A4}"/>
+                </a:ext>
+              </a:extLst>
+            </p:cNvPr>
+            <p:cNvSpPr txBox="1"/>
+            <p:nvPr/>
+          </p:nvSpPr>
+          <p:spPr>
+            <a:xfrm rot="16200000">
+              <a:off x="9974546" y="3375330"/>
+              <a:ext cx="2470548" cy="369332"/>
+            </a:xfrm>
+            <a:prstGeom prst="rect">
+              <a:avLst/>
+            </a:prstGeom>
+            <a:noFill/>
+          </p:spPr>
+          <p:txBody>
+            <a:bodyPr wrap="none" rtlCol="0">
+              <a:spAutoFit/>
+            </a:bodyPr>
+            <a:lstStyle/>
+            <a:p>
+              <a:r>
+                <a:rPr lang="en-IT" dirty="0"/>
+                <a:t>Outputs, M-dimensional</a:t>
+              </a:r>
+            </a:p>
+          </p:txBody>
+        </p:sp>
+        <p:sp>
+          <p:nvSpPr>
+            <p:cNvPr id="34" name="TextBox 33">
+              <a:extLst>
+                <a:ext uri="{FF2B5EF4-FFF2-40B4-BE49-F238E27FC236}">
+                  <a16:creationId xmlns:a16="http://schemas.microsoft.com/office/drawing/2014/main" id="{C31E8506-0D62-C049-B92B-FC5AD2E69091}"/>
+                </a:ext>
+              </a:extLst>
+            </p:cNvPr>
+            <p:cNvSpPr txBox="1"/>
+            <p:nvPr/>
+          </p:nvSpPr>
+          <p:spPr>
+            <a:xfrm>
+              <a:off x="10868059" y="1642461"/>
+              <a:ext cx="301686" cy="369332"/>
+            </a:xfrm>
+            <a:prstGeom prst="rect">
+              <a:avLst/>
+            </a:prstGeom>
+            <a:noFill/>
+          </p:spPr>
+          <p:txBody>
+            <a:bodyPr wrap="none" rtlCol="0">
+              <a:spAutoFit/>
+            </a:bodyPr>
+            <a:lstStyle/>
+            <a:p>
+              <a:r>
+                <a:rPr lang="en-IT" dirty="0"/>
+                <a:t>1</a:t>
+              </a:r>
+            </a:p>
+          </p:txBody>
+        </p:sp>
+        <p:sp>
+          <p:nvSpPr>
+            <p:cNvPr id="35" name="TextBox 34">
+              <a:extLst>
+                <a:ext uri="{FF2B5EF4-FFF2-40B4-BE49-F238E27FC236}">
+                  <a16:creationId xmlns:a16="http://schemas.microsoft.com/office/drawing/2014/main" id="{7B39D398-CD52-A149-97BD-2B7FED16EA98}"/>
+                </a:ext>
+              </a:extLst>
+            </p:cNvPr>
+            <p:cNvSpPr txBox="1"/>
+            <p:nvPr/>
+          </p:nvSpPr>
+          <p:spPr>
+            <a:xfrm>
+              <a:off x="10827984" y="5310989"/>
+              <a:ext cx="381836" cy="369332"/>
+            </a:xfrm>
+            <a:prstGeom prst="rect">
+              <a:avLst/>
+            </a:prstGeom>
+            <a:noFill/>
+          </p:spPr>
+          <p:txBody>
+            <a:bodyPr wrap="none" rtlCol="0">
+              <a:spAutoFit/>
+            </a:bodyPr>
+            <a:lstStyle/>
+            <a:p>
+              <a:r>
+                <a:rPr lang="en-IT" dirty="0"/>
+                <a:t>M</a:t>
+              </a:r>
+            </a:p>
+          </p:txBody>
+        </p:sp>
+        <p:sp>
+          <p:nvSpPr>
+            <p:cNvPr id="36" name="TextBox 35">
+              <a:extLst>
+                <a:ext uri="{FF2B5EF4-FFF2-40B4-BE49-F238E27FC236}">
+                  <a16:creationId xmlns:a16="http://schemas.microsoft.com/office/drawing/2014/main" id="{F84F2D27-6A09-F742-B22C-2AB161103D33}"/>
+                </a:ext>
+              </a:extLst>
+            </p:cNvPr>
+            <p:cNvSpPr txBox="1"/>
+            <p:nvPr/>
+          </p:nvSpPr>
+          <p:spPr>
+            <a:xfrm>
+              <a:off x="5414631" y="1365462"/>
+              <a:ext cx="1550424" cy="646331"/>
+            </a:xfrm>
+            <a:prstGeom prst="rect">
+              <a:avLst/>
+            </a:prstGeom>
+            <a:noFill/>
+          </p:spPr>
+          <p:txBody>
+            <a:bodyPr wrap="none" rtlCol="0">
+              <a:spAutoFit/>
+            </a:bodyPr>
+            <a:lstStyle/>
+            <a:p>
+              <a:r>
+                <a:rPr lang="en-IT" dirty="0"/>
+                <a:t>Latent Space</a:t>
+              </a:r>
+              <a:br>
+                <a:rPr lang="en-IT" dirty="0"/>
+              </a:br>
+              <a:r>
+                <a:rPr lang="en-IT" dirty="0"/>
+                <a:t>N-dimensional</a:t>
+              </a:r>
+            </a:p>
+          </p:txBody>
+        </p:sp>
+        <p:sp>
+          <p:nvSpPr>
+            <p:cNvPr id="37" name="TextBox 36">
+              <a:extLst>
+                <a:ext uri="{FF2B5EF4-FFF2-40B4-BE49-F238E27FC236}">
+                  <a16:creationId xmlns:a16="http://schemas.microsoft.com/office/drawing/2014/main" id="{F8CC5163-E0E0-2743-847E-EA9CC603BE4C}"/>
+                </a:ext>
+              </a:extLst>
+            </p:cNvPr>
+            <p:cNvSpPr txBox="1"/>
+            <p:nvPr/>
+          </p:nvSpPr>
+          <p:spPr>
+            <a:xfrm>
+              <a:off x="5670110" y="2637365"/>
+              <a:ext cx="301686" cy="369332"/>
+            </a:xfrm>
+            <a:prstGeom prst="rect">
+              <a:avLst/>
+            </a:prstGeom>
+            <a:noFill/>
+          </p:spPr>
+          <p:txBody>
+            <a:bodyPr wrap="none" rtlCol="0">
+              <a:spAutoFit/>
+            </a:bodyPr>
+            <a:lstStyle/>
+            <a:p>
+              <a:r>
+                <a:rPr lang="en-IT" dirty="0"/>
+                <a:t>1</a:t>
+              </a:r>
+            </a:p>
+          </p:txBody>
+        </p:sp>
+        <p:sp>
+          <p:nvSpPr>
+            <p:cNvPr id="38" name="TextBox 37">
+              <a:extLst>
+                <a:ext uri="{FF2B5EF4-FFF2-40B4-BE49-F238E27FC236}">
+                  <a16:creationId xmlns:a16="http://schemas.microsoft.com/office/drawing/2014/main" id="{7E1730C0-EF8B-294A-8543-4DCDD8A97781}"/>
+                </a:ext>
+              </a:extLst>
+            </p:cNvPr>
+            <p:cNvSpPr txBox="1"/>
+            <p:nvPr/>
+          </p:nvSpPr>
+          <p:spPr>
+            <a:xfrm>
+              <a:off x="5669079" y="4201123"/>
+              <a:ext cx="333746" cy="369332"/>
+            </a:xfrm>
+            <a:prstGeom prst="rect">
+              <a:avLst/>
+            </a:prstGeom>
+            <a:noFill/>
+          </p:spPr>
+          <p:txBody>
+            <a:bodyPr wrap="none" rtlCol="0">
+              <a:spAutoFit/>
+            </a:bodyPr>
+            <a:lstStyle/>
+            <a:p>
+              <a:r>
+                <a:rPr lang="en-IT" dirty="0"/>
+                <a:t>N</a:t>
+              </a:r>
+            </a:p>
+          </p:txBody>
+        </p:sp>
+        <p:sp>
+          <p:nvSpPr>
+            <p:cNvPr id="2" name="Trapezium 1">
+              <a:extLst>
+                <a:ext uri="{FF2B5EF4-FFF2-40B4-BE49-F238E27FC236}">
+                  <a16:creationId xmlns:a16="http://schemas.microsoft.com/office/drawing/2014/main" id="{3675056C-5159-1B4B-A5DC-B0A3F9A44D56}"/>
+                </a:ext>
+              </a:extLst>
+            </p:cNvPr>
+            <p:cNvSpPr/>
+            <p:nvPr/>
+          </p:nvSpPr>
+          <p:spPr>
+            <a:xfrm rot="5400000">
+              <a:off x="1828800" y="2005068"/>
+              <a:ext cx="4406748" cy="3194891"/>
+            </a:xfrm>
+            <a:prstGeom prst="trapezoid">
+              <a:avLst>
+                <a:gd name="adj" fmla="val 36379"/>
+              </a:avLst>
+            </a:prstGeom>
+            <a:solidFill>
+              <a:schemeClr val="accent5">
+                <a:lumMod val="20000"/>
+                <a:lumOff val="80000"/>
+              </a:schemeClr>
+            </a:solidFill>
+          </p:spPr>
+          <p:style>
+            <a:lnRef idx="2">
+              <a:schemeClr val="accent1">
+                <a:shade val="50000"/>
+              </a:schemeClr>
+            </a:lnRef>
+            <a:fillRef idx="1">
+              <a:schemeClr val="accent1"/>
+            </a:fillRef>
+            <a:effectRef idx="0">
+              <a:schemeClr val="accent1"/>
+            </a:effectRef>
+            <a:fontRef idx="minor">
+              <a:schemeClr val="lt1"/>
+            </a:fontRef>
+          </p:style>
+          <p:txBody>
+            <a:bodyPr rtlCol="0" anchor="ctr"/>
+            <a:lstStyle/>
+            <a:p>
+              <a:pPr algn="ctr"/>
+              <a:endParaRPr lang="it-IT" sz="3200" dirty="0">
+                <a:solidFill>
+                  <a:schemeClr val="accent1"/>
+                </a:solidFill>
+              </a:endParaRPr>
+            </a:p>
+          </p:txBody>
+        </p:sp>
+        <p:sp>
+          <p:nvSpPr>
+            <p:cNvPr id="3" name="TextBox 2">
+              <a:extLst>
+                <a:ext uri="{FF2B5EF4-FFF2-40B4-BE49-F238E27FC236}">
+                  <a16:creationId xmlns:a16="http://schemas.microsoft.com/office/drawing/2014/main" id="{7EE3CA8F-E6F7-AF40-99D9-D5D9D703FEA8}"/>
+                </a:ext>
+              </a:extLst>
+            </p:cNvPr>
+            <p:cNvSpPr txBox="1"/>
+            <p:nvPr/>
+          </p:nvSpPr>
+          <p:spPr>
+            <a:xfrm>
+              <a:off x="3043896" y="3409720"/>
+              <a:ext cx="1707615" cy="461665"/>
+            </a:xfrm>
+            <a:prstGeom prst="rect">
+              <a:avLst/>
+            </a:prstGeom>
+            <a:noFill/>
+          </p:spPr>
+          <p:txBody>
+            <a:bodyPr wrap="square" rtlCol="0">
+              <a:spAutoFit/>
+            </a:bodyPr>
+            <a:lstStyle/>
+            <a:p>
+              <a:pPr algn="ctr"/>
+              <a:r>
+                <a:rPr lang="it-IT" sz="2400" dirty="0">
+                  <a:solidFill>
+                    <a:schemeClr val="accent1"/>
+                  </a:solidFill>
+                </a:rPr>
+                <a:t>Encoder</a:t>
+              </a:r>
+            </a:p>
+          </p:txBody>
+        </p:sp>
+        <p:sp>
+          <p:nvSpPr>
+            <p:cNvPr id="39" name="Trapezium 38">
+              <a:extLst>
+                <a:ext uri="{FF2B5EF4-FFF2-40B4-BE49-F238E27FC236}">
+                  <a16:creationId xmlns:a16="http://schemas.microsoft.com/office/drawing/2014/main" id="{30576890-451F-0342-9F36-876A48B01EDF}"/>
+                </a:ext>
+              </a:extLst>
+            </p:cNvPr>
+            <p:cNvSpPr/>
+            <p:nvPr/>
+          </p:nvSpPr>
+          <p:spPr>
+            <a:xfrm rot="16200000">
+              <a:off x="6021473" y="2005067"/>
+              <a:ext cx="4406748" cy="3194891"/>
+            </a:xfrm>
+            <a:prstGeom prst="trapezoid">
+              <a:avLst>
+                <a:gd name="adj" fmla="val 36379"/>
+              </a:avLst>
+            </a:prstGeom>
+            <a:solidFill>
+              <a:schemeClr val="accent5">
+                <a:lumMod val="20000"/>
+                <a:lumOff val="80000"/>
+              </a:schemeClr>
+            </a:solidFill>
+          </p:spPr>
+          <p:style>
+            <a:lnRef idx="2">
+              <a:schemeClr val="accent1">
+                <a:shade val="50000"/>
+              </a:schemeClr>
+            </a:lnRef>
+            <a:fillRef idx="1">
+              <a:schemeClr val="accent1"/>
+            </a:fillRef>
+            <a:effectRef idx="0">
+              <a:schemeClr val="accent1"/>
+            </a:effectRef>
+            <a:fontRef idx="minor">
+              <a:schemeClr val="lt1"/>
+            </a:fontRef>
+          </p:style>
+          <p:txBody>
+            <a:bodyPr rtlCol="0" anchor="ctr"/>
+            <a:lstStyle/>
+            <a:p>
+              <a:pPr algn="ctr"/>
+              <a:endParaRPr lang="it-IT" sz="3200" dirty="0">
+                <a:solidFill>
+                  <a:schemeClr val="accent1"/>
+                </a:solidFill>
+              </a:endParaRPr>
+            </a:p>
+          </p:txBody>
+        </p:sp>
+        <p:sp>
+          <p:nvSpPr>
+            <p:cNvPr id="40" name="TextBox 39">
+              <a:extLst>
+                <a:ext uri="{FF2B5EF4-FFF2-40B4-BE49-F238E27FC236}">
+                  <a16:creationId xmlns:a16="http://schemas.microsoft.com/office/drawing/2014/main" id="{670AEB44-5DB3-6547-BC69-FA385BF937C4}"/>
+                </a:ext>
+              </a:extLst>
+            </p:cNvPr>
+            <p:cNvSpPr txBox="1"/>
+            <p:nvPr/>
+          </p:nvSpPr>
+          <p:spPr>
+            <a:xfrm>
+              <a:off x="7217452" y="3373804"/>
+              <a:ext cx="1707615" cy="461665"/>
+            </a:xfrm>
+            <a:prstGeom prst="rect">
+              <a:avLst/>
+            </a:prstGeom>
+            <a:noFill/>
+          </p:spPr>
+          <p:txBody>
+            <a:bodyPr wrap="square" rtlCol="0">
+              <a:spAutoFit/>
+            </a:bodyPr>
+            <a:lstStyle/>
+            <a:p>
+              <a:pPr algn="ctr"/>
+              <a:r>
+                <a:rPr lang="it-IT" sz="2400" dirty="0">
+                  <a:solidFill>
+                    <a:schemeClr val="accent1"/>
+                  </a:solidFill>
+                </a:rPr>
+                <a:t>Decoder</a:t>
+              </a:r>
+            </a:p>
+          </p:txBody>
+        </p:sp>
+      </p:grpSp>
+    </p:spTree>
+    <p:extLst>
+      <p:ext uri="{BB962C8B-B14F-4D97-AF65-F5344CB8AC3E}">
+        <p14:creationId xmlns:p14="http://schemas.microsoft.com/office/powerpoint/2010/main" val="171480264"/>
+      </p:ext>
+    </p:extLst>
+  </p:cSld>
+  <p:clrMapOvr>
+    <a:masterClrMapping/>
+  </p:clrMapOvr>
+</p:sld>
+</file>
+
+<file path=ppt/slides/slide4.xml><?xml version="1.0" encoding="utf-8"?>
+<p:sld xmlns:a="http://schemas.openxmlformats.org/drawingml/2006/main" xmlns:r="http://schemas.openxmlformats.org/officeDocument/2006/relationships" xmlns:p="http://schemas.openxmlformats.org/presentationml/2006/main">
+  <p:cSld>
+    <p:spTree>
+      <p:nvGrpSpPr>
+        <p:cNvPr id="1" name=""/>
+        <p:cNvGrpSpPr/>
+        <p:nvPr/>
+      </p:nvGrpSpPr>
+      <p:grpSpPr>
+        <a:xfrm>
+          <a:off x="0" y="0"/>
+          <a:ext cx="0" cy="0"/>
+          <a:chOff x="0" y="0"/>
+          <a:chExt cx="0" cy="0"/>
+        </a:xfrm>
+      </p:grpSpPr>
+      <p:grpSp>
+        <p:nvGrpSpPr>
+          <p:cNvPr id="180" name="Group 179">
+            <a:extLst>
+              <a:ext uri="{FF2B5EF4-FFF2-40B4-BE49-F238E27FC236}">
+                <a16:creationId xmlns:a16="http://schemas.microsoft.com/office/drawing/2014/main" id="{47441116-097B-4C46-AF2B-305634EFFEEE}"/>
+              </a:ext>
+            </a:extLst>
+          </p:cNvPr>
+          <p:cNvGrpSpPr/>
+          <p:nvPr/>
+        </p:nvGrpSpPr>
+        <p:grpSpPr>
+          <a:xfrm>
+            <a:off x="712860" y="1399140"/>
+            <a:ext cx="10681626" cy="4753416"/>
+            <a:chOff x="712860" y="1399140"/>
+            <a:chExt cx="10681626" cy="4753416"/>
+          </a:xfrm>
+        </p:grpSpPr>
+        <p:cxnSp>
+          <p:nvCxnSpPr>
+            <p:cNvPr id="119" name="Straight Arrow Connector 118">
+              <a:extLst>
+                <a:ext uri="{FF2B5EF4-FFF2-40B4-BE49-F238E27FC236}">
+                  <a16:creationId xmlns:a16="http://schemas.microsoft.com/office/drawing/2014/main" id="{32073BCA-5531-3E4D-A9EC-53FEBDE1FBE3}"/>
+                </a:ext>
+              </a:extLst>
+            </p:cNvPr>
+            <p:cNvCxnSpPr>
+              <a:cxnSpLocks/>
+            </p:cNvCxnSpPr>
+            <p:nvPr/>
+          </p:nvCxnSpPr>
+          <p:spPr>
+            <a:xfrm>
+              <a:off x="9004113" y="3361902"/>
+              <a:ext cx="1088941" cy="1056278"/>
+            </a:xfrm>
+            <a:prstGeom prst="straightConnector1">
+              <a:avLst/>
+            </a:prstGeom>
+            <a:ln w="25400">
+              <a:solidFill>
+                <a:schemeClr val="bg1">
+                  <a:lumMod val="95000"/>
+                </a:schemeClr>
+              </a:solidFill>
+              <a:prstDash val="solid"/>
+              <a:headEnd type="none" w="med" len="med"/>
+              <a:tailEnd type="none" w="med" len="med"/>
+            </a:ln>
+          </p:spPr>
+          <p:style>
+            <a:lnRef idx="1">
+              <a:schemeClr val="accent1"/>
+            </a:lnRef>
+            <a:fillRef idx="0">
+              <a:schemeClr val="accent1"/>
+            </a:fillRef>
+            <a:effectRef idx="0">
+              <a:schemeClr val="accent1"/>
+            </a:effectRef>
+            <a:fontRef idx="minor">
+              <a:schemeClr val="tx1"/>
+            </a:fontRef>
+          </p:style>
+        </p:cxnSp>
+        <p:cxnSp>
+          <p:nvCxnSpPr>
+            <p:cNvPr id="120" name="Straight Arrow Connector 119">
+              <a:extLst>
+                <a:ext uri="{FF2B5EF4-FFF2-40B4-BE49-F238E27FC236}">
+                  <a16:creationId xmlns:a16="http://schemas.microsoft.com/office/drawing/2014/main" id="{2B873FE0-B114-4045-82F1-A41AFDB463FD}"/>
+                </a:ext>
+              </a:extLst>
+            </p:cNvPr>
+            <p:cNvCxnSpPr>
+              <a:cxnSpLocks/>
+            </p:cNvCxnSpPr>
+            <p:nvPr/>
+          </p:nvCxnSpPr>
+          <p:spPr>
+            <a:xfrm>
+              <a:off x="8993880" y="3872033"/>
+              <a:ext cx="1055095" cy="499807"/>
+            </a:xfrm>
+            <a:prstGeom prst="straightConnector1">
+              <a:avLst/>
+            </a:prstGeom>
+            <a:ln w="25400">
+              <a:solidFill>
+                <a:schemeClr val="bg1">
+                  <a:lumMod val="95000"/>
+                </a:schemeClr>
+              </a:solidFill>
+              <a:prstDash val="solid"/>
+              <a:headEnd type="none" w="med" len="med"/>
+              <a:tailEnd type="none" w="med" len="med"/>
+            </a:ln>
+          </p:spPr>
+          <p:style>
+            <a:lnRef idx="1">
+              <a:schemeClr val="accent1"/>
+            </a:lnRef>
+            <a:fillRef idx="0">
+              <a:schemeClr val="accent1"/>
+            </a:fillRef>
+            <a:effectRef idx="0">
+              <a:schemeClr val="accent1"/>
+            </a:effectRef>
+            <a:fontRef idx="minor">
+              <a:schemeClr val="tx1"/>
+            </a:fontRef>
+          </p:style>
+        </p:cxnSp>
+        <p:cxnSp>
+          <p:nvCxnSpPr>
+            <p:cNvPr id="121" name="Straight Arrow Connector 120">
+              <a:extLst>
+                <a:ext uri="{FF2B5EF4-FFF2-40B4-BE49-F238E27FC236}">
+                  <a16:creationId xmlns:a16="http://schemas.microsoft.com/office/drawing/2014/main" id="{B5E75A74-EED4-9541-89E6-A734EEEAAFE5}"/>
+                </a:ext>
+              </a:extLst>
+            </p:cNvPr>
+            <p:cNvCxnSpPr>
+              <a:cxnSpLocks/>
+            </p:cNvCxnSpPr>
+            <p:nvPr/>
+          </p:nvCxnSpPr>
+          <p:spPr>
+            <a:xfrm flipV="1">
+              <a:off x="9006983" y="4378400"/>
+              <a:ext cx="1048399" cy="30793"/>
+            </a:xfrm>
+            <a:prstGeom prst="straightConnector1">
+              <a:avLst/>
+            </a:prstGeom>
+            <a:ln w="25400">
+              <a:solidFill>
+                <a:schemeClr val="bg1">
+                  <a:lumMod val="95000"/>
+                </a:schemeClr>
+              </a:solidFill>
+              <a:prstDash val="solid"/>
+              <a:headEnd type="none" w="med" len="med"/>
+              <a:tailEnd type="none" w="med" len="med"/>
+            </a:ln>
+          </p:spPr>
+          <p:style>
+            <a:lnRef idx="1">
+              <a:schemeClr val="accent1"/>
+            </a:lnRef>
+            <a:fillRef idx="0">
+              <a:schemeClr val="accent1"/>
+            </a:fillRef>
+            <a:effectRef idx="0">
+              <a:schemeClr val="accent1"/>
+            </a:effectRef>
+            <a:fontRef idx="minor">
+              <a:schemeClr val="tx1"/>
+            </a:fontRef>
+          </p:style>
+        </p:cxnSp>
+        <p:cxnSp>
+          <p:nvCxnSpPr>
+            <p:cNvPr id="122" name="Straight Arrow Connector 121">
+              <a:extLst>
+                <a:ext uri="{FF2B5EF4-FFF2-40B4-BE49-F238E27FC236}">
+                  <a16:creationId xmlns:a16="http://schemas.microsoft.com/office/drawing/2014/main" id="{5BC1E916-DA21-F046-8B5E-B9DBC2F78FAC}"/>
+                </a:ext>
+              </a:extLst>
+            </p:cNvPr>
+            <p:cNvCxnSpPr>
+              <a:cxnSpLocks/>
+            </p:cNvCxnSpPr>
+            <p:nvPr/>
+          </p:nvCxnSpPr>
+          <p:spPr>
+            <a:xfrm flipV="1">
+              <a:off x="8993880" y="4365545"/>
+              <a:ext cx="1048687" cy="542484"/>
+            </a:xfrm>
+            <a:prstGeom prst="straightConnector1">
+              <a:avLst/>
+            </a:prstGeom>
+            <a:ln w="25400">
+              <a:solidFill>
+                <a:schemeClr val="bg1">
+                  <a:lumMod val="95000"/>
+                </a:schemeClr>
+              </a:solidFill>
+              <a:prstDash val="solid"/>
+              <a:headEnd type="none" w="med" len="med"/>
+              <a:tailEnd type="none" w="med" len="med"/>
+            </a:ln>
+          </p:spPr>
+          <p:style>
+            <a:lnRef idx="1">
+              <a:schemeClr val="accent1"/>
+            </a:lnRef>
+            <a:fillRef idx="0">
+              <a:schemeClr val="accent1"/>
+            </a:fillRef>
+            <a:effectRef idx="0">
+              <a:schemeClr val="accent1"/>
+            </a:effectRef>
+            <a:fontRef idx="minor">
+              <a:schemeClr val="tx1"/>
+            </a:fontRef>
+          </p:style>
+        </p:cxnSp>
+        <p:cxnSp>
+          <p:nvCxnSpPr>
+            <p:cNvPr id="123" name="Straight Arrow Connector 122">
+              <a:extLst>
+                <a:ext uri="{FF2B5EF4-FFF2-40B4-BE49-F238E27FC236}">
+                  <a16:creationId xmlns:a16="http://schemas.microsoft.com/office/drawing/2014/main" id="{B5AAAE67-F144-4F4D-9F96-AD9DB54197C3}"/>
+                </a:ext>
+              </a:extLst>
+            </p:cNvPr>
+            <p:cNvCxnSpPr>
+              <a:cxnSpLocks/>
+            </p:cNvCxnSpPr>
+            <p:nvPr/>
+          </p:nvCxnSpPr>
+          <p:spPr>
+            <a:xfrm flipV="1">
+              <a:off x="8995925" y="4390031"/>
+              <a:ext cx="1053674" cy="1064538"/>
+            </a:xfrm>
+            <a:prstGeom prst="straightConnector1">
+              <a:avLst/>
+            </a:prstGeom>
+            <a:ln w="25400">
+              <a:solidFill>
+                <a:schemeClr val="bg1">
+                  <a:lumMod val="95000"/>
+                </a:schemeClr>
+              </a:solidFill>
+              <a:prstDash val="solid"/>
+              <a:headEnd type="none" w="med" len="med"/>
+              <a:tailEnd type="none" w="med" len="med"/>
+            </a:ln>
+          </p:spPr>
+          <p:style>
+            <a:lnRef idx="1">
+              <a:schemeClr val="accent1"/>
+            </a:lnRef>
+            <a:fillRef idx="0">
+              <a:schemeClr val="accent1"/>
+            </a:fillRef>
+            <a:effectRef idx="0">
+              <a:schemeClr val="accent1"/>
+            </a:effectRef>
+            <a:fontRef idx="minor">
+              <a:schemeClr val="tx1"/>
+            </a:fontRef>
+          </p:style>
+        </p:cxnSp>
+        <p:cxnSp>
+          <p:nvCxnSpPr>
+            <p:cNvPr id="124" name="Straight Arrow Connector 123">
+              <a:extLst>
+                <a:ext uri="{FF2B5EF4-FFF2-40B4-BE49-F238E27FC236}">
+                  <a16:creationId xmlns:a16="http://schemas.microsoft.com/office/drawing/2014/main" id="{7D8F0800-EA1C-E744-A478-A5549DF2DDC0}"/>
+                </a:ext>
+              </a:extLst>
+            </p:cNvPr>
+            <p:cNvCxnSpPr>
+              <a:cxnSpLocks/>
+            </p:cNvCxnSpPr>
+            <p:nvPr/>
+          </p:nvCxnSpPr>
+          <p:spPr>
+            <a:xfrm>
+              <a:off x="9001718" y="2841412"/>
+              <a:ext cx="1058955" cy="1555180"/>
+            </a:xfrm>
+            <a:prstGeom prst="straightConnector1">
+              <a:avLst/>
+            </a:prstGeom>
+            <a:ln w="25400">
+              <a:solidFill>
+                <a:schemeClr val="bg1">
+                  <a:lumMod val="95000"/>
+                </a:schemeClr>
+              </a:solidFill>
+              <a:prstDash val="solid"/>
+              <a:headEnd type="none" w="med" len="med"/>
+              <a:tailEnd type="none" w="med" len="med"/>
+            </a:ln>
+          </p:spPr>
+          <p:style>
+            <a:lnRef idx="1">
+              <a:schemeClr val="accent1"/>
+            </a:lnRef>
+            <a:fillRef idx="0">
+              <a:schemeClr val="accent1"/>
+            </a:fillRef>
+            <a:effectRef idx="0">
+              <a:schemeClr val="accent1"/>
+            </a:effectRef>
+            <a:fontRef idx="minor">
+              <a:schemeClr val="tx1"/>
+            </a:fontRef>
+          </p:style>
+        </p:cxnSp>
+        <p:cxnSp>
+          <p:nvCxnSpPr>
+            <p:cNvPr id="125" name="Straight Arrow Connector 124">
+              <a:extLst>
+                <a:ext uri="{FF2B5EF4-FFF2-40B4-BE49-F238E27FC236}">
+                  <a16:creationId xmlns:a16="http://schemas.microsoft.com/office/drawing/2014/main" id="{E2256572-04B5-8648-B322-A9C904829109}"/>
+                </a:ext>
+              </a:extLst>
+            </p:cNvPr>
+            <p:cNvCxnSpPr>
+              <a:cxnSpLocks/>
+            </p:cNvCxnSpPr>
+            <p:nvPr/>
+          </p:nvCxnSpPr>
+          <p:spPr>
+            <a:xfrm>
+              <a:off x="8999704" y="2313314"/>
+              <a:ext cx="1072043" cy="2065726"/>
+            </a:xfrm>
+            <a:prstGeom prst="straightConnector1">
+              <a:avLst/>
+            </a:prstGeom>
+            <a:ln w="25400">
+              <a:solidFill>
+                <a:schemeClr val="bg1">
+                  <a:lumMod val="95000"/>
+                </a:schemeClr>
+              </a:solidFill>
+              <a:prstDash val="solid"/>
+              <a:headEnd type="none" w="med" len="med"/>
+              <a:tailEnd type="none" w="med" len="med"/>
+            </a:ln>
+          </p:spPr>
+          <p:style>
+            <a:lnRef idx="1">
+              <a:schemeClr val="accent1"/>
+            </a:lnRef>
+            <a:fillRef idx="0">
+              <a:schemeClr val="accent1"/>
+            </a:fillRef>
+            <a:effectRef idx="0">
+              <a:schemeClr val="accent1"/>
+            </a:effectRef>
+            <a:fontRef idx="minor">
+              <a:schemeClr val="tx1"/>
+            </a:fontRef>
+          </p:style>
+        </p:cxnSp>
+        <p:cxnSp>
+          <p:nvCxnSpPr>
+            <p:cNvPr id="126" name="Straight Arrow Connector 125">
+              <a:extLst>
+                <a:ext uri="{FF2B5EF4-FFF2-40B4-BE49-F238E27FC236}">
+                  <a16:creationId xmlns:a16="http://schemas.microsoft.com/office/drawing/2014/main" id="{31EB77AB-B214-2D46-BB78-BD652F1BDF33}"/>
+                </a:ext>
+              </a:extLst>
+            </p:cNvPr>
+            <p:cNvCxnSpPr>
+              <a:cxnSpLocks/>
+            </p:cNvCxnSpPr>
+            <p:nvPr/>
+          </p:nvCxnSpPr>
+          <p:spPr>
+            <a:xfrm>
+              <a:off x="9004113" y="1790789"/>
+              <a:ext cx="1078708" cy="2597115"/>
+            </a:xfrm>
+            <a:prstGeom prst="straightConnector1">
+              <a:avLst/>
+            </a:prstGeom>
+            <a:ln w="25400">
+              <a:solidFill>
+                <a:schemeClr val="bg1">
+                  <a:lumMod val="95000"/>
+                </a:schemeClr>
+              </a:solidFill>
+              <a:prstDash val="solid"/>
+              <a:headEnd type="none" w="med" len="med"/>
+              <a:tailEnd type="none" w="med" len="med"/>
+            </a:ln>
+          </p:spPr>
+          <p:style>
+            <a:lnRef idx="1">
+              <a:schemeClr val="accent1"/>
+            </a:lnRef>
+            <a:fillRef idx="0">
+              <a:schemeClr val="accent1"/>
+            </a:fillRef>
+            <a:effectRef idx="0">
+              <a:schemeClr val="accent1"/>
+            </a:effectRef>
+            <a:fontRef idx="minor">
+              <a:schemeClr val="tx1"/>
+            </a:fontRef>
+          </p:style>
+        </p:cxnSp>
+        <p:cxnSp>
+          <p:nvCxnSpPr>
+            <p:cNvPr id="111" name="Straight Arrow Connector 110">
+              <a:extLst>
+                <a:ext uri="{FF2B5EF4-FFF2-40B4-BE49-F238E27FC236}">
+                  <a16:creationId xmlns:a16="http://schemas.microsoft.com/office/drawing/2014/main" id="{E16CD61E-CFA7-D749-863C-A19927A29EFD}"/>
+                </a:ext>
+              </a:extLst>
+            </p:cNvPr>
+            <p:cNvCxnSpPr>
+              <a:cxnSpLocks/>
+            </p:cNvCxnSpPr>
+            <p:nvPr/>
+          </p:nvCxnSpPr>
+          <p:spPr>
+            <a:xfrm>
+              <a:off x="8986819" y="2852433"/>
+              <a:ext cx="1110248" cy="1010288"/>
+            </a:xfrm>
+            <a:prstGeom prst="straightConnector1">
+              <a:avLst/>
+            </a:prstGeom>
+            <a:ln w="25400">
+              <a:solidFill>
+                <a:schemeClr val="accent1">
+                  <a:lumMod val="20000"/>
+                  <a:lumOff val="80000"/>
+                </a:schemeClr>
+              </a:solidFill>
+              <a:prstDash val="solid"/>
+              <a:headEnd type="none" w="med" len="med"/>
+              <a:tailEnd type="none" w="med" len="med"/>
+            </a:ln>
+          </p:spPr>
+          <p:style>
+            <a:lnRef idx="1">
+              <a:schemeClr val="accent1"/>
+            </a:lnRef>
+            <a:fillRef idx="0">
+              <a:schemeClr val="accent1"/>
+            </a:fillRef>
+            <a:effectRef idx="0">
+              <a:schemeClr val="accent1"/>
+            </a:effectRef>
+            <a:fontRef idx="minor">
+              <a:schemeClr val="tx1"/>
+            </a:fontRef>
+          </p:style>
+        </p:cxnSp>
+        <p:cxnSp>
+          <p:nvCxnSpPr>
+            <p:cNvPr id="112" name="Straight Arrow Connector 111">
+              <a:extLst>
+                <a:ext uri="{FF2B5EF4-FFF2-40B4-BE49-F238E27FC236}">
+                  <a16:creationId xmlns:a16="http://schemas.microsoft.com/office/drawing/2014/main" id="{FD681828-8B63-7046-A8A7-8CB7B954E86B}"/>
+                </a:ext>
+              </a:extLst>
+            </p:cNvPr>
+            <p:cNvCxnSpPr>
+              <a:cxnSpLocks/>
+            </p:cNvCxnSpPr>
+            <p:nvPr/>
+          </p:nvCxnSpPr>
+          <p:spPr>
+            <a:xfrm>
+              <a:off x="8997893" y="3316574"/>
+              <a:ext cx="1048687" cy="523471"/>
+            </a:xfrm>
+            <a:prstGeom prst="straightConnector1">
+              <a:avLst/>
+            </a:prstGeom>
+            <a:ln w="25400">
+              <a:solidFill>
+                <a:schemeClr val="accent1">
+                  <a:lumMod val="20000"/>
+                  <a:lumOff val="80000"/>
+                </a:schemeClr>
+              </a:solidFill>
+              <a:prstDash val="solid"/>
+              <a:headEnd type="none" w="med" len="med"/>
+              <a:tailEnd type="none" w="med" len="med"/>
+            </a:ln>
+          </p:spPr>
+          <p:style>
+            <a:lnRef idx="1">
+              <a:schemeClr val="accent1"/>
+            </a:lnRef>
+            <a:fillRef idx="0">
+              <a:schemeClr val="accent1"/>
+            </a:fillRef>
+            <a:effectRef idx="0">
+              <a:schemeClr val="accent1"/>
+            </a:effectRef>
+            <a:fontRef idx="minor">
+              <a:schemeClr val="tx1"/>
+            </a:fontRef>
+          </p:style>
+        </p:cxnSp>
+        <p:cxnSp>
+          <p:nvCxnSpPr>
+            <p:cNvPr id="113" name="Straight Arrow Connector 112">
+              <a:extLst>
+                <a:ext uri="{FF2B5EF4-FFF2-40B4-BE49-F238E27FC236}">
+                  <a16:creationId xmlns:a16="http://schemas.microsoft.com/office/drawing/2014/main" id="{EE3E2CEF-B36A-FA4E-AEFB-02F0BCE1050F}"/>
+                </a:ext>
+              </a:extLst>
+            </p:cNvPr>
+            <p:cNvCxnSpPr>
+              <a:cxnSpLocks/>
+            </p:cNvCxnSpPr>
+            <p:nvPr/>
+          </p:nvCxnSpPr>
+          <p:spPr>
+            <a:xfrm flipV="1">
+              <a:off x="8990868" y="3841132"/>
+              <a:ext cx="1055712" cy="4038"/>
+            </a:xfrm>
+            <a:prstGeom prst="straightConnector1">
+              <a:avLst/>
+            </a:prstGeom>
+            <a:ln w="25400">
+              <a:solidFill>
+                <a:schemeClr val="accent1">
+                  <a:lumMod val="20000"/>
+                  <a:lumOff val="80000"/>
+                </a:schemeClr>
+              </a:solidFill>
+              <a:prstDash val="solid"/>
+              <a:headEnd type="none" w="med" len="med"/>
+              <a:tailEnd type="none" w="med" len="med"/>
+            </a:ln>
+          </p:spPr>
+          <p:style>
+            <a:lnRef idx="1">
+              <a:schemeClr val="accent1"/>
+            </a:lnRef>
+            <a:fillRef idx="0">
+              <a:schemeClr val="accent1"/>
+            </a:fillRef>
+            <a:effectRef idx="0">
+              <a:schemeClr val="accent1"/>
+            </a:effectRef>
+            <a:fontRef idx="minor">
+              <a:schemeClr val="tx1"/>
+            </a:fontRef>
+          </p:style>
+        </p:cxnSp>
+        <p:cxnSp>
+          <p:nvCxnSpPr>
+            <p:cNvPr id="114" name="Straight Arrow Connector 113">
+              <a:extLst>
+                <a:ext uri="{FF2B5EF4-FFF2-40B4-BE49-F238E27FC236}">
+                  <a16:creationId xmlns:a16="http://schemas.microsoft.com/office/drawing/2014/main" id="{45CEDEE5-43EF-1A49-A25D-9F7FCA56D56A}"/>
+                </a:ext>
+              </a:extLst>
+            </p:cNvPr>
+            <p:cNvCxnSpPr>
+              <a:cxnSpLocks/>
+            </p:cNvCxnSpPr>
+            <p:nvPr/>
+          </p:nvCxnSpPr>
+          <p:spPr>
+            <a:xfrm flipV="1">
+              <a:off x="8997893" y="3834572"/>
+              <a:ext cx="1048687" cy="517998"/>
+            </a:xfrm>
+            <a:prstGeom prst="straightConnector1">
+              <a:avLst/>
+            </a:prstGeom>
+            <a:ln w="25400">
+              <a:solidFill>
+                <a:schemeClr val="accent1">
+                  <a:lumMod val="20000"/>
+                  <a:lumOff val="80000"/>
+                </a:schemeClr>
+              </a:solidFill>
+              <a:prstDash val="solid"/>
+              <a:headEnd type="none" w="med" len="med"/>
+              <a:tailEnd type="none" w="med" len="med"/>
+            </a:ln>
+          </p:spPr>
+          <p:style>
+            <a:lnRef idx="1">
+              <a:schemeClr val="accent1"/>
+            </a:lnRef>
+            <a:fillRef idx="0">
+              <a:schemeClr val="accent1"/>
+            </a:fillRef>
+            <a:effectRef idx="0">
+              <a:schemeClr val="accent1"/>
+            </a:effectRef>
+            <a:fontRef idx="minor">
+              <a:schemeClr val="tx1"/>
+            </a:fontRef>
+          </p:style>
+        </p:cxnSp>
+        <p:cxnSp>
+          <p:nvCxnSpPr>
+            <p:cNvPr id="115" name="Straight Arrow Connector 114">
+              <a:extLst>
+                <a:ext uri="{FF2B5EF4-FFF2-40B4-BE49-F238E27FC236}">
+                  <a16:creationId xmlns:a16="http://schemas.microsoft.com/office/drawing/2014/main" id="{519A99C6-B80F-2F4E-B46E-0D94169A9685}"/>
+                </a:ext>
+              </a:extLst>
+            </p:cNvPr>
+            <p:cNvCxnSpPr>
+              <a:cxnSpLocks/>
+            </p:cNvCxnSpPr>
+            <p:nvPr/>
+          </p:nvCxnSpPr>
+          <p:spPr>
+            <a:xfrm flipV="1">
+              <a:off x="8999938" y="3834572"/>
+              <a:ext cx="1053674" cy="1064538"/>
+            </a:xfrm>
+            <a:prstGeom prst="straightConnector1">
+              <a:avLst/>
+            </a:prstGeom>
+            <a:ln w="25400">
+              <a:solidFill>
+                <a:schemeClr val="accent1">
+                  <a:lumMod val="20000"/>
+                  <a:lumOff val="80000"/>
+                </a:schemeClr>
+              </a:solidFill>
+              <a:prstDash val="solid"/>
+              <a:headEnd type="none" w="med" len="med"/>
+              <a:tailEnd type="none" w="med" len="med"/>
+            </a:ln>
+          </p:spPr>
+          <p:style>
+            <a:lnRef idx="1">
+              <a:schemeClr val="accent1"/>
+            </a:lnRef>
+            <a:fillRef idx="0">
+              <a:schemeClr val="accent1"/>
+            </a:fillRef>
+            <a:effectRef idx="0">
+              <a:schemeClr val="accent1"/>
+            </a:effectRef>
+            <a:fontRef idx="minor">
+              <a:schemeClr val="tx1"/>
+            </a:fontRef>
+          </p:style>
+        </p:cxnSp>
+        <p:cxnSp>
+          <p:nvCxnSpPr>
+            <p:cNvPr id="116" name="Straight Arrow Connector 115">
+              <a:extLst>
+                <a:ext uri="{FF2B5EF4-FFF2-40B4-BE49-F238E27FC236}">
+                  <a16:creationId xmlns:a16="http://schemas.microsoft.com/office/drawing/2014/main" id="{E6A39352-4B0A-9B41-8FC5-D03ECD1B949D}"/>
+                </a:ext>
+              </a:extLst>
+            </p:cNvPr>
+            <p:cNvCxnSpPr>
+              <a:cxnSpLocks/>
+            </p:cNvCxnSpPr>
+            <p:nvPr/>
+          </p:nvCxnSpPr>
+          <p:spPr>
+            <a:xfrm flipV="1">
+              <a:off x="8988333" y="3841132"/>
+              <a:ext cx="1076353" cy="1589621"/>
+            </a:xfrm>
+            <a:prstGeom prst="straightConnector1">
+              <a:avLst/>
+            </a:prstGeom>
+            <a:ln w="25400">
+              <a:solidFill>
+                <a:schemeClr val="accent1">
+                  <a:lumMod val="20000"/>
+                  <a:lumOff val="80000"/>
+                </a:schemeClr>
+              </a:solidFill>
+              <a:prstDash val="solid"/>
+              <a:headEnd type="none" w="med" len="med"/>
+              <a:tailEnd type="none" w="med" len="med"/>
+            </a:ln>
+          </p:spPr>
+          <p:style>
+            <a:lnRef idx="1">
+              <a:schemeClr val="accent1"/>
+            </a:lnRef>
+            <a:fillRef idx="0">
+              <a:schemeClr val="accent1"/>
+            </a:fillRef>
+            <a:effectRef idx="0">
+              <a:schemeClr val="accent1"/>
+            </a:effectRef>
+            <a:fontRef idx="minor">
+              <a:schemeClr val="tx1"/>
+            </a:fontRef>
+          </p:style>
+        </p:cxnSp>
+        <p:cxnSp>
+          <p:nvCxnSpPr>
+            <p:cNvPr id="117" name="Straight Arrow Connector 116">
+              <a:extLst>
+                <a:ext uri="{FF2B5EF4-FFF2-40B4-BE49-F238E27FC236}">
+                  <a16:creationId xmlns:a16="http://schemas.microsoft.com/office/drawing/2014/main" id="{316CAEC3-4FFF-B44B-BA5E-DFCAC10F21A1}"/>
+                </a:ext>
+              </a:extLst>
+            </p:cNvPr>
+            <p:cNvCxnSpPr>
+              <a:cxnSpLocks/>
+            </p:cNvCxnSpPr>
+            <p:nvPr/>
+          </p:nvCxnSpPr>
+          <p:spPr>
+            <a:xfrm>
+              <a:off x="8999709" y="2304712"/>
+              <a:ext cx="1076051" cy="1518869"/>
+            </a:xfrm>
+            <a:prstGeom prst="straightConnector1">
+              <a:avLst/>
+            </a:prstGeom>
+            <a:ln w="25400">
+              <a:solidFill>
+                <a:schemeClr val="accent1">
+                  <a:lumMod val="20000"/>
+                  <a:lumOff val="80000"/>
+                </a:schemeClr>
+              </a:solidFill>
+              <a:prstDash val="solid"/>
+              <a:headEnd type="none" w="med" len="med"/>
+              <a:tailEnd type="none" w="med" len="med"/>
+            </a:ln>
+          </p:spPr>
+          <p:style>
+            <a:lnRef idx="1">
+              <a:schemeClr val="accent1"/>
+            </a:lnRef>
+            <a:fillRef idx="0">
+              <a:schemeClr val="accent1"/>
+            </a:fillRef>
+            <a:effectRef idx="0">
+              <a:schemeClr val="accent1"/>
+            </a:effectRef>
+            <a:fontRef idx="minor">
+              <a:schemeClr val="tx1"/>
+            </a:fontRef>
+          </p:style>
+        </p:cxnSp>
+        <p:cxnSp>
+          <p:nvCxnSpPr>
+            <p:cNvPr id="118" name="Straight Arrow Connector 117">
+              <a:extLst>
+                <a:ext uri="{FF2B5EF4-FFF2-40B4-BE49-F238E27FC236}">
+                  <a16:creationId xmlns:a16="http://schemas.microsoft.com/office/drawing/2014/main" id="{0DCE3A37-9A83-A044-8F02-C631FDC3CE0E}"/>
+                </a:ext>
+              </a:extLst>
+            </p:cNvPr>
+            <p:cNvCxnSpPr>
+              <a:cxnSpLocks/>
+            </p:cNvCxnSpPr>
+            <p:nvPr/>
+          </p:nvCxnSpPr>
+          <p:spPr>
+            <a:xfrm>
+              <a:off x="8995889" y="1829655"/>
+              <a:ext cx="1090945" cy="2002790"/>
+            </a:xfrm>
+            <a:prstGeom prst="straightConnector1">
+              <a:avLst/>
+            </a:prstGeom>
+            <a:ln w="25400">
+              <a:solidFill>
+                <a:schemeClr val="accent1">
+                  <a:lumMod val="20000"/>
+                  <a:lumOff val="80000"/>
+                </a:schemeClr>
+              </a:solidFill>
+              <a:prstDash val="solid"/>
+              <a:headEnd type="none" w="med" len="med"/>
+              <a:tailEnd type="none" w="med" len="med"/>
+            </a:ln>
+          </p:spPr>
+          <p:style>
+            <a:lnRef idx="1">
+              <a:schemeClr val="accent1"/>
+            </a:lnRef>
+            <a:fillRef idx="0">
+              <a:schemeClr val="accent1"/>
+            </a:fillRef>
+            <a:effectRef idx="0">
+              <a:schemeClr val="accent1"/>
+            </a:effectRef>
+            <a:fontRef idx="minor">
+              <a:schemeClr val="tx1"/>
+            </a:fontRef>
+          </p:style>
+        </p:cxnSp>
+        <p:cxnSp>
+          <p:nvCxnSpPr>
+            <p:cNvPr id="103" name="Straight Arrow Connector 102">
+              <a:extLst>
+                <a:ext uri="{FF2B5EF4-FFF2-40B4-BE49-F238E27FC236}">
+                  <a16:creationId xmlns:a16="http://schemas.microsoft.com/office/drawing/2014/main" id="{E017AFB3-DECC-7B46-8C45-AA297685389E}"/>
+                </a:ext>
+              </a:extLst>
+            </p:cNvPr>
+            <p:cNvCxnSpPr>
+              <a:cxnSpLocks/>
+            </p:cNvCxnSpPr>
+            <p:nvPr/>
+          </p:nvCxnSpPr>
+          <p:spPr>
+            <a:xfrm>
+              <a:off x="9004118" y="2308750"/>
+              <a:ext cx="1090945" cy="1070703"/>
+            </a:xfrm>
+            <a:prstGeom prst="straightConnector1">
+              <a:avLst/>
+            </a:prstGeom>
+            <a:ln w="25400">
+              <a:solidFill>
+                <a:schemeClr val="accent1">
+                  <a:lumMod val="40000"/>
+                  <a:lumOff val="60000"/>
+                </a:schemeClr>
+              </a:solidFill>
+              <a:prstDash val="solid"/>
+              <a:headEnd type="none" w="med" len="med"/>
+              <a:tailEnd type="none" w="med" len="med"/>
+            </a:ln>
+          </p:spPr>
+          <p:style>
+            <a:lnRef idx="1">
+              <a:schemeClr val="accent1"/>
+            </a:lnRef>
+            <a:fillRef idx="0">
+              <a:schemeClr val="accent1"/>
+            </a:fillRef>
+            <a:effectRef idx="0">
+              <a:schemeClr val="accent1"/>
+            </a:effectRef>
+            <a:fontRef idx="minor">
+              <a:schemeClr val="tx1"/>
+            </a:fontRef>
+          </p:style>
+        </p:cxnSp>
+        <p:cxnSp>
+          <p:nvCxnSpPr>
+            <p:cNvPr id="104" name="Straight Arrow Connector 103">
+              <a:extLst>
+                <a:ext uri="{FF2B5EF4-FFF2-40B4-BE49-F238E27FC236}">
+                  <a16:creationId xmlns:a16="http://schemas.microsoft.com/office/drawing/2014/main" id="{D4553D1C-4F97-FE4C-95D0-106BEA92C191}"/>
+                </a:ext>
+              </a:extLst>
+            </p:cNvPr>
+            <p:cNvCxnSpPr>
+              <a:cxnSpLocks/>
+            </p:cNvCxnSpPr>
+            <p:nvPr/>
+          </p:nvCxnSpPr>
+          <p:spPr>
+            <a:xfrm>
+              <a:off x="8995889" y="2833306"/>
+              <a:ext cx="1048687" cy="523471"/>
+            </a:xfrm>
+            <a:prstGeom prst="straightConnector1">
+              <a:avLst/>
+            </a:prstGeom>
+            <a:ln w="25400">
+              <a:solidFill>
+                <a:schemeClr val="accent1">
+                  <a:lumMod val="40000"/>
+                  <a:lumOff val="60000"/>
+                </a:schemeClr>
+              </a:solidFill>
+              <a:prstDash val="solid"/>
+              <a:headEnd type="none" w="med" len="med"/>
+              <a:tailEnd type="none" w="med" len="med"/>
+            </a:ln>
+          </p:spPr>
+          <p:style>
+            <a:lnRef idx="1">
+              <a:schemeClr val="accent1"/>
+            </a:lnRef>
+            <a:fillRef idx="0">
+              <a:schemeClr val="accent1"/>
+            </a:fillRef>
+            <a:effectRef idx="0">
+              <a:schemeClr val="accent1"/>
+            </a:effectRef>
+            <a:fontRef idx="minor">
+              <a:schemeClr val="tx1"/>
+            </a:fontRef>
+          </p:style>
+        </p:cxnSp>
+        <p:cxnSp>
+          <p:nvCxnSpPr>
+            <p:cNvPr id="105" name="Straight Arrow Connector 104">
+              <a:extLst>
+                <a:ext uri="{FF2B5EF4-FFF2-40B4-BE49-F238E27FC236}">
+                  <a16:creationId xmlns:a16="http://schemas.microsoft.com/office/drawing/2014/main" id="{671FBBC8-B2ED-174A-9A16-F7FAFCED654A}"/>
+                </a:ext>
+              </a:extLst>
+            </p:cNvPr>
+            <p:cNvCxnSpPr>
+              <a:cxnSpLocks/>
+            </p:cNvCxnSpPr>
+            <p:nvPr/>
+          </p:nvCxnSpPr>
+          <p:spPr>
+            <a:xfrm>
+              <a:off x="8995889" y="3344745"/>
+              <a:ext cx="1048687" cy="13119"/>
+            </a:xfrm>
+            <a:prstGeom prst="straightConnector1">
+              <a:avLst/>
+            </a:prstGeom>
+            <a:ln w="25400">
+              <a:solidFill>
+                <a:schemeClr val="accent1">
+                  <a:lumMod val="40000"/>
+                  <a:lumOff val="60000"/>
+                </a:schemeClr>
+              </a:solidFill>
+              <a:prstDash val="solid"/>
+              <a:headEnd type="none" w="med" len="med"/>
+              <a:tailEnd type="none" w="med" len="med"/>
+            </a:ln>
+          </p:spPr>
+          <p:style>
+            <a:lnRef idx="1">
+              <a:schemeClr val="accent1"/>
+            </a:lnRef>
+            <a:fillRef idx="0">
+              <a:schemeClr val="accent1"/>
+            </a:fillRef>
+            <a:effectRef idx="0">
+              <a:schemeClr val="accent1"/>
+            </a:effectRef>
+            <a:fontRef idx="minor">
+              <a:schemeClr val="tx1"/>
+            </a:fontRef>
+          </p:style>
+        </p:cxnSp>
+        <p:cxnSp>
+          <p:nvCxnSpPr>
+            <p:cNvPr id="106" name="Straight Arrow Connector 105">
+              <a:extLst>
+                <a:ext uri="{FF2B5EF4-FFF2-40B4-BE49-F238E27FC236}">
+                  <a16:creationId xmlns:a16="http://schemas.microsoft.com/office/drawing/2014/main" id="{BC3AF142-D194-CC4F-B27E-9C2CD2491B6B}"/>
+                </a:ext>
+              </a:extLst>
+            </p:cNvPr>
+            <p:cNvCxnSpPr>
+              <a:cxnSpLocks/>
+            </p:cNvCxnSpPr>
+            <p:nvPr/>
+          </p:nvCxnSpPr>
+          <p:spPr>
+            <a:xfrm flipV="1">
+              <a:off x="8995889" y="3351304"/>
+              <a:ext cx="1048687" cy="517998"/>
+            </a:xfrm>
+            <a:prstGeom prst="straightConnector1">
+              <a:avLst/>
+            </a:prstGeom>
+            <a:ln w="25400">
+              <a:solidFill>
+                <a:schemeClr val="accent1">
+                  <a:lumMod val="40000"/>
+                  <a:lumOff val="60000"/>
+                </a:schemeClr>
+              </a:solidFill>
+              <a:prstDash val="solid"/>
+              <a:headEnd type="none" w="med" len="med"/>
+              <a:tailEnd type="none" w="med" len="med"/>
+            </a:ln>
+          </p:spPr>
+          <p:style>
+            <a:lnRef idx="1">
+              <a:schemeClr val="accent1"/>
+            </a:lnRef>
+            <a:fillRef idx="0">
+              <a:schemeClr val="accent1"/>
+            </a:fillRef>
+            <a:effectRef idx="0">
+              <a:schemeClr val="accent1"/>
+            </a:effectRef>
+            <a:fontRef idx="minor">
+              <a:schemeClr val="tx1"/>
+            </a:fontRef>
+          </p:style>
+        </p:cxnSp>
+        <p:cxnSp>
+          <p:nvCxnSpPr>
+            <p:cNvPr id="107" name="Straight Arrow Connector 106">
+              <a:extLst>
+                <a:ext uri="{FF2B5EF4-FFF2-40B4-BE49-F238E27FC236}">
+                  <a16:creationId xmlns:a16="http://schemas.microsoft.com/office/drawing/2014/main" id="{AEF9CF37-1BAA-D043-94E0-13674232AE98}"/>
+                </a:ext>
+              </a:extLst>
+            </p:cNvPr>
+            <p:cNvCxnSpPr>
+              <a:cxnSpLocks/>
+            </p:cNvCxnSpPr>
+            <p:nvPr/>
+          </p:nvCxnSpPr>
+          <p:spPr>
+            <a:xfrm flipV="1">
+              <a:off x="8997934" y="3351304"/>
+              <a:ext cx="1053674" cy="1064538"/>
+            </a:xfrm>
+            <a:prstGeom prst="straightConnector1">
+              <a:avLst/>
+            </a:prstGeom>
+            <a:ln w="25400">
+              <a:solidFill>
+                <a:schemeClr val="accent1">
+                  <a:lumMod val="40000"/>
+                  <a:lumOff val="60000"/>
+                </a:schemeClr>
+              </a:solidFill>
+              <a:prstDash val="solid"/>
+              <a:headEnd type="none" w="med" len="med"/>
+              <a:tailEnd type="none" w="med" len="med"/>
+            </a:ln>
+          </p:spPr>
+          <p:style>
+            <a:lnRef idx="1">
+              <a:schemeClr val="accent1"/>
+            </a:lnRef>
+            <a:fillRef idx="0">
+              <a:schemeClr val="accent1"/>
+            </a:fillRef>
+            <a:effectRef idx="0">
+              <a:schemeClr val="accent1"/>
+            </a:effectRef>
+            <a:fontRef idx="minor">
+              <a:schemeClr val="tx1"/>
+            </a:fontRef>
+          </p:style>
+        </p:cxnSp>
+        <p:cxnSp>
+          <p:nvCxnSpPr>
+            <p:cNvPr id="108" name="Straight Arrow Connector 107">
+              <a:extLst>
+                <a:ext uri="{FF2B5EF4-FFF2-40B4-BE49-F238E27FC236}">
+                  <a16:creationId xmlns:a16="http://schemas.microsoft.com/office/drawing/2014/main" id="{DCA2D79B-4D5C-9148-B36B-DBBB7D79DD69}"/>
+                </a:ext>
+              </a:extLst>
+            </p:cNvPr>
+            <p:cNvCxnSpPr>
+              <a:cxnSpLocks/>
+            </p:cNvCxnSpPr>
+            <p:nvPr/>
+          </p:nvCxnSpPr>
+          <p:spPr>
+            <a:xfrm flipV="1">
+              <a:off x="8986329" y="3357864"/>
+              <a:ext cx="1076353" cy="1589621"/>
+            </a:xfrm>
+            <a:prstGeom prst="straightConnector1">
+              <a:avLst/>
+            </a:prstGeom>
+            <a:ln w="25400">
+              <a:solidFill>
+                <a:schemeClr val="accent1">
+                  <a:lumMod val="40000"/>
+                  <a:lumOff val="60000"/>
+                </a:schemeClr>
+              </a:solidFill>
+              <a:prstDash val="solid"/>
+              <a:headEnd type="none" w="med" len="med"/>
+              <a:tailEnd type="none" w="med" len="med"/>
+            </a:ln>
+          </p:spPr>
+          <p:style>
+            <a:lnRef idx="1">
+              <a:schemeClr val="accent1"/>
+            </a:lnRef>
+            <a:fillRef idx="0">
+              <a:schemeClr val="accent1"/>
+            </a:fillRef>
+            <a:effectRef idx="0">
+              <a:schemeClr val="accent1"/>
+            </a:effectRef>
+            <a:fontRef idx="minor">
+              <a:schemeClr val="tx1"/>
+            </a:fontRef>
+          </p:style>
+        </p:cxnSp>
+        <p:cxnSp>
+          <p:nvCxnSpPr>
+            <p:cNvPr id="109" name="Straight Arrow Connector 108">
+              <a:extLst>
+                <a:ext uri="{FF2B5EF4-FFF2-40B4-BE49-F238E27FC236}">
+                  <a16:creationId xmlns:a16="http://schemas.microsoft.com/office/drawing/2014/main" id="{F6A87741-F01D-9B42-8AC1-AAC4016DEC45}"/>
+                </a:ext>
+              </a:extLst>
+            </p:cNvPr>
+            <p:cNvCxnSpPr>
+              <a:cxnSpLocks/>
+            </p:cNvCxnSpPr>
+            <p:nvPr/>
+          </p:nvCxnSpPr>
+          <p:spPr>
+            <a:xfrm flipV="1">
+              <a:off x="8982056" y="3340313"/>
+              <a:ext cx="1091700" cy="2131730"/>
+            </a:xfrm>
+            <a:prstGeom prst="straightConnector1">
+              <a:avLst/>
+            </a:prstGeom>
+            <a:ln w="25400">
+              <a:solidFill>
+                <a:schemeClr val="accent1">
+                  <a:lumMod val="40000"/>
+                  <a:lumOff val="60000"/>
+                </a:schemeClr>
+              </a:solidFill>
+              <a:prstDash val="solid"/>
+              <a:headEnd type="none" w="med" len="med"/>
+              <a:tailEnd type="none" w="med" len="med"/>
+            </a:ln>
+          </p:spPr>
+          <p:style>
+            <a:lnRef idx="1">
+              <a:schemeClr val="accent1"/>
+            </a:lnRef>
+            <a:fillRef idx="0">
+              <a:schemeClr val="accent1"/>
+            </a:fillRef>
+            <a:effectRef idx="0">
+              <a:schemeClr val="accent1"/>
+            </a:effectRef>
+            <a:fontRef idx="minor">
+              <a:schemeClr val="tx1"/>
+            </a:fontRef>
+          </p:style>
+        </p:cxnSp>
+        <p:cxnSp>
+          <p:nvCxnSpPr>
+            <p:cNvPr id="110" name="Straight Arrow Connector 109">
+              <a:extLst>
+                <a:ext uri="{FF2B5EF4-FFF2-40B4-BE49-F238E27FC236}">
+                  <a16:creationId xmlns:a16="http://schemas.microsoft.com/office/drawing/2014/main" id="{FE3853B2-FF56-844D-8864-6B93D2406965}"/>
+                </a:ext>
+              </a:extLst>
+            </p:cNvPr>
+            <p:cNvCxnSpPr>
+              <a:cxnSpLocks/>
+            </p:cNvCxnSpPr>
+            <p:nvPr/>
+          </p:nvCxnSpPr>
+          <p:spPr>
+            <a:xfrm>
+              <a:off x="9006983" y="1804508"/>
+              <a:ext cx="1077847" cy="1544669"/>
+            </a:xfrm>
+            <a:prstGeom prst="straightConnector1">
+              <a:avLst/>
+            </a:prstGeom>
+            <a:ln w="25400">
+              <a:solidFill>
+                <a:schemeClr val="accent1">
+                  <a:lumMod val="40000"/>
+                  <a:lumOff val="60000"/>
+                </a:schemeClr>
+              </a:solidFill>
+              <a:prstDash val="solid"/>
+              <a:headEnd type="none" w="med" len="med"/>
+              <a:tailEnd type="none" w="med" len="med"/>
+            </a:ln>
+          </p:spPr>
+          <p:style>
+            <a:lnRef idx="1">
+              <a:schemeClr val="accent1"/>
+            </a:lnRef>
+            <a:fillRef idx="0">
+              <a:schemeClr val="accent1"/>
+            </a:fillRef>
+            <a:effectRef idx="0">
+              <a:schemeClr val="accent1"/>
+            </a:effectRef>
+            <a:fontRef idx="minor">
+              <a:schemeClr val="tx1"/>
+            </a:fontRef>
+          </p:style>
+        </p:cxnSp>
+        <p:sp>
+          <p:nvSpPr>
+            <p:cNvPr id="28" name="Rectangle 27">
+              <a:extLst>
+                <a:ext uri="{FF2B5EF4-FFF2-40B4-BE49-F238E27FC236}">
+                  <a16:creationId xmlns:a16="http://schemas.microsoft.com/office/drawing/2014/main" id="{6DDBE5E7-2776-3A45-8F1D-8CA5E081B373}"/>
+                </a:ext>
+              </a:extLst>
+            </p:cNvPr>
+            <p:cNvSpPr/>
+            <p:nvPr/>
+          </p:nvSpPr>
+          <p:spPr>
+            <a:xfrm>
+              <a:off x="10077712" y="2544897"/>
+              <a:ext cx="692030" cy="2078854"/>
+            </a:xfrm>
+            <a:prstGeom prst="rect">
+              <a:avLst/>
+            </a:prstGeom>
+            <a:solidFill>
+              <a:schemeClr val="accent1">
+                <a:lumMod val="20000"/>
+                <a:lumOff val="80000"/>
+              </a:schemeClr>
+            </a:solidFill>
+          </p:spPr>
+          <p:style>
+            <a:lnRef idx="2">
+              <a:schemeClr val="accent1">
+                <a:shade val="50000"/>
+              </a:schemeClr>
+            </a:lnRef>
+            <a:fillRef idx="1">
+              <a:schemeClr val="accent1"/>
+            </a:fillRef>
+            <a:effectRef idx="0">
+              <a:schemeClr val="accent1"/>
+            </a:effectRef>
+            <a:fontRef idx="minor">
+              <a:schemeClr val="lt1"/>
+            </a:fontRef>
+          </p:style>
+          <p:txBody>
+            <a:bodyPr rtlCol="0" anchor="ctr"/>
+            <a:lstStyle/>
+            <a:p>
+              <a:pPr algn="ctr"/>
+              <a:endParaRPr lang="en-IT" dirty="0"/>
+            </a:p>
+          </p:txBody>
+        </p:sp>
+        <p:sp>
+          <p:nvSpPr>
+            <p:cNvPr id="27" name="Rectangle 26">
+              <a:extLst>
+                <a:ext uri="{FF2B5EF4-FFF2-40B4-BE49-F238E27FC236}">
+                  <a16:creationId xmlns:a16="http://schemas.microsoft.com/office/drawing/2014/main" id="{968B7F4A-971A-394E-BE28-8182E76A63E9}"/>
+                </a:ext>
+              </a:extLst>
+            </p:cNvPr>
+            <p:cNvSpPr/>
+            <p:nvPr/>
+          </p:nvSpPr>
+          <p:spPr>
+            <a:xfrm>
+              <a:off x="1454228" y="1399142"/>
+              <a:ext cx="716096" cy="4406747"/>
+            </a:xfrm>
+            <a:prstGeom prst="rect">
+              <a:avLst/>
+            </a:prstGeom>
+            <a:solidFill>
+              <a:schemeClr val="accent1">
+                <a:lumMod val="20000"/>
+                <a:lumOff val="80000"/>
+              </a:schemeClr>
+            </a:solidFill>
+          </p:spPr>
+          <p:style>
+            <a:lnRef idx="2">
+              <a:schemeClr val="accent1">
+                <a:shade val="50000"/>
+              </a:schemeClr>
+            </a:lnRef>
+            <a:fillRef idx="1">
+              <a:schemeClr val="accent1"/>
+            </a:fillRef>
+            <a:effectRef idx="0">
+              <a:schemeClr val="accent1"/>
+            </a:effectRef>
+            <a:fontRef idx="minor">
+              <a:schemeClr val="lt1"/>
+            </a:fontRef>
+          </p:style>
+          <p:txBody>
+            <a:bodyPr rtlCol="0" anchor="ctr"/>
+            <a:lstStyle/>
+            <a:p>
+              <a:pPr algn="ctr"/>
+              <a:endParaRPr lang="en-IT" dirty="0"/>
+            </a:p>
+          </p:txBody>
+        </p:sp>
+        <p:sp>
+          <p:nvSpPr>
+            <p:cNvPr id="9" name="Oval 8">
+              <a:extLst>
+                <a:ext uri="{FF2B5EF4-FFF2-40B4-BE49-F238E27FC236}">
+                  <a16:creationId xmlns:a16="http://schemas.microsoft.com/office/drawing/2014/main" id="{EDFF87DE-9AEF-304E-A4D0-67F7E5EFCA42}"/>
+                </a:ext>
+              </a:extLst>
+            </p:cNvPr>
+            <p:cNvSpPr/>
+            <p:nvPr/>
+          </p:nvSpPr>
+          <p:spPr>
+            <a:xfrm>
+              <a:off x="1634192" y="1603899"/>
+              <a:ext cx="338203" cy="335071"/>
+            </a:xfrm>
+            <a:prstGeom prst="ellipse">
+              <a:avLst/>
+            </a:prstGeom>
+          </p:spPr>
+          <p:style>
+            <a:lnRef idx="2">
+              <a:schemeClr val="accent1">
+                <a:shade val="50000"/>
+              </a:schemeClr>
+            </a:lnRef>
+            <a:fillRef idx="1">
+              <a:schemeClr val="accent1"/>
+            </a:fillRef>
+            <a:effectRef idx="0">
+              <a:schemeClr val="accent1"/>
+            </a:effectRef>
+            <a:fontRef idx="minor">
+              <a:schemeClr val="lt1"/>
+            </a:fontRef>
+          </p:style>
+          <p:txBody>
+            <a:bodyPr rtlCol="0" anchor="ctr"/>
+            <a:lstStyle/>
+            <a:p>
+              <a:pPr algn="ctr"/>
+              <a:endParaRPr lang="en-IT" sz="2800"/>
+            </a:p>
+          </p:txBody>
+        </p:sp>
+        <p:sp>
+          <p:nvSpPr>
+            <p:cNvPr id="10" name="Oval 9">
+              <a:extLst>
+                <a:ext uri="{FF2B5EF4-FFF2-40B4-BE49-F238E27FC236}">
+                  <a16:creationId xmlns:a16="http://schemas.microsoft.com/office/drawing/2014/main" id="{962AE24F-A5D5-234A-B035-C0B7DE5B7026}"/>
+                </a:ext>
+              </a:extLst>
+            </p:cNvPr>
+            <p:cNvSpPr/>
+            <p:nvPr/>
+          </p:nvSpPr>
+          <p:spPr>
+            <a:xfrm>
+              <a:off x="1634192" y="2130414"/>
+              <a:ext cx="338203" cy="335071"/>
+            </a:xfrm>
+            <a:prstGeom prst="ellipse">
+              <a:avLst/>
+            </a:prstGeom>
+          </p:spPr>
+          <p:style>
+            <a:lnRef idx="2">
+              <a:schemeClr val="accent1">
+                <a:shade val="50000"/>
+              </a:schemeClr>
+            </a:lnRef>
+            <a:fillRef idx="1">
+              <a:schemeClr val="accent1"/>
+            </a:fillRef>
+            <a:effectRef idx="0">
+              <a:schemeClr val="accent1"/>
+            </a:effectRef>
+            <a:fontRef idx="minor">
+              <a:schemeClr val="lt1"/>
+            </a:fontRef>
+          </p:style>
+          <p:txBody>
+            <a:bodyPr rtlCol="0" anchor="ctr"/>
+            <a:lstStyle/>
+            <a:p>
+              <a:pPr algn="ctr"/>
+              <a:endParaRPr lang="en-IT" sz="2800"/>
+            </a:p>
+          </p:txBody>
+        </p:sp>
+        <p:sp>
+          <p:nvSpPr>
+            <p:cNvPr id="11" name="Oval 10">
+              <a:extLst>
+                <a:ext uri="{FF2B5EF4-FFF2-40B4-BE49-F238E27FC236}">
+                  <a16:creationId xmlns:a16="http://schemas.microsoft.com/office/drawing/2014/main" id="{5E37C590-DEF4-DE47-806C-CCBC8B97E662}"/>
+                </a:ext>
+              </a:extLst>
+            </p:cNvPr>
+            <p:cNvSpPr/>
+            <p:nvPr/>
+          </p:nvSpPr>
+          <p:spPr>
+            <a:xfrm>
+              <a:off x="1638595" y="2656929"/>
+              <a:ext cx="338203" cy="335071"/>
+            </a:xfrm>
+            <a:prstGeom prst="ellipse">
+              <a:avLst/>
+            </a:prstGeom>
+          </p:spPr>
+          <p:style>
+            <a:lnRef idx="2">
+              <a:schemeClr val="accent1">
+                <a:shade val="50000"/>
+              </a:schemeClr>
+            </a:lnRef>
+            <a:fillRef idx="1">
+              <a:schemeClr val="accent1"/>
+            </a:fillRef>
+            <a:effectRef idx="0">
+              <a:schemeClr val="accent1"/>
+            </a:effectRef>
+            <a:fontRef idx="minor">
+              <a:schemeClr val="lt1"/>
+            </a:fontRef>
+          </p:style>
+          <p:txBody>
+            <a:bodyPr rtlCol="0" anchor="ctr"/>
+            <a:lstStyle/>
+            <a:p>
+              <a:pPr algn="ctr"/>
+              <a:endParaRPr lang="en-IT" sz="2800"/>
+            </a:p>
+          </p:txBody>
+        </p:sp>
+        <p:sp>
+          <p:nvSpPr>
+            <p:cNvPr id="12" name="Oval 11">
+              <a:extLst>
+                <a:ext uri="{FF2B5EF4-FFF2-40B4-BE49-F238E27FC236}">
+                  <a16:creationId xmlns:a16="http://schemas.microsoft.com/office/drawing/2014/main" id="{AEC5D8B2-785A-F94E-BD66-40B324981153}"/>
+                </a:ext>
+              </a:extLst>
+            </p:cNvPr>
+            <p:cNvSpPr/>
+            <p:nvPr/>
+          </p:nvSpPr>
+          <p:spPr>
+            <a:xfrm>
+              <a:off x="1638596" y="3168367"/>
+              <a:ext cx="338203" cy="335071"/>
+            </a:xfrm>
+            <a:prstGeom prst="ellipse">
+              <a:avLst/>
+            </a:prstGeom>
+          </p:spPr>
+          <p:style>
+            <a:lnRef idx="2">
+              <a:schemeClr val="accent1">
+                <a:shade val="50000"/>
+              </a:schemeClr>
+            </a:lnRef>
+            <a:fillRef idx="1">
+              <a:schemeClr val="accent1"/>
+            </a:fillRef>
+            <a:effectRef idx="0">
+              <a:schemeClr val="accent1"/>
+            </a:effectRef>
+            <a:fontRef idx="minor">
+              <a:schemeClr val="lt1"/>
+            </a:fontRef>
+          </p:style>
+          <p:txBody>
+            <a:bodyPr rtlCol="0" anchor="ctr"/>
+            <a:lstStyle/>
+            <a:p>
+              <a:pPr algn="ctr"/>
+              <a:endParaRPr lang="en-IT" sz="2800"/>
+            </a:p>
+          </p:txBody>
+        </p:sp>
+        <p:sp>
+          <p:nvSpPr>
+            <p:cNvPr id="13" name="Oval 12">
+              <a:extLst>
+                <a:ext uri="{FF2B5EF4-FFF2-40B4-BE49-F238E27FC236}">
+                  <a16:creationId xmlns:a16="http://schemas.microsoft.com/office/drawing/2014/main" id="{9F37F132-0536-564E-8771-5C43E3A4F652}"/>
+                </a:ext>
+              </a:extLst>
+            </p:cNvPr>
+            <p:cNvSpPr/>
+            <p:nvPr/>
+          </p:nvSpPr>
+          <p:spPr>
+            <a:xfrm>
+              <a:off x="1634192" y="3720035"/>
+              <a:ext cx="338203" cy="335071"/>
+            </a:xfrm>
+            <a:prstGeom prst="ellipse">
+              <a:avLst/>
+            </a:prstGeom>
+          </p:spPr>
+          <p:style>
+            <a:lnRef idx="2">
+              <a:schemeClr val="accent1">
+                <a:shade val="50000"/>
+              </a:schemeClr>
+            </a:lnRef>
+            <a:fillRef idx="1">
+              <a:schemeClr val="accent1"/>
+            </a:fillRef>
+            <a:effectRef idx="0">
+              <a:schemeClr val="accent1"/>
+            </a:effectRef>
+            <a:fontRef idx="minor">
+              <a:schemeClr val="lt1"/>
+            </a:fontRef>
+          </p:style>
+          <p:txBody>
+            <a:bodyPr rtlCol="0" anchor="ctr"/>
+            <a:lstStyle/>
+            <a:p>
+              <a:pPr algn="ctr"/>
+              <a:endParaRPr lang="en-IT" sz="2800"/>
+            </a:p>
+          </p:txBody>
+        </p:sp>
+        <p:sp>
+          <p:nvSpPr>
+            <p:cNvPr id="14" name="Oval 13">
+              <a:extLst>
+                <a:ext uri="{FF2B5EF4-FFF2-40B4-BE49-F238E27FC236}">
+                  <a16:creationId xmlns:a16="http://schemas.microsoft.com/office/drawing/2014/main" id="{E0DC6280-6820-3B4A-A047-0CCF49F5E9CD}"/>
+                </a:ext>
+              </a:extLst>
+            </p:cNvPr>
+            <p:cNvSpPr/>
+            <p:nvPr/>
+          </p:nvSpPr>
+          <p:spPr>
+            <a:xfrm>
+              <a:off x="1634192" y="4246550"/>
+              <a:ext cx="338203" cy="335071"/>
+            </a:xfrm>
+            <a:prstGeom prst="ellipse">
+              <a:avLst/>
+            </a:prstGeom>
+          </p:spPr>
+          <p:style>
+            <a:lnRef idx="2">
+              <a:schemeClr val="accent1">
+                <a:shade val="50000"/>
+              </a:schemeClr>
+            </a:lnRef>
+            <a:fillRef idx="1">
+              <a:schemeClr val="accent1"/>
+            </a:fillRef>
+            <a:effectRef idx="0">
+              <a:schemeClr val="accent1"/>
+            </a:effectRef>
+            <a:fontRef idx="minor">
+              <a:schemeClr val="lt1"/>
+            </a:fontRef>
+          </p:style>
+          <p:txBody>
+            <a:bodyPr rtlCol="0" anchor="ctr"/>
+            <a:lstStyle/>
+            <a:p>
+              <a:pPr algn="ctr"/>
+              <a:endParaRPr lang="en-IT" sz="2800"/>
+            </a:p>
+          </p:txBody>
+        </p:sp>
+        <p:sp>
+          <p:nvSpPr>
+            <p:cNvPr id="15" name="Oval 14">
+              <a:extLst>
+                <a:ext uri="{FF2B5EF4-FFF2-40B4-BE49-F238E27FC236}">
+                  <a16:creationId xmlns:a16="http://schemas.microsoft.com/office/drawing/2014/main" id="{140E75CA-1991-FC4B-AD37-B9066FC15DCB}"/>
+                </a:ext>
+              </a:extLst>
+            </p:cNvPr>
+            <p:cNvSpPr/>
+            <p:nvPr/>
+          </p:nvSpPr>
+          <p:spPr>
+            <a:xfrm>
+              <a:off x="1638595" y="4773065"/>
+              <a:ext cx="338203" cy="335071"/>
+            </a:xfrm>
+            <a:prstGeom prst="ellipse">
+              <a:avLst/>
+            </a:prstGeom>
+          </p:spPr>
+          <p:style>
+            <a:lnRef idx="2">
+              <a:schemeClr val="accent1">
+                <a:shade val="50000"/>
+              </a:schemeClr>
+            </a:lnRef>
+            <a:fillRef idx="1">
+              <a:schemeClr val="accent1"/>
+            </a:fillRef>
+            <a:effectRef idx="0">
+              <a:schemeClr val="accent1"/>
+            </a:effectRef>
+            <a:fontRef idx="minor">
+              <a:schemeClr val="lt1"/>
+            </a:fontRef>
+          </p:style>
+          <p:txBody>
+            <a:bodyPr rtlCol="0" anchor="ctr"/>
+            <a:lstStyle/>
+            <a:p>
+              <a:pPr algn="ctr"/>
+              <a:endParaRPr lang="en-IT" sz="2800"/>
+            </a:p>
+          </p:txBody>
+        </p:sp>
+        <p:sp>
+          <p:nvSpPr>
+            <p:cNvPr id="16" name="Oval 15">
+              <a:extLst>
+                <a:ext uri="{FF2B5EF4-FFF2-40B4-BE49-F238E27FC236}">
+                  <a16:creationId xmlns:a16="http://schemas.microsoft.com/office/drawing/2014/main" id="{C41A3397-A78E-5C48-A3B9-4F14C48C16C1}"/>
+                </a:ext>
+              </a:extLst>
+            </p:cNvPr>
+            <p:cNvSpPr/>
+            <p:nvPr/>
+          </p:nvSpPr>
+          <p:spPr>
+            <a:xfrm>
+              <a:off x="1638596" y="5272471"/>
+              <a:ext cx="338203" cy="335071"/>
+            </a:xfrm>
+            <a:prstGeom prst="ellipse">
+              <a:avLst/>
+            </a:prstGeom>
+          </p:spPr>
+          <p:style>
+            <a:lnRef idx="2">
+              <a:schemeClr val="accent1">
+                <a:shade val="50000"/>
+              </a:schemeClr>
+            </a:lnRef>
+            <a:fillRef idx="1">
+              <a:schemeClr val="accent1"/>
+            </a:fillRef>
+            <a:effectRef idx="0">
+              <a:schemeClr val="accent1"/>
+            </a:effectRef>
+            <a:fontRef idx="minor">
+              <a:schemeClr val="lt1"/>
+            </a:fontRef>
+          </p:style>
+          <p:txBody>
+            <a:bodyPr rtlCol="0" anchor="ctr"/>
+            <a:lstStyle/>
+            <a:p>
+              <a:pPr algn="ctr"/>
+              <a:endParaRPr lang="en-IT" sz="2800"/>
+            </a:p>
+          </p:txBody>
+        </p:sp>
+        <p:sp>
+          <p:nvSpPr>
+            <p:cNvPr id="29" name="TextBox 28">
+              <a:extLst>
+                <a:ext uri="{FF2B5EF4-FFF2-40B4-BE49-F238E27FC236}">
+                  <a16:creationId xmlns:a16="http://schemas.microsoft.com/office/drawing/2014/main" id="{F5BBE740-0510-2A4E-880E-61FFC88483FC}"/>
+                </a:ext>
+              </a:extLst>
+            </p:cNvPr>
+            <p:cNvSpPr txBox="1"/>
+            <p:nvPr/>
+          </p:nvSpPr>
+          <p:spPr>
+            <a:xfrm rot="16200000">
+              <a:off x="-251988" y="3289570"/>
+              <a:ext cx="2299027" cy="369332"/>
+            </a:xfrm>
+            <a:prstGeom prst="rect">
+              <a:avLst/>
+            </a:prstGeom>
+            <a:noFill/>
+          </p:spPr>
+          <p:txBody>
+            <a:bodyPr wrap="none" rtlCol="0">
+              <a:spAutoFit/>
+            </a:bodyPr>
+            <a:lstStyle/>
+            <a:p>
+              <a:r>
+                <a:rPr lang="en-IT" dirty="0"/>
+                <a:t>Inputs, M-dimensional</a:t>
+              </a:r>
+            </a:p>
+          </p:txBody>
+        </p:sp>
+        <p:sp>
+          <p:nvSpPr>
+            <p:cNvPr id="30" name="TextBox 29">
+              <a:extLst>
+                <a:ext uri="{FF2B5EF4-FFF2-40B4-BE49-F238E27FC236}">
+                  <a16:creationId xmlns:a16="http://schemas.microsoft.com/office/drawing/2014/main" id="{0035FF01-978C-6D45-95E0-E77DA5DABFE2}"/>
+                </a:ext>
+              </a:extLst>
+            </p:cNvPr>
+            <p:cNvSpPr txBox="1"/>
+            <p:nvPr/>
+          </p:nvSpPr>
+          <p:spPr>
+            <a:xfrm>
+              <a:off x="1055227" y="1569638"/>
+              <a:ext cx="301686" cy="369332"/>
+            </a:xfrm>
+            <a:prstGeom prst="rect">
+              <a:avLst/>
+            </a:prstGeom>
+            <a:noFill/>
+          </p:spPr>
+          <p:txBody>
+            <a:bodyPr wrap="none" rtlCol="0">
+              <a:spAutoFit/>
+            </a:bodyPr>
+            <a:lstStyle/>
+            <a:p>
+              <a:r>
+                <a:rPr lang="en-IT" dirty="0"/>
+                <a:t>1</a:t>
+              </a:r>
+            </a:p>
+          </p:txBody>
+        </p:sp>
+        <p:sp>
+          <p:nvSpPr>
+            <p:cNvPr id="32" name="TextBox 31">
+              <a:extLst>
+                <a:ext uri="{FF2B5EF4-FFF2-40B4-BE49-F238E27FC236}">
+                  <a16:creationId xmlns:a16="http://schemas.microsoft.com/office/drawing/2014/main" id="{6464DD06-644F-4D4F-8EEA-7AE95D9A642A}"/>
+                </a:ext>
+              </a:extLst>
+            </p:cNvPr>
+            <p:cNvSpPr txBox="1"/>
+            <p:nvPr/>
+          </p:nvSpPr>
+          <p:spPr>
+            <a:xfrm>
+              <a:off x="1015152" y="5238166"/>
+              <a:ext cx="381836" cy="369332"/>
+            </a:xfrm>
+            <a:prstGeom prst="rect">
+              <a:avLst/>
+            </a:prstGeom>
+            <a:noFill/>
+          </p:spPr>
+          <p:txBody>
+            <a:bodyPr wrap="none" rtlCol="0">
+              <a:spAutoFit/>
+            </a:bodyPr>
+            <a:lstStyle/>
+            <a:p>
+              <a:r>
+                <a:rPr lang="en-IT" dirty="0"/>
+                <a:t>M</a:t>
+              </a:r>
+            </a:p>
+          </p:txBody>
+        </p:sp>
+        <p:sp>
+          <p:nvSpPr>
+            <p:cNvPr id="33" name="TextBox 32">
+              <a:extLst>
+                <a:ext uri="{FF2B5EF4-FFF2-40B4-BE49-F238E27FC236}">
+                  <a16:creationId xmlns:a16="http://schemas.microsoft.com/office/drawing/2014/main" id="{97604933-29BC-7544-AC0F-FE30A16C93A4}"/>
+                </a:ext>
+              </a:extLst>
+            </p:cNvPr>
+            <p:cNvSpPr txBox="1"/>
+            <p:nvPr/>
+          </p:nvSpPr>
+          <p:spPr>
+            <a:xfrm rot="16200000">
+              <a:off x="9974546" y="3375330"/>
+              <a:ext cx="2470548" cy="369332"/>
+            </a:xfrm>
+            <a:prstGeom prst="rect">
+              <a:avLst/>
+            </a:prstGeom>
+            <a:noFill/>
+          </p:spPr>
+          <p:txBody>
+            <a:bodyPr wrap="none" rtlCol="0">
+              <a:spAutoFit/>
+            </a:bodyPr>
+            <a:lstStyle/>
+            <a:p>
+              <a:r>
+                <a:rPr lang="en-IT" dirty="0"/>
+                <a:t>Outputs, N-dimensional</a:t>
+              </a:r>
+            </a:p>
+          </p:txBody>
+        </p:sp>
+        <p:sp>
+          <p:nvSpPr>
+            <p:cNvPr id="34" name="TextBox 33">
+              <a:extLst>
+                <a:ext uri="{FF2B5EF4-FFF2-40B4-BE49-F238E27FC236}">
+                  <a16:creationId xmlns:a16="http://schemas.microsoft.com/office/drawing/2014/main" id="{C31E8506-0D62-C049-B92B-FC5AD2E69091}"/>
+                </a:ext>
+              </a:extLst>
+            </p:cNvPr>
+            <p:cNvSpPr txBox="1"/>
+            <p:nvPr/>
+          </p:nvSpPr>
+          <p:spPr>
+            <a:xfrm>
+              <a:off x="10746605" y="2622668"/>
+              <a:ext cx="301686" cy="369332"/>
+            </a:xfrm>
+            <a:prstGeom prst="rect">
+              <a:avLst/>
+            </a:prstGeom>
+            <a:noFill/>
+          </p:spPr>
+          <p:txBody>
+            <a:bodyPr wrap="none" rtlCol="0">
+              <a:spAutoFit/>
+            </a:bodyPr>
+            <a:lstStyle/>
+            <a:p>
+              <a:r>
+                <a:rPr lang="en-IT" dirty="0"/>
+                <a:t>1</a:t>
+              </a:r>
+            </a:p>
+          </p:txBody>
+        </p:sp>
+        <p:sp>
+          <p:nvSpPr>
+            <p:cNvPr id="35" name="TextBox 34">
+              <a:extLst>
+                <a:ext uri="{FF2B5EF4-FFF2-40B4-BE49-F238E27FC236}">
+                  <a16:creationId xmlns:a16="http://schemas.microsoft.com/office/drawing/2014/main" id="{7B39D398-CD52-A149-97BD-2B7FED16EA98}"/>
+                </a:ext>
+              </a:extLst>
+            </p:cNvPr>
+            <p:cNvSpPr txBox="1"/>
+            <p:nvPr/>
+          </p:nvSpPr>
+          <p:spPr>
+            <a:xfrm>
+              <a:off x="10780816" y="4246550"/>
+              <a:ext cx="333746" cy="369332"/>
+            </a:xfrm>
+            <a:prstGeom prst="rect">
+              <a:avLst/>
+            </a:prstGeom>
+            <a:noFill/>
+          </p:spPr>
+          <p:txBody>
+            <a:bodyPr wrap="none" rtlCol="0">
+              <a:spAutoFit/>
+            </a:bodyPr>
+            <a:lstStyle/>
+            <a:p>
+              <a:r>
+                <a:rPr lang="en-IT" dirty="0"/>
+                <a:t>N</a:t>
+              </a:r>
+            </a:p>
+          </p:txBody>
+        </p:sp>
+        <p:sp>
+          <p:nvSpPr>
+            <p:cNvPr id="2" name="Trapezium 1">
+              <a:extLst>
+                <a:ext uri="{FF2B5EF4-FFF2-40B4-BE49-F238E27FC236}">
+                  <a16:creationId xmlns:a16="http://schemas.microsoft.com/office/drawing/2014/main" id="{3675056C-5159-1B4B-A5DC-B0A3F9A44D56}"/>
+                </a:ext>
+              </a:extLst>
+            </p:cNvPr>
+            <p:cNvSpPr/>
+            <p:nvPr/>
+          </p:nvSpPr>
+          <p:spPr>
+            <a:xfrm rot="5400000">
+              <a:off x="358021" y="3475848"/>
+              <a:ext cx="4406748" cy="253332"/>
+            </a:xfrm>
+            <a:prstGeom prst="trapezoid">
+              <a:avLst>
+                <a:gd name="adj" fmla="val 0"/>
+              </a:avLst>
+            </a:prstGeom>
+            <a:solidFill>
+              <a:schemeClr val="accent5">
+                <a:lumMod val="20000"/>
+                <a:lumOff val="80000"/>
+              </a:schemeClr>
+            </a:solidFill>
+          </p:spPr>
+          <p:style>
+            <a:lnRef idx="2">
+              <a:schemeClr val="accent1">
+                <a:shade val="50000"/>
+              </a:schemeClr>
+            </a:lnRef>
+            <a:fillRef idx="1">
+              <a:schemeClr val="accent1"/>
+            </a:fillRef>
+            <a:effectRef idx="0">
+              <a:schemeClr val="accent1"/>
+            </a:effectRef>
+            <a:fontRef idx="minor">
+              <a:schemeClr val="lt1"/>
+            </a:fontRef>
+          </p:style>
+          <p:txBody>
+            <a:bodyPr rtlCol="0" anchor="ctr"/>
+            <a:lstStyle/>
+            <a:p>
+              <a:pPr algn="ctr"/>
+              <a:endParaRPr lang="it-IT" sz="3200" dirty="0">
+                <a:solidFill>
+                  <a:schemeClr val="accent1"/>
+                </a:solidFill>
+              </a:endParaRPr>
+            </a:p>
+          </p:txBody>
+        </p:sp>
+        <p:sp>
+          <p:nvSpPr>
+            <p:cNvPr id="41" name="Oval 40">
+              <a:extLst>
+                <a:ext uri="{FF2B5EF4-FFF2-40B4-BE49-F238E27FC236}">
+                  <a16:creationId xmlns:a16="http://schemas.microsoft.com/office/drawing/2014/main" id="{BBE3E46F-099C-1E42-B282-1DEE95802652}"/>
+                </a:ext>
+              </a:extLst>
+            </p:cNvPr>
+            <p:cNvSpPr/>
+            <p:nvPr/>
+          </p:nvSpPr>
+          <p:spPr>
+            <a:xfrm>
+              <a:off x="10238370" y="2657866"/>
+              <a:ext cx="338203" cy="335071"/>
+            </a:xfrm>
+            <a:prstGeom prst="ellipse">
+              <a:avLst/>
+            </a:prstGeom>
+          </p:spPr>
+          <p:style>
+            <a:lnRef idx="2">
+              <a:schemeClr val="accent1">
+                <a:shade val="50000"/>
+              </a:schemeClr>
+            </a:lnRef>
+            <a:fillRef idx="1">
+              <a:schemeClr val="accent1"/>
+            </a:fillRef>
+            <a:effectRef idx="0">
+              <a:schemeClr val="accent1"/>
+            </a:effectRef>
+            <a:fontRef idx="minor">
+              <a:schemeClr val="lt1"/>
+            </a:fontRef>
+          </p:style>
+          <p:txBody>
+            <a:bodyPr rtlCol="0" anchor="ctr"/>
+            <a:lstStyle/>
+            <a:p>
+              <a:pPr algn="ctr"/>
+              <a:endParaRPr lang="en-IT" sz="2800"/>
+            </a:p>
+          </p:txBody>
+        </p:sp>
+        <p:sp>
+          <p:nvSpPr>
+            <p:cNvPr id="42" name="Oval 41">
+              <a:extLst>
+                <a:ext uri="{FF2B5EF4-FFF2-40B4-BE49-F238E27FC236}">
+                  <a16:creationId xmlns:a16="http://schemas.microsoft.com/office/drawing/2014/main" id="{5B1BFB65-0F31-6340-B847-740B12DAF2B8}"/>
+                </a:ext>
+              </a:extLst>
+            </p:cNvPr>
+            <p:cNvSpPr/>
+            <p:nvPr/>
+          </p:nvSpPr>
+          <p:spPr>
+            <a:xfrm>
+              <a:off x="10238370" y="3184381"/>
+              <a:ext cx="338203" cy="335071"/>
+            </a:xfrm>
+            <a:prstGeom prst="ellipse">
+              <a:avLst/>
+            </a:prstGeom>
+          </p:spPr>
+          <p:style>
+            <a:lnRef idx="2">
+              <a:schemeClr val="accent1">
+                <a:shade val="50000"/>
+              </a:schemeClr>
+            </a:lnRef>
+            <a:fillRef idx="1">
+              <a:schemeClr val="accent1"/>
+            </a:fillRef>
+            <a:effectRef idx="0">
+              <a:schemeClr val="accent1"/>
+            </a:effectRef>
+            <a:fontRef idx="minor">
+              <a:schemeClr val="lt1"/>
+            </a:fontRef>
+          </p:style>
+          <p:txBody>
+            <a:bodyPr rtlCol="0" anchor="ctr"/>
+            <a:lstStyle/>
+            <a:p>
+              <a:pPr algn="ctr"/>
+              <a:endParaRPr lang="en-IT" sz="2800"/>
+            </a:p>
+          </p:txBody>
+        </p:sp>
+        <p:sp>
+          <p:nvSpPr>
+            <p:cNvPr id="43" name="Oval 42">
+              <a:extLst>
+                <a:ext uri="{FF2B5EF4-FFF2-40B4-BE49-F238E27FC236}">
+                  <a16:creationId xmlns:a16="http://schemas.microsoft.com/office/drawing/2014/main" id="{51C4505A-A860-AE44-9A4E-477AB3D92BD1}"/>
+                </a:ext>
+              </a:extLst>
+            </p:cNvPr>
+            <p:cNvSpPr/>
+            <p:nvPr/>
+          </p:nvSpPr>
+          <p:spPr>
+            <a:xfrm>
+              <a:off x="10242773" y="3710896"/>
+              <a:ext cx="338203" cy="335071"/>
+            </a:xfrm>
+            <a:prstGeom prst="ellipse">
+              <a:avLst/>
+            </a:prstGeom>
+          </p:spPr>
+          <p:style>
+            <a:lnRef idx="2">
+              <a:schemeClr val="accent1">
+                <a:shade val="50000"/>
+              </a:schemeClr>
+            </a:lnRef>
+            <a:fillRef idx="1">
+              <a:schemeClr val="accent1"/>
+            </a:fillRef>
+            <a:effectRef idx="0">
+              <a:schemeClr val="accent1"/>
+            </a:effectRef>
+            <a:fontRef idx="minor">
+              <a:schemeClr val="lt1"/>
+            </a:fontRef>
+          </p:style>
+          <p:txBody>
+            <a:bodyPr rtlCol="0" anchor="ctr"/>
+            <a:lstStyle/>
+            <a:p>
+              <a:pPr algn="ctr"/>
+              <a:endParaRPr lang="en-IT" sz="2800"/>
+            </a:p>
+          </p:txBody>
+        </p:sp>
+        <p:sp>
+          <p:nvSpPr>
+            <p:cNvPr id="44" name="Oval 43">
+              <a:extLst>
+                <a:ext uri="{FF2B5EF4-FFF2-40B4-BE49-F238E27FC236}">
+                  <a16:creationId xmlns:a16="http://schemas.microsoft.com/office/drawing/2014/main" id="{2D1E8DE5-A736-8244-A6F8-FADF4D1B9AA7}"/>
+                </a:ext>
+              </a:extLst>
+            </p:cNvPr>
+            <p:cNvSpPr/>
+            <p:nvPr/>
+          </p:nvSpPr>
+          <p:spPr>
+            <a:xfrm>
+              <a:off x="10242774" y="4210302"/>
+              <a:ext cx="338203" cy="335071"/>
+            </a:xfrm>
+            <a:prstGeom prst="ellipse">
+              <a:avLst/>
+            </a:prstGeom>
+          </p:spPr>
+          <p:style>
+            <a:lnRef idx="2">
+              <a:schemeClr val="accent1">
+                <a:shade val="50000"/>
+              </a:schemeClr>
+            </a:lnRef>
+            <a:fillRef idx="1">
+              <a:schemeClr val="accent1"/>
+            </a:fillRef>
+            <a:effectRef idx="0">
+              <a:schemeClr val="accent1"/>
+            </a:effectRef>
+            <a:fontRef idx="minor">
+              <a:schemeClr val="lt1"/>
+            </a:fontRef>
+          </p:style>
+          <p:txBody>
+            <a:bodyPr rtlCol="0" anchor="ctr"/>
+            <a:lstStyle/>
+            <a:p>
+              <a:pPr algn="ctr"/>
+              <a:endParaRPr lang="en-IT" sz="2800"/>
+            </a:p>
+          </p:txBody>
+        </p:sp>
+        <p:sp>
+          <p:nvSpPr>
+            <p:cNvPr id="47" name="TextBox 46">
+              <a:extLst>
+                <a:ext uri="{FF2B5EF4-FFF2-40B4-BE49-F238E27FC236}">
+                  <a16:creationId xmlns:a16="http://schemas.microsoft.com/office/drawing/2014/main" id="{2F42834D-835C-3545-9E74-31483F9DA0D0}"/>
+                </a:ext>
+              </a:extLst>
+            </p:cNvPr>
+            <p:cNvSpPr txBox="1"/>
+            <p:nvPr/>
+          </p:nvSpPr>
+          <p:spPr>
+            <a:xfrm>
+              <a:off x="8649358" y="5844779"/>
+              <a:ext cx="1927215" cy="307777"/>
+            </a:xfrm>
+            <a:prstGeom prst="rect">
+              <a:avLst/>
+            </a:prstGeom>
+            <a:noFill/>
+          </p:spPr>
+          <p:txBody>
+            <a:bodyPr wrap="square" rtlCol="0">
+              <a:spAutoFit/>
+            </a:bodyPr>
+            <a:lstStyle/>
+            <a:p>
+              <a:r>
+                <a:rPr lang="en-IT" sz="1400" dirty="0"/>
+                <a:t>Fully-connected layer</a:t>
+              </a:r>
+            </a:p>
+          </p:txBody>
+        </p:sp>
+        <p:sp>
+          <p:nvSpPr>
+            <p:cNvPr id="48" name="Trapezium 47">
+              <a:extLst>
+                <a:ext uri="{FF2B5EF4-FFF2-40B4-BE49-F238E27FC236}">
+                  <a16:creationId xmlns:a16="http://schemas.microsoft.com/office/drawing/2014/main" id="{A46F57F9-71D1-8048-B953-EE1678BD8203}"/>
+                </a:ext>
+              </a:extLst>
+            </p:cNvPr>
+            <p:cNvSpPr/>
+            <p:nvPr/>
+          </p:nvSpPr>
+          <p:spPr>
+            <a:xfrm rot="5400000">
+              <a:off x="703449" y="3475847"/>
+              <a:ext cx="4406748" cy="253334"/>
+            </a:xfrm>
+            <a:prstGeom prst="trapezoid">
+              <a:avLst>
+                <a:gd name="adj" fmla="val 0"/>
+              </a:avLst>
+            </a:prstGeom>
+            <a:solidFill>
+              <a:schemeClr val="accent5">
+                <a:lumMod val="20000"/>
+                <a:lumOff val="80000"/>
+              </a:schemeClr>
+            </a:solidFill>
+          </p:spPr>
+          <p:style>
+            <a:lnRef idx="2">
+              <a:schemeClr val="accent1">
+                <a:shade val="50000"/>
+              </a:schemeClr>
+            </a:lnRef>
+            <a:fillRef idx="1">
+              <a:schemeClr val="accent1"/>
+            </a:fillRef>
+            <a:effectRef idx="0">
+              <a:schemeClr val="accent1"/>
+            </a:effectRef>
+            <a:fontRef idx="minor">
+              <a:schemeClr val="lt1"/>
+            </a:fontRef>
+          </p:style>
+          <p:txBody>
+            <a:bodyPr rtlCol="0" anchor="ctr"/>
+            <a:lstStyle/>
+            <a:p>
+              <a:pPr algn="ctr"/>
+              <a:endParaRPr lang="it-IT" sz="3200" dirty="0">
+                <a:solidFill>
+                  <a:schemeClr val="accent1"/>
+                </a:solidFill>
+              </a:endParaRPr>
+            </a:p>
+          </p:txBody>
+        </p:sp>
+        <p:sp>
+          <p:nvSpPr>
+            <p:cNvPr id="49" name="Trapezium 48">
+              <a:extLst>
+                <a:ext uri="{FF2B5EF4-FFF2-40B4-BE49-F238E27FC236}">
+                  <a16:creationId xmlns:a16="http://schemas.microsoft.com/office/drawing/2014/main" id="{565BE4C3-8E59-8A46-9729-71308343B504}"/>
+                </a:ext>
+              </a:extLst>
+            </p:cNvPr>
+            <p:cNvSpPr/>
+            <p:nvPr/>
+          </p:nvSpPr>
+          <p:spPr>
+            <a:xfrm rot="5400000">
+              <a:off x="1048878" y="3475846"/>
+              <a:ext cx="4406748" cy="253335"/>
+            </a:xfrm>
+            <a:prstGeom prst="trapezoid">
+              <a:avLst>
+                <a:gd name="adj" fmla="val 0"/>
+              </a:avLst>
+            </a:prstGeom>
+            <a:solidFill>
+              <a:schemeClr val="accent5">
+                <a:lumMod val="20000"/>
+                <a:lumOff val="80000"/>
+              </a:schemeClr>
+            </a:solidFill>
+          </p:spPr>
+          <p:style>
+            <a:lnRef idx="2">
+              <a:schemeClr val="accent1">
+                <a:shade val="50000"/>
+              </a:schemeClr>
+            </a:lnRef>
+            <a:fillRef idx="1">
+              <a:schemeClr val="accent1"/>
+            </a:fillRef>
+            <a:effectRef idx="0">
+              <a:schemeClr val="accent1"/>
+            </a:effectRef>
+            <a:fontRef idx="minor">
+              <a:schemeClr val="lt1"/>
+            </a:fontRef>
+          </p:style>
+          <p:txBody>
+            <a:bodyPr rtlCol="0" anchor="ctr"/>
+            <a:lstStyle/>
+            <a:p>
+              <a:pPr algn="ctr"/>
+              <a:endParaRPr lang="it-IT" sz="3200" dirty="0">
+                <a:solidFill>
+                  <a:schemeClr val="accent1"/>
+                </a:solidFill>
+              </a:endParaRPr>
+            </a:p>
+          </p:txBody>
+        </p:sp>
+        <p:sp>
+          <p:nvSpPr>
+            <p:cNvPr id="57" name="Trapezium 56">
+              <a:extLst>
+                <a:ext uri="{FF2B5EF4-FFF2-40B4-BE49-F238E27FC236}">
+                  <a16:creationId xmlns:a16="http://schemas.microsoft.com/office/drawing/2014/main" id="{EEAEB7CE-235F-BB4A-A5F7-50342FA4DB83}"/>
+                </a:ext>
+              </a:extLst>
+            </p:cNvPr>
+            <p:cNvSpPr/>
+            <p:nvPr/>
+          </p:nvSpPr>
+          <p:spPr>
+            <a:xfrm rot="5400000">
+              <a:off x="6148591" y="3475846"/>
+              <a:ext cx="4406748" cy="253336"/>
+            </a:xfrm>
+            <a:prstGeom prst="trapezoid">
+              <a:avLst>
+                <a:gd name="adj" fmla="val 0"/>
+              </a:avLst>
+            </a:prstGeom>
+            <a:solidFill>
+              <a:schemeClr val="accent5">
+                <a:lumMod val="20000"/>
+                <a:lumOff val="80000"/>
+              </a:schemeClr>
+            </a:solidFill>
+          </p:spPr>
+          <p:style>
+            <a:lnRef idx="2">
+              <a:schemeClr val="accent1">
+                <a:shade val="50000"/>
+              </a:schemeClr>
+            </a:lnRef>
+            <a:fillRef idx="1">
+              <a:schemeClr val="accent1"/>
+            </a:fillRef>
+            <a:effectRef idx="0">
+              <a:schemeClr val="accent1"/>
+            </a:effectRef>
+            <a:fontRef idx="minor">
+              <a:schemeClr val="lt1"/>
+            </a:fontRef>
+          </p:style>
+          <p:txBody>
+            <a:bodyPr rtlCol="0" anchor="ctr"/>
+            <a:lstStyle/>
+            <a:p>
+              <a:pPr algn="ctr"/>
+              <a:endParaRPr lang="it-IT" sz="3200" dirty="0">
+                <a:solidFill>
+                  <a:schemeClr val="accent1"/>
+                </a:solidFill>
+              </a:endParaRPr>
+            </a:p>
+          </p:txBody>
+        </p:sp>
+        <p:sp>
+          <p:nvSpPr>
+            <p:cNvPr id="58" name="Trapezium 57">
+              <a:extLst>
+                <a:ext uri="{FF2B5EF4-FFF2-40B4-BE49-F238E27FC236}">
+                  <a16:creationId xmlns:a16="http://schemas.microsoft.com/office/drawing/2014/main" id="{B9AF1DCD-9EB6-B24B-80D2-92C63136E2D1}"/>
+                </a:ext>
+              </a:extLst>
+            </p:cNvPr>
+            <p:cNvSpPr/>
+            <p:nvPr/>
+          </p:nvSpPr>
+          <p:spPr>
+            <a:xfrm rot="5400000">
+              <a:off x="6652769" y="3475846"/>
+              <a:ext cx="4406748" cy="253336"/>
+            </a:xfrm>
+            <a:prstGeom prst="trapezoid">
+              <a:avLst>
+                <a:gd name="adj" fmla="val 0"/>
+              </a:avLst>
+            </a:prstGeom>
+            <a:solidFill>
+              <a:schemeClr val="accent5">
+                <a:lumMod val="20000"/>
+                <a:lumOff val="80000"/>
+              </a:schemeClr>
+            </a:solidFill>
+          </p:spPr>
+          <p:style>
+            <a:lnRef idx="2">
+              <a:schemeClr val="accent1">
+                <a:shade val="50000"/>
+              </a:schemeClr>
+            </a:lnRef>
+            <a:fillRef idx="1">
+              <a:schemeClr val="accent1"/>
+            </a:fillRef>
+            <a:effectRef idx="0">
+              <a:schemeClr val="accent1"/>
+            </a:effectRef>
+            <a:fontRef idx="minor">
+              <a:schemeClr val="lt1"/>
+            </a:fontRef>
+          </p:style>
+          <p:txBody>
+            <a:bodyPr rtlCol="0" anchor="ctr"/>
+            <a:lstStyle/>
+            <a:p>
+              <a:pPr algn="ctr"/>
+              <a:endParaRPr lang="it-IT" sz="3200" dirty="0">
+                <a:solidFill>
+                  <a:schemeClr val="accent1"/>
+                </a:solidFill>
+              </a:endParaRPr>
+            </a:p>
+          </p:txBody>
+        </p:sp>
+        <p:cxnSp>
+          <p:nvCxnSpPr>
+            <p:cNvPr id="59" name="Straight Arrow Connector 58">
+              <a:extLst>
+                <a:ext uri="{FF2B5EF4-FFF2-40B4-BE49-F238E27FC236}">
+                  <a16:creationId xmlns:a16="http://schemas.microsoft.com/office/drawing/2014/main" id="{CEA85B24-9BFB-E74D-987F-EDBFCC60ACBF}"/>
+                </a:ext>
+              </a:extLst>
+            </p:cNvPr>
+            <p:cNvCxnSpPr>
+              <a:cxnSpLocks/>
+            </p:cNvCxnSpPr>
+            <p:nvPr/>
+          </p:nvCxnSpPr>
+          <p:spPr>
+            <a:xfrm>
+              <a:off x="2170221" y="1847591"/>
+              <a:ext cx="264508" cy="453202"/>
+            </a:xfrm>
+            <a:prstGeom prst="straightConnector1">
+              <a:avLst/>
+            </a:prstGeom>
+            <a:ln w="25400">
+              <a:headEnd type="none" w="med" len="med"/>
+              <a:tailEnd type="none" w="med" len="med"/>
+            </a:ln>
+          </p:spPr>
+          <p:style>
+            <a:lnRef idx="1">
+              <a:schemeClr val="accent1"/>
+            </a:lnRef>
+            <a:fillRef idx="0">
+              <a:schemeClr val="accent1"/>
+            </a:fillRef>
+            <a:effectRef idx="0">
+              <a:schemeClr val="accent1"/>
+            </a:effectRef>
+            <a:fontRef idx="minor">
+              <a:schemeClr val="tx1"/>
+            </a:fontRef>
+          </p:style>
+        </p:cxnSp>
+        <p:cxnSp>
+          <p:nvCxnSpPr>
+            <p:cNvPr id="62" name="Straight Arrow Connector 61">
+              <a:extLst>
+                <a:ext uri="{FF2B5EF4-FFF2-40B4-BE49-F238E27FC236}">
+                  <a16:creationId xmlns:a16="http://schemas.microsoft.com/office/drawing/2014/main" id="{CFB1077C-58DF-2E42-B902-BE2B34C99BE6}"/>
+                </a:ext>
+              </a:extLst>
+            </p:cNvPr>
+            <p:cNvCxnSpPr>
+              <a:cxnSpLocks/>
+            </p:cNvCxnSpPr>
+            <p:nvPr/>
+          </p:nvCxnSpPr>
+          <p:spPr>
+            <a:xfrm>
+              <a:off x="8993880" y="1795221"/>
+              <a:ext cx="1099179" cy="1046821"/>
+            </a:xfrm>
+            <a:prstGeom prst="straightConnector1">
+              <a:avLst/>
+            </a:prstGeom>
+            <a:ln w="25400">
+              <a:headEnd type="none" w="med" len="med"/>
+              <a:tailEnd type="none" w="med" len="med"/>
+            </a:ln>
+          </p:spPr>
+          <p:style>
+            <a:lnRef idx="1">
+              <a:schemeClr val="accent1"/>
+            </a:lnRef>
+            <a:fillRef idx="0">
+              <a:schemeClr val="accent1"/>
+            </a:fillRef>
+            <a:effectRef idx="0">
+              <a:schemeClr val="accent1"/>
+            </a:effectRef>
+            <a:fontRef idx="minor">
+              <a:schemeClr val="tx1"/>
+            </a:fontRef>
+          </p:style>
+        </p:cxnSp>
+        <p:cxnSp>
+          <p:nvCxnSpPr>
+            <p:cNvPr id="66" name="Straight Arrow Connector 65">
+              <a:extLst>
+                <a:ext uri="{FF2B5EF4-FFF2-40B4-BE49-F238E27FC236}">
+                  <a16:creationId xmlns:a16="http://schemas.microsoft.com/office/drawing/2014/main" id="{51DEC21E-3243-E34A-BA33-C719D9550DE2}"/>
+                </a:ext>
+              </a:extLst>
+            </p:cNvPr>
+            <p:cNvCxnSpPr>
+              <a:cxnSpLocks/>
+            </p:cNvCxnSpPr>
+            <p:nvPr/>
+          </p:nvCxnSpPr>
+          <p:spPr>
+            <a:xfrm flipV="1">
+              <a:off x="2170323" y="2332140"/>
+              <a:ext cx="264406" cy="467790"/>
+            </a:xfrm>
+            <a:prstGeom prst="straightConnector1">
+              <a:avLst/>
+            </a:prstGeom>
+            <a:ln w="25400">
+              <a:headEnd type="none" w="med" len="med"/>
+              <a:tailEnd type="none" w="med" len="med"/>
+            </a:ln>
+          </p:spPr>
+          <p:style>
+            <a:lnRef idx="1">
+              <a:schemeClr val="accent1"/>
+            </a:lnRef>
+            <a:fillRef idx="0">
+              <a:schemeClr val="accent1"/>
+            </a:fillRef>
+            <a:effectRef idx="0">
+              <a:schemeClr val="accent1"/>
+            </a:effectRef>
+            <a:fontRef idx="minor">
+              <a:schemeClr val="tx1"/>
+            </a:fontRef>
+          </p:style>
+        </p:cxnSp>
+        <p:cxnSp>
+          <p:nvCxnSpPr>
+            <p:cNvPr id="68" name="Straight Arrow Connector 67">
+              <a:extLst>
+                <a:ext uri="{FF2B5EF4-FFF2-40B4-BE49-F238E27FC236}">
+                  <a16:creationId xmlns:a16="http://schemas.microsoft.com/office/drawing/2014/main" id="{930BFA6C-65D5-B341-A985-E9176DD01972}"/>
+                </a:ext>
+              </a:extLst>
+            </p:cNvPr>
+            <p:cNvCxnSpPr>
+              <a:cxnSpLocks/>
+            </p:cNvCxnSpPr>
+            <p:nvPr/>
+          </p:nvCxnSpPr>
+          <p:spPr>
+            <a:xfrm>
+              <a:off x="2170221" y="2313314"/>
+              <a:ext cx="253332" cy="0"/>
+            </a:xfrm>
+            <a:prstGeom prst="straightConnector1">
+              <a:avLst/>
+            </a:prstGeom>
+            <a:ln w="25400">
+              <a:headEnd type="none" w="med" len="med"/>
+              <a:tailEnd type="none" w="med" len="med"/>
+            </a:ln>
+          </p:spPr>
+          <p:style>
+            <a:lnRef idx="1">
+              <a:schemeClr val="accent1"/>
+            </a:lnRef>
+            <a:fillRef idx="0">
+              <a:schemeClr val="accent1"/>
+            </a:fillRef>
+            <a:effectRef idx="0">
+              <a:schemeClr val="accent1"/>
+            </a:effectRef>
+            <a:fontRef idx="minor">
+              <a:schemeClr val="tx1"/>
+            </a:fontRef>
+          </p:style>
+        </p:cxnSp>
+        <p:cxnSp>
+          <p:nvCxnSpPr>
+            <p:cNvPr id="73" name="Straight Arrow Connector 72">
+              <a:extLst>
+                <a:ext uri="{FF2B5EF4-FFF2-40B4-BE49-F238E27FC236}">
+                  <a16:creationId xmlns:a16="http://schemas.microsoft.com/office/drawing/2014/main" id="{BACB7194-122F-2A45-98CC-BBC8672AE7B7}"/>
+                </a:ext>
+              </a:extLst>
+            </p:cNvPr>
+            <p:cNvCxnSpPr>
+              <a:cxnSpLocks/>
+            </p:cNvCxnSpPr>
+            <p:nvPr/>
+          </p:nvCxnSpPr>
+          <p:spPr>
+            <a:xfrm>
+              <a:off x="2174667" y="3431711"/>
+              <a:ext cx="264508" cy="453202"/>
+            </a:xfrm>
+            <a:prstGeom prst="straightConnector1">
+              <a:avLst/>
+            </a:prstGeom>
+            <a:ln w="25400">
+              <a:headEnd type="none" w="med" len="med"/>
+              <a:tailEnd type="none" w="med" len="med"/>
+            </a:ln>
+          </p:spPr>
+          <p:style>
+            <a:lnRef idx="1">
+              <a:schemeClr val="accent1"/>
+            </a:lnRef>
+            <a:fillRef idx="0">
+              <a:schemeClr val="accent1"/>
+            </a:fillRef>
+            <a:effectRef idx="0">
+              <a:schemeClr val="accent1"/>
+            </a:effectRef>
+            <a:fontRef idx="minor">
+              <a:schemeClr val="tx1"/>
+            </a:fontRef>
+          </p:style>
+        </p:cxnSp>
+        <p:cxnSp>
+          <p:nvCxnSpPr>
+            <p:cNvPr id="74" name="Straight Arrow Connector 73">
+              <a:extLst>
+                <a:ext uri="{FF2B5EF4-FFF2-40B4-BE49-F238E27FC236}">
+                  <a16:creationId xmlns:a16="http://schemas.microsoft.com/office/drawing/2014/main" id="{736455B5-9D80-F146-B2D9-ED3DE283D2D8}"/>
+                </a:ext>
+              </a:extLst>
+            </p:cNvPr>
+            <p:cNvCxnSpPr>
+              <a:cxnSpLocks/>
+            </p:cNvCxnSpPr>
+            <p:nvPr/>
+          </p:nvCxnSpPr>
+          <p:spPr>
+            <a:xfrm flipV="1">
+              <a:off x="2174769" y="3916260"/>
+              <a:ext cx="264406" cy="467790"/>
+            </a:xfrm>
+            <a:prstGeom prst="straightConnector1">
+              <a:avLst/>
+            </a:prstGeom>
+            <a:ln w="25400">
+              <a:headEnd type="none" w="med" len="med"/>
+              <a:tailEnd type="none" w="med" len="med"/>
+            </a:ln>
+          </p:spPr>
+          <p:style>
+            <a:lnRef idx="1">
+              <a:schemeClr val="accent1"/>
+            </a:lnRef>
+            <a:fillRef idx="0">
+              <a:schemeClr val="accent1"/>
+            </a:fillRef>
+            <a:effectRef idx="0">
+              <a:schemeClr val="accent1"/>
+            </a:effectRef>
+            <a:fontRef idx="minor">
+              <a:schemeClr val="tx1"/>
+            </a:fontRef>
+          </p:style>
+        </p:cxnSp>
+        <p:cxnSp>
+          <p:nvCxnSpPr>
+            <p:cNvPr id="75" name="Straight Arrow Connector 74">
+              <a:extLst>
+                <a:ext uri="{FF2B5EF4-FFF2-40B4-BE49-F238E27FC236}">
+                  <a16:creationId xmlns:a16="http://schemas.microsoft.com/office/drawing/2014/main" id="{213F703C-E0CF-454A-82C1-C98601A098EB}"/>
+                </a:ext>
+              </a:extLst>
+            </p:cNvPr>
+            <p:cNvCxnSpPr>
+              <a:cxnSpLocks/>
+            </p:cNvCxnSpPr>
+            <p:nvPr/>
+          </p:nvCxnSpPr>
+          <p:spPr>
+            <a:xfrm>
+              <a:off x="2174667" y="3897434"/>
+              <a:ext cx="253332" cy="0"/>
+            </a:xfrm>
+            <a:prstGeom prst="straightConnector1">
+              <a:avLst/>
+            </a:prstGeom>
+            <a:ln w="25400">
+              <a:headEnd type="none" w="med" len="med"/>
+              <a:tailEnd type="none" w="med" len="med"/>
+            </a:ln>
+          </p:spPr>
+          <p:style>
+            <a:lnRef idx="1">
+              <a:schemeClr val="accent1"/>
+            </a:lnRef>
+            <a:fillRef idx="0">
+              <a:schemeClr val="accent1"/>
+            </a:fillRef>
+            <a:effectRef idx="0">
+              <a:schemeClr val="accent1"/>
+            </a:effectRef>
+            <a:fontRef idx="minor">
+              <a:schemeClr val="tx1"/>
+            </a:fontRef>
+          </p:style>
+        </p:cxnSp>
+        <p:cxnSp>
+          <p:nvCxnSpPr>
+            <p:cNvPr id="85" name="Straight Arrow Connector 84">
+              <a:extLst>
+                <a:ext uri="{FF2B5EF4-FFF2-40B4-BE49-F238E27FC236}">
+                  <a16:creationId xmlns:a16="http://schemas.microsoft.com/office/drawing/2014/main" id="{B1FB29E1-27E1-9242-9A5A-8ED804D7ADAB}"/>
+                </a:ext>
+              </a:extLst>
+            </p:cNvPr>
+            <p:cNvCxnSpPr>
+              <a:cxnSpLocks/>
+            </p:cNvCxnSpPr>
+            <p:nvPr/>
+          </p:nvCxnSpPr>
+          <p:spPr>
+            <a:xfrm>
+              <a:off x="8993885" y="2295895"/>
+              <a:ext cx="1048687" cy="523471"/>
+            </a:xfrm>
+            <a:prstGeom prst="straightConnector1">
+              <a:avLst/>
+            </a:prstGeom>
+            <a:ln w="25400">
+              <a:headEnd type="none" w="med" len="med"/>
+              <a:tailEnd type="none" w="med" len="med"/>
+            </a:ln>
+          </p:spPr>
+          <p:style>
+            <a:lnRef idx="1">
+              <a:schemeClr val="accent1"/>
+            </a:lnRef>
+            <a:fillRef idx="0">
+              <a:schemeClr val="accent1"/>
+            </a:fillRef>
+            <a:effectRef idx="0">
+              <a:schemeClr val="accent1"/>
+            </a:effectRef>
+            <a:fontRef idx="minor">
+              <a:schemeClr val="tx1"/>
+            </a:fontRef>
+          </p:style>
+        </p:cxnSp>
+        <p:cxnSp>
+          <p:nvCxnSpPr>
+            <p:cNvPr id="87" name="Straight Arrow Connector 86">
+              <a:extLst>
+                <a:ext uri="{FF2B5EF4-FFF2-40B4-BE49-F238E27FC236}">
+                  <a16:creationId xmlns:a16="http://schemas.microsoft.com/office/drawing/2014/main" id="{3C8FCE6A-F083-5A4A-8DF5-FB08E52164C3}"/>
+                </a:ext>
+              </a:extLst>
+            </p:cNvPr>
+            <p:cNvCxnSpPr>
+              <a:cxnSpLocks/>
+            </p:cNvCxnSpPr>
+            <p:nvPr/>
+          </p:nvCxnSpPr>
+          <p:spPr>
+            <a:xfrm>
+              <a:off x="8993885" y="2807334"/>
+              <a:ext cx="1048687" cy="13119"/>
+            </a:xfrm>
+            <a:prstGeom prst="straightConnector1">
+              <a:avLst/>
+            </a:prstGeom>
+            <a:ln w="25400">
+              <a:headEnd type="none" w="med" len="med"/>
+              <a:tailEnd type="none" w="med" len="med"/>
+            </a:ln>
+          </p:spPr>
+          <p:style>
+            <a:lnRef idx="1">
+              <a:schemeClr val="accent1"/>
+            </a:lnRef>
+            <a:fillRef idx="0">
+              <a:schemeClr val="accent1"/>
+            </a:fillRef>
+            <a:effectRef idx="0">
+              <a:schemeClr val="accent1"/>
+            </a:effectRef>
+            <a:fontRef idx="minor">
+              <a:schemeClr val="tx1"/>
+            </a:fontRef>
+          </p:style>
+        </p:cxnSp>
+        <p:cxnSp>
+          <p:nvCxnSpPr>
+            <p:cNvPr id="89" name="Straight Arrow Connector 88">
+              <a:extLst>
+                <a:ext uri="{FF2B5EF4-FFF2-40B4-BE49-F238E27FC236}">
+                  <a16:creationId xmlns:a16="http://schemas.microsoft.com/office/drawing/2014/main" id="{4E91E89B-5240-8B49-9472-8C8EFAC18167}"/>
+                </a:ext>
+              </a:extLst>
+            </p:cNvPr>
+            <p:cNvCxnSpPr>
+              <a:cxnSpLocks/>
+            </p:cNvCxnSpPr>
+            <p:nvPr/>
+          </p:nvCxnSpPr>
+          <p:spPr>
+            <a:xfrm flipV="1">
+              <a:off x="8993885" y="2813893"/>
+              <a:ext cx="1048687" cy="517998"/>
+            </a:xfrm>
+            <a:prstGeom prst="straightConnector1">
+              <a:avLst/>
+            </a:prstGeom>
+            <a:ln w="25400">
+              <a:headEnd type="none" w="med" len="med"/>
+              <a:tailEnd type="none" w="med" len="med"/>
+            </a:ln>
+          </p:spPr>
+          <p:style>
+            <a:lnRef idx="1">
+              <a:schemeClr val="accent1"/>
+            </a:lnRef>
+            <a:fillRef idx="0">
+              <a:schemeClr val="accent1"/>
+            </a:fillRef>
+            <a:effectRef idx="0">
+              <a:schemeClr val="accent1"/>
+            </a:effectRef>
+            <a:fontRef idx="minor">
+              <a:schemeClr val="tx1"/>
+            </a:fontRef>
+          </p:style>
+        </p:cxnSp>
+        <p:cxnSp>
+          <p:nvCxnSpPr>
+            <p:cNvPr id="91" name="Straight Arrow Connector 90">
+              <a:extLst>
+                <a:ext uri="{FF2B5EF4-FFF2-40B4-BE49-F238E27FC236}">
+                  <a16:creationId xmlns:a16="http://schemas.microsoft.com/office/drawing/2014/main" id="{9980D8C5-6723-0B4F-9246-AFE7B435CDB6}"/>
+                </a:ext>
+              </a:extLst>
+            </p:cNvPr>
+            <p:cNvCxnSpPr>
+              <a:cxnSpLocks/>
+            </p:cNvCxnSpPr>
+            <p:nvPr/>
+          </p:nvCxnSpPr>
+          <p:spPr>
+            <a:xfrm flipV="1">
+              <a:off x="8995930" y="2813893"/>
+              <a:ext cx="1053674" cy="1064538"/>
+            </a:xfrm>
+            <a:prstGeom prst="straightConnector1">
+              <a:avLst/>
+            </a:prstGeom>
+            <a:ln w="25400">
+              <a:headEnd type="none" w="med" len="med"/>
+              <a:tailEnd type="none" w="med" len="med"/>
+            </a:ln>
+          </p:spPr>
+          <p:style>
+            <a:lnRef idx="1">
+              <a:schemeClr val="accent1"/>
+            </a:lnRef>
+            <a:fillRef idx="0">
+              <a:schemeClr val="accent1"/>
+            </a:fillRef>
+            <a:effectRef idx="0">
+              <a:schemeClr val="accent1"/>
+            </a:effectRef>
+            <a:fontRef idx="minor">
+              <a:schemeClr val="tx1"/>
+            </a:fontRef>
+          </p:style>
+        </p:cxnSp>
+        <p:cxnSp>
+          <p:nvCxnSpPr>
+            <p:cNvPr id="93" name="Straight Arrow Connector 92">
+              <a:extLst>
+                <a:ext uri="{FF2B5EF4-FFF2-40B4-BE49-F238E27FC236}">
+                  <a16:creationId xmlns:a16="http://schemas.microsoft.com/office/drawing/2014/main" id="{B1E80032-E2C7-8E40-8784-4DF7C0B13ED6}"/>
+                </a:ext>
+              </a:extLst>
+            </p:cNvPr>
+            <p:cNvCxnSpPr>
+              <a:cxnSpLocks/>
+            </p:cNvCxnSpPr>
+            <p:nvPr/>
+          </p:nvCxnSpPr>
+          <p:spPr>
+            <a:xfrm flipV="1">
+              <a:off x="8984325" y="2820453"/>
+              <a:ext cx="1076353" cy="1589621"/>
+            </a:xfrm>
+            <a:prstGeom prst="straightConnector1">
+              <a:avLst/>
+            </a:prstGeom>
+            <a:ln w="25400">
+              <a:headEnd type="none" w="med" len="med"/>
+              <a:tailEnd type="none" w="med" len="med"/>
+            </a:ln>
+          </p:spPr>
+          <p:style>
+            <a:lnRef idx="1">
+              <a:schemeClr val="accent1"/>
+            </a:lnRef>
+            <a:fillRef idx="0">
+              <a:schemeClr val="accent1"/>
+            </a:fillRef>
+            <a:effectRef idx="0">
+              <a:schemeClr val="accent1"/>
+            </a:effectRef>
+            <a:fontRef idx="minor">
+              <a:schemeClr val="tx1"/>
+            </a:fontRef>
+          </p:style>
+        </p:cxnSp>
+        <p:cxnSp>
+          <p:nvCxnSpPr>
+            <p:cNvPr id="95" name="Straight Arrow Connector 94">
+              <a:extLst>
+                <a:ext uri="{FF2B5EF4-FFF2-40B4-BE49-F238E27FC236}">
+                  <a16:creationId xmlns:a16="http://schemas.microsoft.com/office/drawing/2014/main" id="{563AF15F-38F3-AB42-86EC-66B788DBA69A}"/>
+                </a:ext>
+              </a:extLst>
+            </p:cNvPr>
+            <p:cNvCxnSpPr>
+              <a:cxnSpLocks/>
+            </p:cNvCxnSpPr>
+            <p:nvPr/>
+          </p:nvCxnSpPr>
+          <p:spPr>
+            <a:xfrm flipV="1">
+              <a:off x="8980052" y="2802902"/>
+              <a:ext cx="1091700" cy="2131730"/>
+            </a:xfrm>
+            <a:prstGeom prst="straightConnector1">
+              <a:avLst/>
+            </a:prstGeom>
+            <a:ln w="25400">
+              <a:headEnd type="none" w="med" len="med"/>
+              <a:tailEnd type="none" w="med" len="med"/>
+            </a:ln>
+          </p:spPr>
+          <p:style>
+            <a:lnRef idx="1">
+              <a:schemeClr val="accent1"/>
+            </a:lnRef>
+            <a:fillRef idx="0">
+              <a:schemeClr val="accent1"/>
+            </a:fillRef>
+            <a:effectRef idx="0">
+              <a:schemeClr val="accent1"/>
+            </a:effectRef>
+            <a:fontRef idx="minor">
+              <a:schemeClr val="tx1"/>
+            </a:fontRef>
+          </p:style>
+        </p:cxnSp>
+        <p:cxnSp>
+          <p:nvCxnSpPr>
+            <p:cNvPr id="97" name="Straight Arrow Connector 96">
+              <a:extLst>
+                <a:ext uri="{FF2B5EF4-FFF2-40B4-BE49-F238E27FC236}">
+                  <a16:creationId xmlns:a16="http://schemas.microsoft.com/office/drawing/2014/main" id="{996EB618-CD15-DC46-B600-AF98C2439D05}"/>
+                </a:ext>
+              </a:extLst>
+            </p:cNvPr>
+            <p:cNvCxnSpPr>
+              <a:cxnSpLocks/>
+            </p:cNvCxnSpPr>
+            <p:nvPr/>
+          </p:nvCxnSpPr>
+          <p:spPr>
+            <a:xfrm flipV="1">
+              <a:off x="8988873" y="2811766"/>
+              <a:ext cx="1093953" cy="2631936"/>
+            </a:xfrm>
+            <a:prstGeom prst="straightConnector1">
+              <a:avLst/>
+            </a:prstGeom>
+            <a:ln w="25400">
+              <a:headEnd type="none" w="med" len="med"/>
+              <a:tailEnd type="none" w="med" len="med"/>
+            </a:ln>
+          </p:spPr>
+          <p:style>
+            <a:lnRef idx="1">
+              <a:schemeClr val="accent1"/>
+            </a:lnRef>
+            <a:fillRef idx="0">
+              <a:schemeClr val="accent1"/>
+            </a:fillRef>
+            <a:effectRef idx="0">
+              <a:schemeClr val="accent1"/>
+            </a:effectRef>
+            <a:fontRef idx="minor">
+              <a:schemeClr val="tx1"/>
+            </a:fontRef>
+          </p:style>
+        </p:cxnSp>
+        <p:sp>
+          <p:nvSpPr>
+            <p:cNvPr id="36" name="TextBox 35">
+              <a:extLst>
+                <a:ext uri="{FF2B5EF4-FFF2-40B4-BE49-F238E27FC236}">
+                  <a16:creationId xmlns:a16="http://schemas.microsoft.com/office/drawing/2014/main" id="{F84F2D27-6A09-F742-B22C-2AB161103D33}"/>
+                </a:ext>
+              </a:extLst>
+            </p:cNvPr>
+            <p:cNvSpPr txBox="1"/>
+            <p:nvPr/>
+          </p:nvSpPr>
+          <p:spPr>
+            <a:xfrm>
+              <a:off x="2348004" y="5844779"/>
+              <a:ext cx="1656454" cy="276999"/>
+            </a:xfrm>
+            <a:prstGeom prst="rect">
+              <a:avLst/>
+            </a:prstGeom>
+            <a:solidFill>
+              <a:schemeClr val="bg1"/>
+            </a:solidFill>
+            <a:ln>
+              <a:noFill/>
+            </a:ln>
+          </p:spPr>
+          <p:txBody>
+            <a:bodyPr wrap="square" rtlCol="0">
+              <a:spAutoFit/>
+            </a:bodyPr>
+            <a:lstStyle/>
+            <a:p>
+              <a:r>
+                <a:rPr lang="en-IT" sz="1200" dirty="0"/>
+                <a:t>Convolutional layer 1</a:t>
+              </a:r>
+            </a:p>
+          </p:txBody>
+        </p:sp>
+        <p:sp>
+          <p:nvSpPr>
+            <p:cNvPr id="146" name="TextBox 145">
+              <a:extLst>
+                <a:ext uri="{FF2B5EF4-FFF2-40B4-BE49-F238E27FC236}">
+                  <a16:creationId xmlns:a16="http://schemas.microsoft.com/office/drawing/2014/main" id="{33E54297-0F80-6F42-822B-8E587675309A}"/>
+                </a:ext>
+              </a:extLst>
+            </p:cNvPr>
+            <p:cNvSpPr txBox="1"/>
+            <p:nvPr/>
+          </p:nvSpPr>
+          <p:spPr>
+            <a:xfrm>
+              <a:off x="3662951" y="5292253"/>
+              <a:ext cx="1377687" cy="276999"/>
+            </a:xfrm>
+            <a:prstGeom prst="rect">
+              <a:avLst/>
+            </a:prstGeom>
+            <a:solidFill>
+              <a:schemeClr val="bg1"/>
+            </a:solidFill>
+            <a:ln>
+              <a:noFill/>
+            </a:ln>
+          </p:spPr>
+          <p:txBody>
+            <a:bodyPr wrap="square" rtlCol="0">
+              <a:spAutoFit/>
+            </a:bodyPr>
+            <a:lstStyle/>
+            <a:p>
+              <a:r>
+                <a:rPr lang="en-IT" sz="1200" dirty="0"/>
+                <a:t>Pooling layer 1</a:t>
+              </a:r>
+            </a:p>
+          </p:txBody>
+        </p:sp>
+        <p:sp>
+          <p:nvSpPr>
+            <p:cNvPr id="148" name="Trapezium 147">
+              <a:extLst>
+                <a:ext uri="{FF2B5EF4-FFF2-40B4-BE49-F238E27FC236}">
+                  <a16:creationId xmlns:a16="http://schemas.microsoft.com/office/drawing/2014/main" id="{E2DCFFF1-20BD-3340-9F3D-E6DFF9B24416}"/>
+                </a:ext>
+              </a:extLst>
+            </p:cNvPr>
+            <p:cNvSpPr/>
+            <p:nvPr/>
+          </p:nvSpPr>
+          <p:spPr>
+            <a:xfrm rot="5400000">
+              <a:off x="2188381" y="3492139"/>
+              <a:ext cx="3333500" cy="219140"/>
+            </a:xfrm>
+            <a:prstGeom prst="trapezoid">
+              <a:avLst>
+                <a:gd name="adj" fmla="val 0"/>
+              </a:avLst>
+            </a:prstGeom>
+            <a:solidFill>
+              <a:schemeClr val="accent5">
+                <a:lumMod val="20000"/>
+                <a:lumOff val="80000"/>
+              </a:schemeClr>
+            </a:solidFill>
+          </p:spPr>
+          <p:style>
+            <a:lnRef idx="2">
+              <a:schemeClr val="accent1">
+                <a:shade val="50000"/>
+              </a:schemeClr>
+            </a:lnRef>
+            <a:fillRef idx="1">
+              <a:schemeClr val="accent1"/>
+            </a:fillRef>
+            <a:effectRef idx="0">
+              <a:schemeClr val="accent1"/>
+            </a:effectRef>
+            <a:fontRef idx="minor">
+              <a:schemeClr val="lt1"/>
+            </a:fontRef>
+          </p:style>
+          <p:txBody>
+            <a:bodyPr rtlCol="0" anchor="ctr"/>
+            <a:lstStyle/>
+            <a:p>
+              <a:pPr algn="ctr"/>
+              <a:endParaRPr lang="it-IT" sz="3200" dirty="0">
+                <a:solidFill>
+                  <a:schemeClr val="accent1"/>
+                </a:solidFill>
+              </a:endParaRPr>
+            </a:p>
+          </p:txBody>
+        </p:sp>
+        <p:sp>
+          <p:nvSpPr>
+            <p:cNvPr id="149" name="Trapezium 148">
+              <a:extLst>
+                <a:ext uri="{FF2B5EF4-FFF2-40B4-BE49-F238E27FC236}">
+                  <a16:creationId xmlns:a16="http://schemas.microsoft.com/office/drawing/2014/main" id="{9D5C6867-BA06-7A46-B5FA-660CA9ABE4A8}"/>
+                </a:ext>
+              </a:extLst>
+            </p:cNvPr>
+            <p:cNvSpPr/>
+            <p:nvPr/>
+          </p:nvSpPr>
+          <p:spPr>
+            <a:xfrm rot="5400000">
+              <a:off x="2533809" y="3492138"/>
+              <a:ext cx="3333500" cy="219142"/>
+            </a:xfrm>
+            <a:prstGeom prst="trapezoid">
+              <a:avLst>
+                <a:gd name="adj" fmla="val 0"/>
+              </a:avLst>
+            </a:prstGeom>
+            <a:solidFill>
+              <a:schemeClr val="accent5">
+                <a:lumMod val="20000"/>
+                <a:lumOff val="80000"/>
+              </a:schemeClr>
+            </a:solidFill>
+          </p:spPr>
+          <p:style>
+            <a:lnRef idx="2">
+              <a:schemeClr val="accent1">
+                <a:shade val="50000"/>
+              </a:schemeClr>
+            </a:lnRef>
+            <a:fillRef idx="1">
+              <a:schemeClr val="accent1"/>
+            </a:fillRef>
+            <a:effectRef idx="0">
+              <a:schemeClr val="accent1"/>
+            </a:effectRef>
+            <a:fontRef idx="minor">
+              <a:schemeClr val="lt1"/>
+            </a:fontRef>
+          </p:style>
+          <p:txBody>
+            <a:bodyPr rtlCol="0" anchor="ctr"/>
+            <a:lstStyle/>
+            <a:p>
+              <a:pPr algn="ctr"/>
+              <a:endParaRPr lang="it-IT" sz="3200" dirty="0">
+                <a:solidFill>
+                  <a:schemeClr val="accent1"/>
+                </a:solidFill>
+              </a:endParaRPr>
+            </a:p>
+          </p:txBody>
+        </p:sp>
+        <p:sp>
+          <p:nvSpPr>
+            <p:cNvPr id="150" name="Trapezium 149">
+              <a:extLst>
+                <a:ext uri="{FF2B5EF4-FFF2-40B4-BE49-F238E27FC236}">
+                  <a16:creationId xmlns:a16="http://schemas.microsoft.com/office/drawing/2014/main" id="{1446E1EF-3F37-644D-B03A-A0EEB1A14E75}"/>
+                </a:ext>
+              </a:extLst>
+            </p:cNvPr>
+            <p:cNvSpPr/>
+            <p:nvPr/>
+          </p:nvSpPr>
+          <p:spPr>
+            <a:xfrm rot="5400000">
+              <a:off x="2879237" y="3492139"/>
+              <a:ext cx="3333502" cy="219143"/>
+            </a:xfrm>
+            <a:prstGeom prst="trapezoid">
+              <a:avLst>
+                <a:gd name="adj" fmla="val 0"/>
+              </a:avLst>
+            </a:prstGeom>
+            <a:solidFill>
+              <a:schemeClr val="accent5">
+                <a:lumMod val="20000"/>
+                <a:lumOff val="80000"/>
+              </a:schemeClr>
+            </a:solidFill>
+          </p:spPr>
+          <p:style>
+            <a:lnRef idx="2">
+              <a:schemeClr val="accent1">
+                <a:shade val="50000"/>
+              </a:schemeClr>
+            </a:lnRef>
+            <a:fillRef idx="1">
+              <a:schemeClr val="accent1"/>
+            </a:fillRef>
+            <a:effectRef idx="0">
+              <a:schemeClr val="accent1"/>
+            </a:effectRef>
+            <a:fontRef idx="minor">
+              <a:schemeClr val="lt1"/>
+            </a:fontRef>
+          </p:style>
+          <p:txBody>
+            <a:bodyPr rtlCol="0" anchor="ctr"/>
+            <a:lstStyle/>
+            <a:p>
+              <a:pPr algn="ctr"/>
+              <a:endParaRPr lang="it-IT" sz="3200" dirty="0">
+                <a:solidFill>
+                  <a:schemeClr val="accent1"/>
+                </a:solidFill>
+              </a:endParaRPr>
+            </a:p>
+          </p:txBody>
+        </p:sp>
+        <p:sp>
+          <p:nvSpPr>
+            <p:cNvPr id="151" name="TextBox 150">
+              <a:extLst>
+                <a:ext uri="{FF2B5EF4-FFF2-40B4-BE49-F238E27FC236}">
+                  <a16:creationId xmlns:a16="http://schemas.microsoft.com/office/drawing/2014/main" id="{65AF4043-F9EB-F749-8C18-F02297A5BC43}"/>
+                </a:ext>
+              </a:extLst>
+            </p:cNvPr>
+            <p:cNvSpPr txBox="1"/>
+            <p:nvPr/>
+          </p:nvSpPr>
+          <p:spPr>
+            <a:xfrm>
+              <a:off x="6605242" y="4275585"/>
+              <a:ext cx="1377687" cy="276999"/>
+            </a:xfrm>
+            <a:prstGeom prst="rect">
+              <a:avLst/>
+            </a:prstGeom>
+            <a:solidFill>
+              <a:schemeClr val="bg1"/>
+            </a:solidFill>
+            <a:ln>
+              <a:noFill/>
+            </a:ln>
+          </p:spPr>
+          <p:txBody>
+            <a:bodyPr wrap="square" rtlCol="0">
+              <a:spAutoFit/>
+            </a:bodyPr>
+            <a:lstStyle/>
+            <a:p>
+              <a:r>
+                <a:rPr lang="en-IT" sz="1200" dirty="0"/>
+                <a:t>Pooling layer 2</a:t>
+              </a:r>
+            </a:p>
+          </p:txBody>
+        </p:sp>
+        <p:sp>
+          <p:nvSpPr>
+            <p:cNvPr id="152" name="Trapezium 151">
+              <a:extLst>
+                <a:ext uri="{FF2B5EF4-FFF2-40B4-BE49-F238E27FC236}">
+                  <a16:creationId xmlns:a16="http://schemas.microsoft.com/office/drawing/2014/main" id="{8A8889FD-3BBB-BD40-A712-44F5A5EC7EC8}"/>
+                </a:ext>
+              </a:extLst>
+            </p:cNvPr>
+            <p:cNvSpPr/>
+            <p:nvPr/>
+          </p:nvSpPr>
+          <p:spPr>
+            <a:xfrm rot="5400000">
+              <a:off x="3595309" y="3492139"/>
+              <a:ext cx="3333500" cy="219140"/>
+            </a:xfrm>
+            <a:prstGeom prst="trapezoid">
+              <a:avLst>
+                <a:gd name="adj" fmla="val 0"/>
+              </a:avLst>
+            </a:prstGeom>
+            <a:solidFill>
+              <a:schemeClr val="accent5">
+                <a:lumMod val="20000"/>
+                <a:lumOff val="80000"/>
+              </a:schemeClr>
+            </a:solidFill>
+          </p:spPr>
+          <p:style>
+            <a:lnRef idx="2">
+              <a:schemeClr val="accent1">
+                <a:shade val="50000"/>
+              </a:schemeClr>
+            </a:lnRef>
+            <a:fillRef idx="1">
+              <a:schemeClr val="accent1"/>
+            </a:fillRef>
+            <a:effectRef idx="0">
+              <a:schemeClr val="accent1"/>
+            </a:effectRef>
+            <a:fontRef idx="minor">
+              <a:schemeClr val="lt1"/>
+            </a:fontRef>
+          </p:style>
+          <p:txBody>
+            <a:bodyPr rtlCol="0" anchor="ctr"/>
+            <a:lstStyle/>
+            <a:p>
+              <a:pPr algn="ctr"/>
+              <a:endParaRPr lang="it-IT" sz="3200" dirty="0">
+                <a:solidFill>
+                  <a:schemeClr val="accent1"/>
+                </a:solidFill>
+              </a:endParaRPr>
+            </a:p>
+          </p:txBody>
+        </p:sp>
+        <p:sp>
+          <p:nvSpPr>
+            <p:cNvPr id="153" name="Trapezium 152">
+              <a:extLst>
+                <a:ext uri="{FF2B5EF4-FFF2-40B4-BE49-F238E27FC236}">
+                  <a16:creationId xmlns:a16="http://schemas.microsoft.com/office/drawing/2014/main" id="{18355326-6206-6C4D-A816-4E54C2F047FB}"/>
+                </a:ext>
+              </a:extLst>
+            </p:cNvPr>
+            <p:cNvSpPr/>
+            <p:nvPr/>
+          </p:nvSpPr>
+          <p:spPr>
+            <a:xfrm rot="5400000">
+              <a:off x="3940737" y="3492138"/>
+              <a:ext cx="3333500" cy="219142"/>
+            </a:xfrm>
+            <a:prstGeom prst="trapezoid">
+              <a:avLst>
+                <a:gd name="adj" fmla="val 0"/>
+              </a:avLst>
+            </a:prstGeom>
+            <a:solidFill>
+              <a:schemeClr val="accent5">
+                <a:lumMod val="20000"/>
+                <a:lumOff val="80000"/>
+              </a:schemeClr>
+            </a:solidFill>
+          </p:spPr>
+          <p:style>
+            <a:lnRef idx="2">
+              <a:schemeClr val="accent1">
+                <a:shade val="50000"/>
+              </a:schemeClr>
+            </a:lnRef>
+            <a:fillRef idx="1">
+              <a:schemeClr val="accent1"/>
+            </a:fillRef>
+            <a:effectRef idx="0">
+              <a:schemeClr val="accent1"/>
+            </a:effectRef>
+            <a:fontRef idx="minor">
+              <a:schemeClr val="lt1"/>
+            </a:fontRef>
+          </p:style>
+          <p:txBody>
+            <a:bodyPr rtlCol="0" anchor="ctr"/>
+            <a:lstStyle/>
+            <a:p>
+              <a:pPr algn="ctr"/>
+              <a:endParaRPr lang="it-IT" sz="3200" dirty="0">
+                <a:solidFill>
+                  <a:schemeClr val="accent1"/>
+                </a:solidFill>
+              </a:endParaRPr>
+            </a:p>
+          </p:txBody>
+        </p:sp>
+        <p:sp>
+          <p:nvSpPr>
+            <p:cNvPr id="154" name="Trapezium 153">
+              <a:extLst>
+                <a:ext uri="{FF2B5EF4-FFF2-40B4-BE49-F238E27FC236}">
+                  <a16:creationId xmlns:a16="http://schemas.microsoft.com/office/drawing/2014/main" id="{2E1A0DF8-A738-B546-9ECD-07F1CB9835F2}"/>
+                </a:ext>
+              </a:extLst>
+            </p:cNvPr>
+            <p:cNvSpPr/>
+            <p:nvPr/>
+          </p:nvSpPr>
+          <p:spPr>
+            <a:xfrm rot="5400000">
+              <a:off x="4286165" y="3492139"/>
+              <a:ext cx="3333502" cy="219143"/>
+            </a:xfrm>
+            <a:prstGeom prst="trapezoid">
+              <a:avLst>
+                <a:gd name="adj" fmla="val 0"/>
+              </a:avLst>
+            </a:prstGeom>
+            <a:solidFill>
+              <a:schemeClr val="accent5">
+                <a:lumMod val="20000"/>
+                <a:lumOff val="80000"/>
+              </a:schemeClr>
+            </a:solidFill>
+          </p:spPr>
+          <p:style>
+            <a:lnRef idx="2">
+              <a:schemeClr val="accent1">
+                <a:shade val="50000"/>
+              </a:schemeClr>
+            </a:lnRef>
+            <a:fillRef idx="1">
+              <a:schemeClr val="accent1"/>
+            </a:fillRef>
+            <a:effectRef idx="0">
+              <a:schemeClr val="accent1"/>
+            </a:effectRef>
+            <a:fontRef idx="minor">
+              <a:schemeClr val="lt1"/>
+            </a:fontRef>
+          </p:style>
+          <p:txBody>
+            <a:bodyPr rtlCol="0" anchor="ctr"/>
+            <a:lstStyle/>
+            <a:p>
+              <a:pPr algn="ctr"/>
+              <a:endParaRPr lang="it-IT" sz="3200" dirty="0">
+                <a:solidFill>
+                  <a:schemeClr val="accent1"/>
+                </a:solidFill>
+              </a:endParaRPr>
+            </a:p>
+          </p:txBody>
+        </p:sp>
+        <p:sp>
+          <p:nvSpPr>
+            <p:cNvPr id="155" name="Trapezium 154">
+              <a:extLst>
+                <a:ext uri="{FF2B5EF4-FFF2-40B4-BE49-F238E27FC236}">
+                  <a16:creationId xmlns:a16="http://schemas.microsoft.com/office/drawing/2014/main" id="{6399E370-0B17-7F4F-9D85-EEC53F711E63}"/>
+                </a:ext>
+              </a:extLst>
+            </p:cNvPr>
+            <p:cNvSpPr/>
+            <p:nvPr/>
+          </p:nvSpPr>
+          <p:spPr>
+            <a:xfrm rot="5400000">
+              <a:off x="4616365" y="3492139"/>
+              <a:ext cx="3333502" cy="219143"/>
+            </a:xfrm>
+            <a:prstGeom prst="trapezoid">
+              <a:avLst>
+                <a:gd name="adj" fmla="val 0"/>
+              </a:avLst>
+            </a:prstGeom>
+            <a:solidFill>
+              <a:schemeClr val="accent5">
+                <a:lumMod val="20000"/>
+                <a:lumOff val="80000"/>
+              </a:schemeClr>
+            </a:solidFill>
+          </p:spPr>
+          <p:style>
+            <a:lnRef idx="2">
+              <a:schemeClr val="accent1">
+                <a:shade val="50000"/>
+              </a:schemeClr>
+            </a:lnRef>
+            <a:fillRef idx="1">
+              <a:schemeClr val="accent1"/>
+            </a:fillRef>
+            <a:effectRef idx="0">
+              <a:schemeClr val="accent1"/>
+            </a:effectRef>
+            <a:fontRef idx="minor">
+              <a:schemeClr val="lt1"/>
+            </a:fontRef>
+          </p:style>
+          <p:txBody>
+            <a:bodyPr rtlCol="0" anchor="ctr"/>
+            <a:lstStyle/>
+            <a:p>
+              <a:pPr algn="ctr"/>
+              <a:endParaRPr lang="it-IT" sz="3200" dirty="0">
+                <a:solidFill>
+                  <a:schemeClr val="accent1"/>
+                </a:solidFill>
+              </a:endParaRPr>
+            </a:p>
+          </p:txBody>
+        </p:sp>
+        <p:sp>
+          <p:nvSpPr>
+            <p:cNvPr id="157" name="TextBox 156">
+              <a:extLst>
+                <a:ext uri="{FF2B5EF4-FFF2-40B4-BE49-F238E27FC236}">
+                  <a16:creationId xmlns:a16="http://schemas.microsoft.com/office/drawing/2014/main" id="{F865176C-2875-DB4D-8D0A-92B877794A7D}"/>
+                </a:ext>
+              </a:extLst>
+            </p:cNvPr>
+            <p:cNvSpPr txBox="1"/>
+            <p:nvPr/>
+          </p:nvSpPr>
+          <p:spPr>
+            <a:xfrm>
+              <a:off x="5046516" y="5291128"/>
+              <a:ext cx="1544473" cy="276999"/>
+            </a:xfrm>
+            <a:prstGeom prst="rect">
+              <a:avLst/>
+            </a:prstGeom>
+            <a:noFill/>
+            <a:ln>
+              <a:noFill/>
+            </a:ln>
+          </p:spPr>
+          <p:txBody>
+            <a:bodyPr wrap="square" rtlCol="0">
+              <a:spAutoFit/>
+            </a:bodyPr>
+            <a:lstStyle/>
+            <a:p>
+              <a:r>
+                <a:rPr lang="en-IT" sz="1200" dirty="0"/>
+                <a:t>Convolutional layer 2</a:t>
+              </a:r>
+            </a:p>
+          </p:txBody>
+        </p:sp>
+        <p:sp>
+          <p:nvSpPr>
+            <p:cNvPr id="164" name="Trapezium 163">
+              <a:extLst>
+                <a:ext uri="{FF2B5EF4-FFF2-40B4-BE49-F238E27FC236}">
+                  <a16:creationId xmlns:a16="http://schemas.microsoft.com/office/drawing/2014/main" id="{1DB3CC08-C44A-3148-8933-22F89D8FF893}"/>
+                </a:ext>
+              </a:extLst>
+            </p:cNvPr>
+            <p:cNvSpPr/>
+            <p:nvPr/>
+          </p:nvSpPr>
+          <p:spPr>
+            <a:xfrm rot="5400000">
+              <a:off x="6251944" y="3570998"/>
+              <a:ext cx="1131959" cy="219142"/>
+            </a:xfrm>
+            <a:prstGeom prst="trapezoid">
+              <a:avLst>
+                <a:gd name="adj" fmla="val 0"/>
+              </a:avLst>
+            </a:prstGeom>
+            <a:solidFill>
+              <a:schemeClr val="accent5">
+                <a:lumMod val="20000"/>
+                <a:lumOff val="80000"/>
+              </a:schemeClr>
+            </a:solidFill>
+          </p:spPr>
+          <p:style>
+            <a:lnRef idx="2">
+              <a:schemeClr val="accent1">
+                <a:shade val="50000"/>
+              </a:schemeClr>
+            </a:lnRef>
+            <a:fillRef idx="1">
+              <a:schemeClr val="accent1"/>
+            </a:fillRef>
+            <a:effectRef idx="0">
+              <a:schemeClr val="accent1"/>
+            </a:effectRef>
+            <a:fontRef idx="minor">
+              <a:schemeClr val="lt1"/>
+            </a:fontRef>
+          </p:style>
+          <p:txBody>
+            <a:bodyPr rtlCol="0" anchor="ctr"/>
+            <a:lstStyle/>
+            <a:p>
+              <a:pPr algn="ctr"/>
+              <a:endParaRPr lang="it-IT" sz="3200" dirty="0">
+                <a:solidFill>
+                  <a:schemeClr val="accent1"/>
+                </a:solidFill>
+              </a:endParaRPr>
+            </a:p>
+          </p:txBody>
+        </p:sp>
+        <p:sp>
+          <p:nvSpPr>
+            <p:cNvPr id="165" name="Trapezium 164">
+              <a:extLst>
+                <a:ext uri="{FF2B5EF4-FFF2-40B4-BE49-F238E27FC236}">
+                  <a16:creationId xmlns:a16="http://schemas.microsoft.com/office/drawing/2014/main" id="{4FEE4E70-1A29-BB48-B55B-E31DDF0708CC}"/>
+                </a:ext>
+              </a:extLst>
+            </p:cNvPr>
+            <p:cNvSpPr/>
+            <p:nvPr/>
+          </p:nvSpPr>
+          <p:spPr>
+            <a:xfrm rot="5400000">
+              <a:off x="6597372" y="3570997"/>
+              <a:ext cx="1131959" cy="219144"/>
+            </a:xfrm>
+            <a:prstGeom prst="trapezoid">
+              <a:avLst>
+                <a:gd name="adj" fmla="val 0"/>
+              </a:avLst>
+            </a:prstGeom>
+            <a:solidFill>
+              <a:schemeClr val="accent5">
+                <a:lumMod val="20000"/>
+                <a:lumOff val="80000"/>
+              </a:schemeClr>
+            </a:solidFill>
+          </p:spPr>
+          <p:style>
+            <a:lnRef idx="2">
+              <a:schemeClr val="accent1">
+                <a:shade val="50000"/>
+              </a:schemeClr>
+            </a:lnRef>
+            <a:fillRef idx="1">
+              <a:schemeClr val="accent1"/>
+            </a:fillRef>
+            <a:effectRef idx="0">
+              <a:schemeClr val="accent1"/>
+            </a:effectRef>
+            <a:fontRef idx="minor">
+              <a:schemeClr val="lt1"/>
+            </a:fontRef>
+          </p:style>
+          <p:txBody>
+            <a:bodyPr rtlCol="0" anchor="ctr"/>
+            <a:lstStyle/>
+            <a:p>
+              <a:pPr algn="ctr"/>
+              <a:endParaRPr lang="it-IT" sz="3200" dirty="0">
+                <a:solidFill>
+                  <a:schemeClr val="accent1"/>
+                </a:solidFill>
+              </a:endParaRPr>
+            </a:p>
+          </p:txBody>
+        </p:sp>
+        <p:sp>
+          <p:nvSpPr>
+            <p:cNvPr id="166" name="Trapezium 165">
+              <a:extLst>
+                <a:ext uri="{FF2B5EF4-FFF2-40B4-BE49-F238E27FC236}">
+                  <a16:creationId xmlns:a16="http://schemas.microsoft.com/office/drawing/2014/main" id="{9AF32A57-9227-E744-9AE4-0DDB569F4157}"/>
+                </a:ext>
+              </a:extLst>
+            </p:cNvPr>
+            <p:cNvSpPr/>
+            <p:nvPr/>
+          </p:nvSpPr>
+          <p:spPr>
+            <a:xfrm rot="5400000">
+              <a:off x="6942799" y="3570999"/>
+              <a:ext cx="1131962" cy="219145"/>
+            </a:xfrm>
+            <a:prstGeom prst="trapezoid">
+              <a:avLst>
+                <a:gd name="adj" fmla="val 0"/>
+              </a:avLst>
+            </a:prstGeom>
+            <a:solidFill>
+              <a:schemeClr val="accent5">
+                <a:lumMod val="20000"/>
+                <a:lumOff val="80000"/>
+              </a:schemeClr>
+            </a:solidFill>
+          </p:spPr>
+          <p:style>
+            <a:lnRef idx="2">
+              <a:schemeClr val="accent1">
+                <a:shade val="50000"/>
+              </a:schemeClr>
+            </a:lnRef>
+            <a:fillRef idx="1">
+              <a:schemeClr val="accent1"/>
+            </a:fillRef>
+            <a:effectRef idx="0">
+              <a:schemeClr val="accent1"/>
+            </a:effectRef>
+            <a:fontRef idx="minor">
+              <a:schemeClr val="lt1"/>
+            </a:fontRef>
+          </p:style>
+          <p:txBody>
+            <a:bodyPr rtlCol="0" anchor="ctr"/>
+            <a:lstStyle/>
+            <a:p>
+              <a:pPr algn="ctr"/>
+              <a:endParaRPr lang="it-IT" sz="3200" dirty="0">
+                <a:solidFill>
+                  <a:schemeClr val="accent1"/>
+                </a:solidFill>
+              </a:endParaRPr>
+            </a:p>
+          </p:txBody>
+        </p:sp>
+        <p:sp>
+          <p:nvSpPr>
+            <p:cNvPr id="167" name="Trapezium 166">
+              <a:extLst>
+                <a:ext uri="{FF2B5EF4-FFF2-40B4-BE49-F238E27FC236}">
+                  <a16:creationId xmlns:a16="http://schemas.microsoft.com/office/drawing/2014/main" id="{98C43059-F2C6-CC4F-9E31-2B37D2B9D87B}"/>
+                </a:ext>
+              </a:extLst>
+            </p:cNvPr>
+            <p:cNvSpPr/>
+            <p:nvPr/>
+          </p:nvSpPr>
+          <p:spPr>
+            <a:xfrm rot="5400000">
+              <a:off x="7273000" y="3570998"/>
+              <a:ext cx="1131962" cy="219145"/>
+            </a:xfrm>
+            <a:prstGeom prst="trapezoid">
+              <a:avLst>
+                <a:gd name="adj" fmla="val 0"/>
+              </a:avLst>
+            </a:prstGeom>
+            <a:solidFill>
+              <a:schemeClr val="accent5">
+                <a:lumMod val="20000"/>
+                <a:lumOff val="80000"/>
+              </a:schemeClr>
+            </a:solidFill>
+          </p:spPr>
+          <p:style>
+            <a:lnRef idx="2">
+              <a:schemeClr val="accent1">
+                <a:shade val="50000"/>
+              </a:schemeClr>
+            </a:lnRef>
+            <a:fillRef idx="1">
+              <a:schemeClr val="accent1"/>
+            </a:fillRef>
+            <a:effectRef idx="0">
+              <a:schemeClr val="accent1"/>
+            </a:effectRef>
+            <a:fontRef idx="minor">
+              <a:schemeClr val="lt1"/>
+            </a:fontRef>
+          </p:style>
+          <p:txBody>
+            <a:bodyPr rtlCol="0" anchor="ctr"/>
+            <a:lstStyle/>
+            <a:p>
+              <a:pPr algn="ctr"/>
+              <a:endParaRPr lang="it-IT" sz="3200" dirty="0">
+                <a:solidFill>
+                  <a:schemeClr val="accent1"/>
+                </a:solidFill>
+              </a:endParaRPr>
+            </a:p>
+          </p:txBody>
+        </p:sp>
+        <p:cxnSp>
+          <p:nvCxnSpPr>
+            <p:cNvPr id="174" name="Straight Connector 173">
+              <a:extLst>
+                <a:ext uri="{FF2B5EF4-FFF2-40B4-BE49-F238E27FC236}">
+                  <a16:creationId xmlns:a16="http://schemas.microsoft.com/office/drawing/2014/main" id="{BE23690D-59FE-7743-A13A-E7DC705AE312}"/>
+                </a:ext>
+              </a:extLst>
+            </p:cNvPr>
+            <p:cNvCxnSpPr>
+              <a:stCxn id="57" idx="2"/>
+              <a:endCxn id="57" idx="0"/>
+            </p:cNvCxnSpPr>
+            <p:nvPr/>
+          </p:nvCxnSpPr>
+          <p:spPr>
+            <a:xfrm>
+              <a:off x="8225297" y="3602514"/>
+              <a:ext cx="253336" cy="0"/>
+            </a:xfrm>
+            <a:prstGeom prst="line">
+              <a:avLst/>
+            </a:prstGeom>
+            <a:ln w="12700">
+              <a:solidFill>
+                <a:schemeClr val="accent1">
+                  <a:lumMod val="75000"/>
+                </a:schemeClr>
+              </a:solidFill>
+            </a:ln>
+          </p:spPr>
+          <p:style>
+            <a:lnRef idx="1">
+              <a:schemeClr val="accent1"/>
+            </a:lnRef>
+            <a:fillRef idx="0">
+              <a:schemeClr val="accent1"/>
+            </a:fillRef>
+            <a:effectRef idx="0">
+              <a:schemeClr val="accent1"/>
+            </a:effectRef>
+            <a:fontRef idx="minor">
+              <a:schemeClr val="tx1"/>
+            </a:fontRef>
+          </p:style>
+        </p:cxnSp>
+        <p:cxnSp>
+          <p:nvCxnSpPr>
+            <p:cNvPr id="175" name="Straight Connector 174">
+              <a:extLst>
+                <a:ext uri="{FF2B5EF4-FFF2-40B4-BE49-F238E27FC236}">
+                  <a16:creationId xmlns:a16="http://schemas.microsoft.com/office/drawing/2014/main" id="{C4DC3FA5-B3CF-9749-BBC3-BC0F5A64C7AF}"/>
+                </a:ext>
+              </a:extLst>
+            </p:cNvPr>
+            <p:cNvCxnSpPr/>
+            <p:nvPr/>
+          </p:nvCxnSpPr>
+          <p:spPr>
+            <a:xfrm>
+              <a:off x="8216830" y="2451047"/>
+              <a:ext cx="253336" cy="0"/>
+            </a:xfrm>
+            <a:prstGeom prst="line">
+              <a:avLst/>
+            </a:prstGeom>
+            <a:ln w="12700">
+              <a:solidFill>
+                <a:schemeClr val="accent1">
+                  <a:lumMod val="75000"/>
+                </a:schemeClr>
+              </a:solidFill>
+            </a:ln>
+          </p:spPr>
+          <p:style>
+            <a:lnRef idx="1">
+              <a:schemeClr val="accent1"/>
+            </a:lnRef>
+            <a:fillRef idx="0">
+              <a:schemeClr val="accent1"/>
+            </a:fillRef>
+            <a:effectRef idx="0">
+              <a:schemeClr val="accent1"/>
+            </a:effectRef>
+            <a:fontRef idx="minor">
+              <a:schemeClr val="tx1"/>
+            </a:fontRef>
+          </p:style>
+        </p:cxnSp>
+        <p:cxnSp>
+          <p:nvCxnSpPr>
+            <p:cNvPr id="176" name="Straight Connector 175">
+              <a:extLst>
+                <a:ext uri="{FF2B5EF4-FFF2-40B4-BE49-F238E27FC236}">
+                  <a16:creationId xmlns:a16="http://schemas.microsoft.com/office/drawing/2014/main" id="{638CBCED-7541-9349-9856-5EC2E7CDBA2C}"/>
+                </a:ext>
+              </a:extLst>
+            </p:cNvPr>
+            <p:cNvCxnSpPr/>
+            <p:nvPr/>
+          </p:nvCxnSpPr>
+          <p:spPr>
+            <a:xfrm>
+              <a:off x="8225294" y="4694718"/>
+              <a:ext cx="253336" cy="0"/>
+            </a:xfrm>
+            <a:prstGeom prst="line">
+              <a:avLst/>
+            </a:prstGeom>
+            <a:ln w="12700">
+              <a:solidFill>
+                <a:schemeClr val="accent1">
+                  <a:lumMod val="75000"/>
+                </a:schemeClr>
+              </a:solidFill>
+            </a:ln>
+          </p:spPr>
+          <p:style>
+            <a:lnRef idx="1">
+              <a:schemeClr val="accent1"/>
+            </a:lnRef>
+            <a:fillRef idx="0">
+              <a:schemeClr val="accent1"/>
+            </a:fillRef>
+            <a:effectRef idx="0">
+              <a:schemeClr val="accent1"/>
+            </a:effectRef>
+            <a:fontRef idx="minor">
+              <a:schemeClr val="tx1"/>
+            </a:fontRef>
+          </p:style>
+        </p:cxnSp>
+        <p:sp>
+          <p:nvSpPr>
+            <p:cNvPr id="179" name="TextBox 178">
+              <a:extLst>
+                <a:ext uri="{FF2B5EF4-FFF2-40B4-BE49-F238E27FC236}">
+                  <a16:creationId xmlns:a16="http://schemas.microsoft.com/office/drawing/2014/main" id="{5942F5B6-EF42-D445-8245-1A36272E03D4}"/>
+                </a:ext>
+              </a:extLst>
+            </p:cNvPr>
+            <p:cNvSpPr txBox="1"/>
+            <p:nvPr/>
+          </p:nvSpPr>
+          <p:spPr>
+            <a:xfrm>
+              <a:off x="7298599" y="5837868"/>
+              <a:ext cx="1927215" cy="307777"/>
+            </a:xfrm>
+            <a:prstGeom prst="rect">
+              <a:avLst/>
+            </a:prstGeom>
+            <a:noFill/>
+          </p:spPr>
+          <p:txBody>
+            <a:bodyPr wrap="square" rtlCol="0">
+              <a:spAutoFit/>
+            </a:bodyPr>
+            <a:lstStyle/>
+            <a:p>
+              <a:r>
+                <a:rPr lang="en-IT" sz="1400" dirty="0"/>
+                <a:t>Flattening layer</a:t>
+              </a:r>
+            </a:p>
+          </p:txBody>
+        </p:sp>
+      </p:grpSp>
+    </p:spTree>
+    <p:extLst>
+      <p:ext uri="{BB962C8B-B14F-4D97-AF65-F5344CB8AC3E}">
+        <p14:creationId xmlns:p14="http://schemas.microsoft.com/office/powerpoint/2010/main" val="3701804670"/>
+      </p:ext>
+    </p:extLst>
+  </p:cSld>
+  <p:clrMapOvr>
+    <a:masterClrMapping/>
+  </p:clrMapOvr>
+</p:sld>
+</file>
+
+<file path=ppt/slides/slide5.xml><?xml version="1.0" encoding="utf-8"?>
+<p:sld xmlns:a="http://schemas.openxmlformats.org/drawingml/2006/main" xmlns:r="http://schemas.openxmlformats.org/officeDocument/2006/relationships" xmlns:p="http://schemas.openxmlformats.org/presentationml/2006/main">
+  <p:cSld>
+    <p:spTree>
+      <p:nvGrpSpPr>
+        <p:cNvPr id="1" name=""/>
+        <p:cNvGrpSpPr/>
+        <p:nvPr/>
+      </p:nvGrpSpPr>
+      <p:grpSpPr>
+        <a:xfrm>
+          <a:off x="0" y="0"/>
+          <a:ext cx="0" cy="0"/>
+          <a:chOff x="0" y="0"/>
+          <a:chExt cx="0" cy="0"/>
+        </a:xfrm>
+      </p:grpSpPr>
+      <p:pic>
+        <p:nvPicPr>
+          <p:cNvPr id="3074" name="Picture 2" descr="Medical Image Analysis using Convolutional Neural Networks: A Review |  SpringerLink">
+            <a:extLst>
+              <a:ext uri="{FF2B5EF4-FFF2-40B4-BE49-F238E27FC236}">
+                <a16:creationId xmlns:a16="http://schemas.microsoft.com/office/drawing/2014/main" id="{49476A62-DD77-0247-BBC8-5E399D7AA016}"/>
+              </a:ext>
+            </a:extLst>
+          </p:cNvPr>
+          <p:cNvPicPr>
+            <a:picLocks noChangeAspect="1" noChangeArrowheads="1"/>
+          </p:cNvPicPr>
+          <p:nvPr/>
+        </p:nvPicPr>
+        <p:blipFill>
+          <a:blip r:embed="rId2">
+            <a:extLst>
+              <a:ext uri="{28A0092B-C50C-407E-A947-70E740481C1C}">
+                <a14:useLocalDpi xmlns:a14="http://schemas.microsoft.com/office/drawing/2010/main" val="0"/>
+              </a:ext>
+            </a:extLst>
+          </a:blip>
+          <a:srcRect/>
+          <a:stretch>
+            <a:fillRect/>
+          </a:stretch>
+        </p:blipFill>
+        <p:spPr bwMode="auto">
+          <a:xfrm>
+            <a:off x="190776" y="749300"/>
+            <a:ext cx="11353524" cy="4292565"/>
+          </a:xfrm>
+          <a:prstGeom prst="rect">
+            <a:avLst/>
+          </a:prstGeom>
+          <a:noFill/>
+          <a:extLst>
+            <a:ext uri="{909E8E84-426E-40DD-AFC4-6F175D3DCCD1}">
+              <a14:hiddenFill xmlns:a14="http://schemas.microsoft.com/office/drawing/2010/main">
+                <a:solidFill>
+                  <a:srgbClr val="FFFFFF"/>
+                </a:solidFill>
+              </a14:hiddenFill>
+            </a:ext>
+          </a:extLst>
+        </p:spPr>
+      </p:pic>
+    </p:spTree>
+    <p:extLst>
+      <p:ext uri="{BB962C8B-B14F-4D97-AF65-F5344CB8AC3E}">
+        <p14:creationId xmlns:p14="http://schemas.microsoft.com/office/powerpoint/2010/main" val="3583863163"/>
+      </p:ext>
+    </p:extLst>
+  </p:cSld>
+  <p:clrMapOvr>
+    <a:masterClrMapping/>
+  </p:clrMapOvr>
+</p:sld>
+</file>
+
+<file path=ppt/slides/slide6.xml><?xml version="1.0" encoding="utf-8"?>
+<p:sld xmlns:a="http://schemas.openxmlformats.org/drawingml/2006/main" xmlns:r="http://schemas.openxmlformats.org/officeDocument/2006/relationships" xmlns:p="http://schemas.openxmlformats.org/presentationml/2006/main">
+  <p:cSld>
+    <p:spTree>
+      <p:nvGrpSpPr>
+        <p:cNvPr id="1" name=""/>
+        <p:cNvGrpSpPr/>
+        <p:nvPr/>
+      </p:nvGrpSpPr>
+      <p:grpSpPr>
+        <a:xfrm>
+          <a:off x="0" y="0"/>
+          <a:ext cx="0" cy="0"/>
+          <a:chOff x="0" y="0"/>
+          <a:chExt cx="0" cy="0"/>
+        </a:xfrm>
+      </p:grpSpPr>
       <p:sp>
         <p:nvSpPr>
           <p:cNvPr id="4" name="Oval 3">
@@ -7314,7 +12948,7 @@
 </p:sld>
 </file>
 
-<file path=ppt/slides/slide4.xml><?xml version="1.0" encoding="utf-8"?>
+<file path=ppt/slides/slide7.xml><?xml version="1.0" encoding="utf-8"?>
 <p:sld xmlns:a="http://schemas.openxmlformats.org/drawingml/2006/main" xmlns:r="http://schemas.openxmlformats.org/officeDocument/2006/relationships" xmlns:p="http://schemas.openxmlformats.org/presentationml/2006/main">
   <p:cSld>
     <p:spTree>
